--- a/Session PPT.pptx
+++ b/Session PPT.pptx
@@ -7,6 +7,19 @@
   <p:sldIdLst>
     <p:sldId id="256" r:id="rId2"/>
     <p:sldId id="257" r:id="rId3"/>
+    <p:sldId id="258" r:id="rId4"/>
+    <p:sldId id="259" r:id="rId5"/>
+    <p:sldId id="260" r:id="rId6"/>
+    <p:sldId id="261" r:id="rId7"/>
+    <p:sldId id="262" r:id="rId8"/>
+    <p:sldId id="263" r:id="rId9"/>
+    <p:sldId id="264" r:id="rId10"/>
+    <p:sldId id="265" r:id="rId11"/>
+    <p:sldId id="266" r:id="rId12"/>
+    <p:sldId id="267" r:id="rId13"/>
+    <p:sldId id="268" r:id="rId14"/>
+    <p:sldId id="269" r:id="rId15"/>
+    <p:sldId id="270" r:id="rId16"/>
   </p:sldIdLst>
   <p:sldSz cx="12192000" cy="6858000"/>
   <p:notesSz cx="6858000" cy="9144000"/>
@@ -3022,6 +3035,36 @@
           </a:p>
         </p:txBody>
       </p:sp>
+      <p:pic>
+        <p:nvPicPr>
+          <p:cNvPr id="8" name="Picture 7" descr="A picture containing screenshot, graphics, design&#10;&#10;Description automatically generated">
+            <a:extLst>
+              <a:ext uri="{FF2B5EF4-FFF2-40B4-BE49-F238E27FC236}">
+                <a16:creationId xmlns:a16="http://schemas.microsoft.com/office/drawing/2014/main" id="{84F2E01B-7A0B-A93E-74F6-85F97E83F48E}"/>
+              </a:ext>
+            </a:extLst>
+          </p:cNvPr>
+          <p:cNvPicPr>
+            <a:picLocks noChangeAspect="1"/>
+          </p:cNvPicPr>
+          <p:nvPr userDrawn="1"/>
+        </p:nvPicPr>
+        <p:blipFill>
+          <a:blip r:embed="rId13"/>
+          <a:stretch>
+            <a:fillRect/>
+          </a:stretch>
+        </p:blipFill>
+        <p:spPr>
+          <a:xfrm rot="5400000">
+            <a:off x="-510492" y="5583637"/>
+            <a:ext cx="1782983" cy="1186651"/>
+          </a:xfrm>
+          <a:prstGeom prst="rect">
+            <a:avLst/>
+          </a:prstGeom>
+        </p:spPr>
+      </p:pic>
     </p:spTree>
     <p:extLst>
       <p:ext uri="{BB962C8B-B14F-4D97-AF65-F5344CB8AC3E}">
@@ -4020,10 +4063,3870 @@
           </a:p>
         </p:txBody>
       </p:sp>
+      <p:pic>
+        <p:nvPicPr>
+          <p:cNvPr id="14" name="Picture 13" descr="A picture containing screenshot, graphics, design&#10;&#10;Description automatically generated">
+            <a:extLst>
+              <a:ext uri="{FF2B5EF4-FFF2-40B4-BE49-F238E27FC236}">
+                <a16:creationId xmlns:a16="http://schemas.microsoft.com/office/drawing/2014/main" id="{E00A3C3C-009B-F688-240C-503ADDD0F536}"/>
+              </a:ext>
+            </a:extLst>
+          </p:cNvPr>
+          <p:cNvPicPr>
+            <a:picLocks noChangeAspect="1"/>
+          </p:cNvPicPr>
+          <p:nvPr/>
+        </p:nvPicPr>
+        <p:blipFill>
+          <a:blip r:embed="rId4"/>
+          <a:stretch>
+            <a:fillRect/>
+          </a:stretch>
+        </p:blipFill>
+        <p:spPr>
+          <a:xfrm rot="5400000">
+            <a:off x="-347861" y="5797561"/>
+            <a:ext cx="1599361" cy="1064443"/>
+          </a:xfrm>
+          <a:prstGeom prst="rect">
+            <a:avLst/>
+          </a:prstGeom>
+        </p:spPr>
+      </p:pic>
     </p:spTree>
     <p:extLst>
       <p:ext uri="{BB962C8B-B14F-4D97-AF65-F5344CB8AC3E}">
         <p14:creationId xmlns:p14="http://schemas.microsoft.com/office/powerpoint/2010/main" val="3848078148"/>
+      </p:ext>
+    </p:extLst>
+  </p:cSld>
+  <p:clrMapOvr>
+    <a:masterClrMapping/>
+  </p:clrMapOvr>
+</p:sld>
+</file>
+
+<file path=ppt/slides/slide10.xml><?xml version="1.0" encoding="utf-8"?>
+<p:sld xmlns:a="http://schemas.openxmlformats.org/drawingml/2006/main" xmlns:r="http://schemas.openxmlformats.org/officeDocument/2006/relationships" xmlns:p="http://schemas.openxmlformats.org/presentationml/2006/main">
+  <p:cSld>
+    <p:spTree>
+      <p:nvGrpSpPr>
+        <p:cNvPr id="1" name=""/>
+        <p:cNvGrpSpPr/>
+        <p:nvPr/>
+      </p:nvGrpSpPr>
+      <p:grpSpPr>
+        <a:xfrm>
+          <a:off x="0" y="0"/>
+          <a:ext cx="0" cy="0"/>
+          <a:chOff x="0" y="0"/>
+          <a:chExt cx="0" cy="0"/>
+        </a:xfrm>
+      </p:grpSpPr>
+      <p:sp>
+        <p:nvSpPr>
+          <p:cNvPr id="2" name="Title 1">
+            <a:extLst>
+              <a:ext uri="{FF2B5EF4-FFF2-40B4-BE49-F238E27FC236}">
+                <a16:creationId xmlns:a16="http://schemas.microsoft.com/office/drawing/2014/main" id="{AB312E70-DBD9-2227-300D-A3936CE3613D}"/>
+              </a:ext>
+            </a:extLst>
+          </p:cNvPr>
+          <p:cNvSpPr>
+            <a:spLocks noGrp="1"/>
+          </p:cNvSpPr>
+          <p:nvPr>
+            <p:ph type="title"/>
+          </p:nvPr>
+        </p:nvSpPr>
+        <p:spPr/>
+        <p:txBody>
+          <a:bodyPr/>
+          <a:lstStyle/>
+          <a:p>
+            <a:r>
+              <a:rPr lang="ko-KR" altLang="en-US" b="0" i="0" dirty="0">
+                <a:solidFill>
+                  <a:srgbClr val="374151"/>
+                </a:solidFill>
+                <a:effectLst/>
+                <a:latin typeface="Söhne"/>
+              </a:rPr>
+              <a:t>실제 사용자 모니터링 </a:t>
+            </a:r>
+            <a:r>
+              <a:rPr lang="en-US" altLang="ko-KR" b="0" i="0" dirty="0">
+                <a:solidFill>
+                  <a:srgbClr val="374151"/>
+                </a:solidFill>
+                <a:effectLst/>
+                <a:latin typeface="Söhne"/>
+              </a:rPr>
+              <a:t>(</a:t>
+            </a:r>
+            <a:r>
+              <a:rPr lang="en-US" b="0" i="0" dirty="0">
+                <a:solidFill>
+                  <a:srgbClr val="374151"/>
+                </a:solidFill>
+                <a:effectLst/>
+                <a:latin typeface="Söhne"/>
+              </a:rPr>
+              <a:t>RUM)</a:t>
+            </a:r>
+            <a:endParaRPr lang="en-KR" dirty="0"/>
+          </a:p>
+        </p:txBody>
+      </p:sp>
+      <p:sp>
+        <p:nvSpPr>
+          <p:cNvPr id="3" name="Content Placeholder 2">
+            <a:extLst>
+              <a:ext uri="{FF2B5EF4-FFF2-40B4-BE49-F238E27FC236}">
+                <a16:creationId xmlns:a16="http://schemas.microsoft.com/office/drawing/2014/main" id="{80E27E7C-DD14-29E2-1B32-901494FDBC1A}"/>
+              </a:ext>
+            </a:extLst>
+          </p:cNvPr>
+          <p:cNvSpPr>
+            <a:spLocks noGrp="1"/>
+          </p:cNvSpPr>
+          <p:nvPr>
+            <p:ph idx="1"/>
+          </p:nvPr>
+        </p:nvSpPr>
+        <p:spPr/>
+        <p:txBody>
+          <a:bodyPr/>
+          <a:lstStyle/>
+          <a:p>
+            <a:r>
+              <a:rPr lang="ko-KR" altLang="en-US" b="0" i="0" dirty="0">
+                <a:solidFill>
+                  <a:srgbClr val="374151"/>
+                </a:solidFill>
+                <a:effectLst/>
+                <a:latin typeface="Söhne"/>
+              </a:rPr>
+              <a:t>애플리케이션은 테스트 시뮬레이션 환경과는 다르게 실제 세계에서 다르게 동작합니다</a:t>
+            </a:r>
+            <a:r>
+              <a:rPr lang="en-US" altLang="ko-KR" b="0" i="0" dirty="0">
+                <a:solidFill>
+                  <a:srgbClr val="374151"/>
+                </a:solidFill>
+                <a:effectLst/>
+                <a:latin typeface="Söhne"/>
+              </a:rPr>
+              <a:t>. </a:t>
+            </a:r>
+            <a:r>
+              <a:rPr lang="ko-KR" altLang="en-US" b="0" i="0" dirty="0">
+                <a:solidFill>
+                  <a:srgbClr val="374151"/>
+                </a:solidFill>
+                <a:effectLst/>
+                <a:latin typeface="Söhne"/>
+              </a:rPr>
+              <a:t>실제 사용자를 대상으로 앱을 테스트하면 사용자가 애플리케이션 또는 서비스 성능에 대해 어떻게 인식하고 반응하는지에 대한 정확한 관점을 제공합니다</a:t>
+            </a:r>
+            <a:r>
+              <a:rPr lang="en-US" altLang="ko-KR" b="0" i="0" dirty="0">
+                <a:solidFill>
+                  <a:srgbClr val="374151"/>
+                </a:solidFill>
+                <a:effectLst/>
+                <a:latin typeface="Söhne"/>
+              </a:rPr>
+              <a:t>. </a:t>
+            </a:r>
+            <a:r>
+              <a:rPr lang="ko-KR" altLang="en-US" b="0" i="0" dirty="0">
+                <a:solidFill>
+                  <a:srgbClr val="374151"/>
+                </a:solidFill>
+                <a:effectLst/>
+                <a:latin typeface="Söhne"/>
+              </a:rPr>
+              <a:t>예를 들어</a:t>
+            </a:r>
+            <a:r>
+              <a:rPr lang="en-US" altLang="ko-KR" b="0" i="0" dirty="0">
+                <a:solidFill>
+                  <a:srgbClr val="374151"/>
+                </a:solidFill>
+                <a:effectLst/>
+                <a:latin typeface="Söhne"/>
+              </a:rPr>
+              <a:t>, </a:t>
+            </a:r>
+            <a:r>
+              <a:rPr lang="ko-KR" altLang="en-US" b="0" i="0" dirty="0">
+                <a:solidFill>
+                  <a:srgbClr val="374151"/>
+                </a:solidFill>
+                <a:effectLst/>
+                <a:latin typeface="Söhne"/>
+              </a:rPr>
+              <a:t>링크를 클릭한 후 몇 초 이상 웹사이트에 머무르는 사용자 수는 페이지 로드 속도에 만족하고 머무른 사용자의 수를 나타냅니다</a:t>
+            </a:r>
+            <a:r>
+              <a:rPr lang="en-US" altLang="ko-KR" b="0" i="0" dirty="0">
+                <a:solidFill>
+                  <a:srgbClr val="374151"/>
+                </a:solidFill>
+                <a:effectLst/>
+                <a:latin typeface="Söhne"/>
+              </a:rPr>
+              <a:t>. </a:t>
+            </a:r>
+            <a:r>
+              <a:rPr lang="en-US" b="0" i="0" dirty="0">
+                <a:solidFill>
+                  <a:srgbClr val="374151"/>
+                </a:solidFill>
+                <a:effectLst/>
+                <a:latin typeface="Söhne"/>
+              </a:rPr>
+              <a:t>RUM</a:t>
+            </a:r>
+            <a:r>
+              <a:rPr lang="ko-KR" altLang="en-US" b="0" i="0" dirty="0">
+                <a:solidFill>
+                  <a:srgbClr val="374151"/>
+                </a:solidFill>
+                <a:effectLst/>
+                <a:latin typeface="Söhne"/>
+              </a:rPr>
+              <a:t>은 이러한 상호작용을 기록하고 네트워크를 통해 최종 사용자에게 제공된 서비스의 이력을 제공합니다</a:t>
+            </a:r>
+            <a:r>
+              <a:rPr lang="en-US" altLang="ko-KR" b="0" i="0" dirty="0">
+                <a:solidFill>
+                  <a:srgbClr val="374151"/>
+                </a:solidFill>
+                <a:effectLst/>
+                <a:latin typeface="Söhne"/>
+              </a:rPr>
+              <a:t>.</a:t>
+            </a:r>
+            <a:endParaRPr lang="en-KR" dirty="0"/>
+          </a:p>
+        </p:txBody>
+      </p:sp>
+    </p:spTree>
+    <p:extLst>
+      <p:ext uri="{BB962C8B-B14F-4D97-AF65-F5344CB8AC3E}">
+        <p14:creationId xmlns:p14="http://schemas.microsoft.com/office/powerpoint/2010/main" val="3694117672"/>
+      </p:ext>
+    </p:extLst>
+  </p:cSld>
+  <p:clrMapOvr>
+    <a:masterClrMapping/>
+  </p:clrMapOvr>
+</p:sld>
+</file>
+
+<file path=ppt/slides/slide11.xml><?xml version="1.0" encoding="utf-8"?>
+<p:sld xmlns:a="http://schemas.openxmlformats.org/drawingml/2006/main" xmlns:r="http://schemas.openxmlformats.org/officeDocument/2006/relationships" xmlns:p="http://schemas.openxmlformats.org/presentationml/2006/main">
+  <p:cSld>
+    <p:spTree>
+      <p:nvGrpSpPr>
+        <p:cNvPr id="1" name=""/>
+        <p:cNvGrpSpPr/>
+        <p:nvPr/>
+      </p:nvGrpSpPr>
+      <p:grpSpPr>
+        <a:xfrm>
+          <a:off x="0" y="0"/>
+          <a:ext cx="0" cy="0"/>
+          <a:chOff x="0" y="0"/>
+          <a:chExt cx="0" cy="0"/>
+        </a:xfrm>
+      </p:grpSpPr>
+      <p:sp>
+        <p:nvSpPr>
+          <p:cNvPr id="2" name="Title 1">
+            <a:extLst>
+              <a:ext uri="{FF2B5EF4-FFF2-40B4-BE49-F238E27FC236}">
+                <a16:creationId xmlns:a16="http://schemas.microsoft.com/office/drawing/2014/main" id="{9EF085A2-11E2-FC7B-2491-949C5E4010A1}"/>
+              </a:ext>
+            </a:extLst>
+          </p:cNvPr>
+          <p:cNvSpPr>
+            <a:spLocks noGrp="1"/>
+          </p:cNvSpPr>
+          <p:nvPr>
+            <p:ph type="title"/>
+          </p:nvPr>
+        </p:nvSpPr>
+        <p:spPr/>
+        <p:txBody>
+          <a:bodyPr/>
+          <a:lstStyle/>
+          <a:p>
+            <a:r>
+              <a:rPr lang="ko-KR" altLang="en-US" b="0" i="0" dirty="0">
+                <a:solidFill>
+                  <a:srgbClr val="374151"/>
+                </a:solidFill>
+                <a:effectLst/>
+                <a:latin typeface="Söhne"/>
+              </a:rPr>
+              <a:t>보안 모니터링</a:t>
+            </a:r>
+            <a:endParaRPr lang="en-KR" dirty="0"/>
+          </a:p>
+        </p:txBody>
+      </p:sp>
+      <p:sp>
+        <p:nvSpPr>
+          <p:cNvPr id="3" name="Content Placeholder 2">
+            <a:extLst>
+              <a:ext uri="{FF2B5EF4-FFF2-40B4-BE49-F238E27FC236}">
+                <a16:creationId xmlns:a16="http://schemas.microsoft.com/office/drawing/2014/main" id="{2391F1A7-637A-E2FB-34D0-F2637630D72F}"/>
+              </a:ext>
+            </a:extLst>
+          </p:cNvPr>
+          <p:cNvSpPr>
+            <a:spLocks noGrp="1"/>
+          </p:cNvSpPr>
+          <p:nvPr>
+            <p:ph idx="1"/>
+          </p:nvPr>
+        </p:nvSpPr>
+        <p:spPr/>
+        <p:txBody>
+          <a:bodyPr>
+            <a:normAutofit fontScale="92500"/>
+          </a:bodyPr>
+          <a:lstStyle/>
+          <a:p>
+            <a:pPr algn="l"/>
+            <a:r>
+              <a:rPr lang="ko-KR" altLang="en-US" b="0" i="0" dirty="0">
+                <a:solidFill>
+                  <a:srgbClr val="000000"/>
+                </a:solidFill>
+                <a:effectLst/>
+                <a:latin typeface="Söhne"/>
+              </a:rPr>
+              <a:t>보안 공격 및 네트워크 침입은 데이터 트래픽 및 네트워크 동작에 영향을 줍니다</a:t>
+            </a:r>
+            <a:r>
+              <a:rPr lang="en-US" altLang="ko-KR" b="0" i="0" dirty="0">
+                <a:solidFill>
+                  <a:srgbClr val="000000"/>
+                </a:solidFill>
+                <a:effectLst/>
+                <a:latin typeface="Söhne"/>
+              </a:rPr>
+              <a:t>. </a:t>
+            </a:r>
+            <a:r>
+              <a:rPr lang="ko-KR" altLang="en-US" b="0" i="0" dirty="0">
+                <a:solidFill>
+                  <a:srgbClr val="000000"/>
+                </a:solidFill>
+                <a:effectLst/>
+                <a:latin typeface="Söhne"/>
+              </a:rPr>
+              <a:t>비정상적인 활동은 정보 접근 및 인가에 대한 정책에 대해 추적될 수 있습니다</a:t>
+            </a:r>
+            <a:r>
+              <a:rPr lang="en-US" altLang="ko-KR" b="0" i="0" dirty="0">
+                <a:solidFill>
+                  <a:srgbClr val="000000"/>
+                </a:solidFill>
+                <a:effectLst/>
+                <a:latin typeface="Söhne"/>
+              </a:rPr>
+              <a:t>. </a:t>
+            </a:r>
+            <a:r>
+              <a:rPr lang="ko-KR" altLang="en-US" b="0" i="0" dirty="0">
+                <a:solidFill>
+                  <a:srgbClr val="000000"/>
+                </a:solidFill>
+                <a:effectLst/>
+                <a:latin typeface="Söhne"/>
+              </a:rPr>
+              <a:t>고급 </a:t>
+            </a:r>
+            <a:r>
+              <a:rPr lang="en-US" b="0" i="0" dirty="0">
+                <a:solidFill>
+                  <a:srgbClr val="000000"/>
+                </a:solidFill>
+                <a:effectLst/>
+                <a:latin typeface="Söhne"/>
+              </a:rPr>
+              <a:t>AI </a:t>
+            </a:r>
+            <a:r>
+              <a:rPr lang="ko-KR" altLang="en-US" b="0" i="0" dirty="0">
+                <a:solidFill>
+                  <a:srgbClr val="000000"/>
+                </a:solidFill>
+                <a:effectLst/>
+                <a:latin typeface="Söhne"/>
+              </a:rPr>
+              <a:t>기반 솔루션을 사용하여 모니터링된 네트워크 로그 데이터를 이상 동작에 대해 분석할 수 있으며</a:t>
+            </a:r>
+            <a:r>
+              <a:rPr lang="en-US" altLang="ko-KR" b="0" i="0" dirty="0">
+                <a:solidFill>
+                  <a:srgbClr val="000000"/>
+                </a:solidFill>
+                <a:effectLst/>
+                <a:latin typeface="Söhne"/>
+              </a:rPr>
+              <a:t>, </a:t>
+            </a:r>
+            <a:r>
+              <a:rPr lang="ko-KR" altLang="en-US" b="0" i="0" dirty="0">
+                <a:solidFill>
+                  <a:srgbClr val="000000"/>
+                </a:solidFill>
+                <a:effectLst/>
+                <a:latin typeface="Söhne"/>
+              </a:rPr>
+              <a:t>잠재적인 위협이 비즈니스에 영향을 주기 전에 식별할 수 있습니다</a:t>
+            </a:r>
+            <a:r>
+              <a:rPr lang="en-US" altLang="ko-KR" b="0" i="0" dirty="0">
+                <a:solidFill>
+                  <a:srgbClr val="000000"/>
+                </a:solidFill>
+                <a:effectLst/>
+                <a:latin typeface="Söhne"/>
+              </a:rPr>
+              <a:t>.</a:t>
+            </a:r>
+          </a:p>
+          <a:p>
+            <a:pPr algn="l"/>
+            <a:r>
+              <a:rPr lang="ko-KR" altLang="en-US" b="0" i="0" dirty="0">
+                <a:solidFill>
+                  <a:srgbClr val="000000"/>
+                </a:solidFill>
+                <a:effectLst/>
+                <a:latin typeface="Söhne"/>
+              </a:rPr>
+              <a:t>현대적인 </a:t>
+            </a:r>
+            <a:r>
+              <a:rPr lang="en-US" b="0" i="0" dirty="0">
+                <a:solidFill>
+                  <a:srgbClr val="000000"/>
+                </a:solidFill>
+                <a:effectLst/>
+                <a:latin typeface="Söhne"/>
+              </a:rPr>
+              <a:t>SDLC(Software Development Lifecycle) </a:t>
+            </a:r>
+            <a:r>
+              <a:rPr lang="ko-KR" altLang="en-US" b="0" i="0" dirty="0">
+                <a:solidFill>
+                  <a:srgbClr val="000000"/>
+                </a:solidFill>
+                <a:effectLst/>
+                <a:latin typeface="Söhne"/>
+              </a:rPr>
+              <a:t>프레임워크에서의 </a:t>
+            </a:r>
+            <a:r>
+              <a:rPr lang="en-US" b="0" i="0" dirty="0">
+                <a:solidFill>
+                  <a:srgbClr val="000000"/>
+                </a:solidFill>
+                <a:effectLst/>
+                <a:latin typeface="Söhne"/>
+              </a:rPr>
+              <a:t>IT </a:t>
+            </a:r>
+            <a:r>
+              <a:rPr lang="ko-KR" altLang="en-US" b="0" i="0" dirty="0">
+                <a:solidFill>
+                  <a:srgbClr val="000000"/>
+                </a:solidFill>
+                <a:effectLst/>
+                <a:latin typeface="Söhne"/>
+              </a:rPr>
+              <a:t>모니터링 공학 중심 도메인에서 </a:t>
+            </a:r>
+            <a:r>
+              <a:rPr lang="en-US" b="0" i="0" dirty="0">
+                <a:solidFill>
+                  <a:srgbClr val="000000"/>
+                </a:solidFill>
+                <a:effectLst/>
+                <a:latin typeface="Söhne"/>
+              </a:rPr>
+              <a:t>IT </a:t>
+            </a:r>
+            <a:r>
+              <a:rPr lang="ko-KR" altLang="en-US" b="0" i="0" dirty="0">
+                <a:solidFill>
+                  <a:srgbClr val="000000"/>
+                </a:solidFill>
+                <a:effectLst/>
+                <a:latin typeface="Söhne"/>
+              </a:rPr>
+              <a:t>모니터링은 </a:t>
+            </a:r>
+            <a:r>
+              <a:rPr lang="en-US" b="0" i="0" dirty="0">
+                <a:solidFill>
+                  <a:srgbClr val="000000"/>
+                </a:solidFill>
+                <a:effectLst/>
+                <a:latin typeface="Söhne"/>
+              </a:rPr>
+              <a:t>DevOps</a:t>
+            </a:r>
+            <a:r>
+              <a:rPr lang="ko-KR" altLang="en-US" b="0" i="0" dirty="0">
+                <a:solidFill>
+                  <a:srgbClr val="000000"/>
+                </a:solidFill>
+                <a:effectLst/>
+                <a:latin typeface="Söhne"/>
+              </a:rPr>
+              <a:t>와 같은 현대적인 소프트웨어 개발 라이프사이클 </a:t>
+            </a:r>
+            <a:r>
+              <a:rPr lang="en-US" altLang="ko-KR" b="0" i="0" dirty="0">
+                <a:solidFill>
+                  <a:srgbClr val="000000"/>
+                </a:solidFill>
+                <a:effectLst/>
+                <a:latin typeface="Söhne"/>
+              </a:rPr>
+              <a:t>(</a:t>
+            </a:r>
+            <a:r>
+              <a:rPr lang="en-US" b="0" i="0" dirty="0">
+                <a:solidFill>
+                  <a:srgbClr val="000000"/>
+                </a:solidFill>
+                <a:effectLst/>
+                <a:latin typeface="Söhne"/>
+              </a:rPr>
+              <a:t>SDLC) </a:t>
+            </a:r>
+            <a:r>
+              <a:rPr lang="ko-KR" altLang="en-US" b="0" i="0" dirty="0">
+                <a:solidFill>
+                  <a:srgbClr val="000000"/>
+                </a:solidFill>
+                <a:effectLst/>
+                <a:latin typeface="Söhne"/>
+              </a:rPr>
+              <a:t>프레임워크를 가능하게 하는 데 중요한 역할을 합니다</a:t>
+            </a:r>
+            <a:r>
+              <a:rPr lang="en-US" altLang="ko-KR" b="0" i="0" dirty="0">
+                <a:solidFill>
+                  <a:srgbClr val="000000"/>
+                </a:solidFill>
+                <a:effectLst/>
+                <a:latin typeface="Söhne"/>
+              </a:rPr>
+              <a:t>. </a:t>
+            </a:r>
+            <a:r>
+              <a:rPr lang="en-US" b="0" i="0" dirty="0">
+                <a:solidFill>
+                  <a:srgbClr val="000000"/>
+                </a:solidFill>
+                <a:effectLst/>
+                <a:latin typeface="Söhne"/>
+              </a:rPr>
+              <a:t>IT </a:t>
+            </a:r>
+            <a:r>
+              <a:rPr lang="ko-KR" altLang="en-US" b="0" i="0" dirty="0">
+                <a:solidFill>
+                  <a:srgbClr val="000000"/>
+                </a:solidFill>
+                <a:effectLst/>
+                <a:latin typeface="Söhne"/>
+              </a:rPr>
+              <a:t>모니터링의 역</a:t>
+            </a:r>
+          </a:p>
+          <a:p>
+            <a:pPr algn="l"/>
+            <a:br>
+              <a:rPr lang="ko-KR" altLang="en-US" b="0" i="0" dirty="0">
+                <a:solidFill>
+                  <a:srgbClr val="000000"/>
+                </a:solidFill>
+                <a:effectLst/>
+                <a:latin typeface="Söhne"/>
+              </a:rPr>
+            </a:br>
+            <a:endParaRPr lang="ko-KR" altLang="en-US" b="0" i="0" dirty="0">
+              <a:solidFill>
+                <a:srgbClr val="000000"/>
+              </a:solidFill>
+              <a:effectLst/>
+              <a:latin typeface="Söhne"/>
+            </a:endParaRPr>
+          </a:p>
+          <a:p>
+            <a:endParaRPr lang="en-KR" dirty="0"/>
+          </a:p>
+        </p:txBody>
+      </p:sp>
+    </p:spTree>
+    <p:extLst>
+      <p:ext uri="{BB962C8B-B14F-4D97-AF65-F5344CB8AC3E}">
+        <p14:creationId xmlns:p14="http://schemas.microsoft.com/office/powerpoint/2010/main" val="1664596906"/>
+      </p:ext>
+    </p:extLst>
+  </p:cSld>
+  <p:clrMapOvr>
+    <a:masterClrMapping/>
+  </p:clrMapOvr>
+</p:sld>
+</file>
+
+<file path=ppt/slides/slide12.xml><?xml version="1.0" encoding="utf-8"?>
+<p:sld xmlns:a="http://schemas.openxmlformats.org/drawingml/2006/main" xmlns:r="http://schemas.openxmlformats.org/officeDocument/2006/relationships" xmlns:p="http://schemas.openxmlformats.org/presentationml/2006/main">
+  <p:cSld>
+    <p:spTree>
+      <p:nvGrpSpPr>
+        <p:cNvPr id="1" name=""/>
+        <p:cNvGrpSpPr/>
+        <p:nvPr/>
+      </p:nvGrpSpPr>
+      <p:grpSpPr>
+        <a:xfrm>
+          <a:off x="0" y="0"/>
+          <a:ext cx="0" cy="0"/>
+          <a:chOff x="0" y="0"/>
+          <a:chExt cx="0" cy="0"/>
+        </a:xfrm>
+      </p:grpSpPr>
+      <p:sp>
+        <p:nvSpPr>
+          <p:cNvPr id="2" name="Title 1">
+            <a:extLst>
+              <a:ext uri="{FF2B5EF4-FFF2-40B4-BE49-F238E27FC236}">
+                <a16:creationId xmlns:a16="http://schemas.microsoft.com/office/drawing/2014/main" id="{95BF7149-D555-080C-C713-A0DB28B7BF25}"/>
+              </a:ext>
+            </a:extLst>
+          </p:cNvPr>
+          <p:cNvSpPr>
+            <a:spLocks noGrp="1"/>
+          </p:cNvSpPr>
+          <p:nvPr>
+            <p:ph type="title"/>
+          </p:nvPr>
+        </p:nvSpPr>
+        <p:spPr/>
+        <p:txBody>
+          <a:bodyPr/>
+          <a:lstStyle/>
+          <a:p>
+            <a:r>
+              <a:rPr lang="en-KR" dirty="0"/>
+              <a:t>K8S </a:t>
+            </a:r>
+            <a:r>
+              <a:rPr lang="ko-KR" altLang="en-US" dirty="0"/>
+              <a:t>모니터링</a:t>
+            </a:r>
+            <a:endParaRPr lang="en-KR" dirty="0"/>
+          </a:p>
+        </p:txBody>
+      </p:sp>
+      <p:sp>
+        <p:nvSpPr>
+          <p:cNvPr id="3" name="Content Placeholder 2">
+            <a:extLst>
+              <a:ext uri="{FF2B5EF4-FFF2-40B4-BE49-F238E27FC236}">
+                <a16:creationId xmlns:a16="http://schemas.microsoft.com/office/drawing/2014/main" id="{27F5AA8F-CB70-8117-7D21-66BDBFD8E1A6}"/>
+              </a:ext>
+            </a:extLst>
+          </p:cNvPr>
+          <p:cNvSpPr>
+            <a:spLocks noGrp="1"/>
+          </p:cNvSpPr>
+          <p:nvPr>
+            <p:ph idx="1"/>
+          </p:nvPr>
+        </p:nvSpPr>
+        <p:spPr/>
+        <p:txBody>
+          <a:bodyPr>
+            <a:normAutofit fontScale="85000" lnSpcReduction="20000"/>
+          </a:bodyPr>
+          <a:lstStyle/>
+          <a:p>
+            <a:r>
+              <a:rPr lang="ko-KR" altLang="en-US" dirty="0" err="1"/>
+              <a:t>메트릭</a:t>
+            </a:r>
+            <a:r>
+              <a:rPr lang="ko-KR" altLang="en-US" dirty="0"/>
+              <a:t> 서버는 각 노드의 </a:t>
+            </a:r>
+            <a:r>
+              <a:rPr lang="en-US" dirty="0" err="1"/>
+              <a:t>kubelet</a:t>
+            </a:r>
+            <a:r>
+              <a:rPr lang="ko-KR" altLang="en-US" dirty="0"/>
+              <a:t>에서 수집된 데이터를 집계하여 </a:t>
+            </a:r>
+            <a:r>
+              <a:rPr lang="en-US" dirty="0"/>
+              <a:t>Metrics API</a:t>
+            </a:r>
+            <a:r>
+              <a:rPr lang="ko-KR" altLang="en-US" dirty="0" err="1"/>
+              <a:t>를</a:t>
+            </a:r>
+            <a:r>
+              <a:rPr lang="ko-KR" altLang="en-US" dirty="0"/>
+              <a:t> 통해 전달하며</a:t>
+            </a:r>
+            <a:r>
+              <a:rPr lang="en-US" altLang="ko-KR" dirty="0"/>
+              <a:t>, </a:t>
+            </a:r>
+            <a:r>
+              <a:rPr lang="ko-KR" altLang="en-US" dirty="0"/>
+              <a:t>이는 여러 시각화 도구와 결합될 수 있습니다</a:t>
+            </a:r>
+            <a:r>
+              <a:rPr lang="en-US" altLang="ko-KR" dirty="0"/>
+              <a:t>. </a:t>
+            </a:r>
+            <a:r>
+              <a:rPr lang="ko-KR" altLang="en-US" dirty="0"/>
+              <a:t>추적해야 할 일부 주요 </a:t>
+            </a:r>
+            <a:r>
+              <a:rPr lang="ko-KR" altLang="en-US" dirty="0" err="1"/>
+              <a:t>메트릭은</a:t>
+            </a:r>
+            <a:r>
+              <a:rPr lang="ko-KR" altLang="en-US" dirty="0"/>
+              <a:t> 다음과 같습니다</a:t>
+            </a:r>
+            <a:r>
+              <a:rPr lang="en-US" altLang="ko-KR" dirty="0"/>
+              <a:t>:</a:t>
+            </a:r>
+          </a:p>
+          <a:p>
+            <a:r>
+              <a:rPr lang="ko-KR" altLang="en-US" dirty="0"/>
+              <a:t>클러스터 상태 </a:t>
+            </a:r>
+            <a:r>
+              <a:rPr lang="ko-KR" altLang="en-US" dirty="0" err="1"/>
+              <a:t>메트릭</a:t>
+            </a:r>
+            <a:r>
+              <a:rPr lang="en-US" altLang="ko-KR" dirty="0"/>
+              <a:t>: </a:t>
+            </a:r>
+            <a:r>
+              <a:rPr lang="ko-KR" altLang="en-US" dirty="0" err="1"/>
+              <a:t>팟의</a:t>
+            </a:r>
+            <a:r>
+              <a:rPr lang="ko-KR" altLang="en-US" dirty="0"/>
+              <a:t> 상태와 가용성을 포함합니다</a:t>
+            </a:r>
+            <a:r>
+              <a:rPr lang="en-US" altLang="ko-KR" dirty="0"/>
+              <a:t>.</a:t>
+            </a:r>
+          </a:p>
+          <a:p>
+            <a:r>
+              <a:rPr lang="ko-KR" altLang="en-US" dirty="0"/>
+              <a:t>노드 상태</a:t>
+            </a:r>
+            <a:r>
+              <a:rPr lang="en-US" altLang="ko-KR" dirty="0"/>
+              <a:t>: </a:t>
+            </a:r>
+            <a:r>
+              <a:rPr lang="ko-KR" altLang="en-US" dirty="0"/>
+              <a:t>준비 상태</a:t>
+            </a:r>
+            <a:r>
+              <a:rPr lang="en-US" altLang="ko-KR" dirty="0"/>
+              <a:t>, </a:t>
+            </a:r>
+            <a:r>
+              <a:rPr lang="ko-KR" altLang="en-US" dirty="0"/>
+              <a:t>메모리 사용</a:t>
+            </a:r>
+            <a:r>
+              <a:rPr lang="en-US" altLang="ko-KR" dirty="0"/>
+              <a:t>, </a:t>
+            </a:r>
+            <a:r>
+              <a:rPr lang="ko-KR" altLang="en-US" dirty="0"/>
+              <a:t>디스크 또는 프로세서 과부하</a:t>
+            </a:r>
+            <a:r>
+              <a:rPr lang="en-US" altLang="ko-KR" dirty="0"/>
+              <a:t>, </a:t>
+            </a:r>
+            <a:r>
+              <a:rPr lang="ko-KR" altLang="en-US" dirty="0"/>
+              <a:t>네트워크 가용성을 포함합니다</a:t>
+            </a:r>
+            <a:r>
+              <a:rPr lang="en-US" altLang="ko-KR" dirty="0"/>
+              <a:t>.</a:t>
+            </a:r>
+          </a:p>
+          <a:p>
+            <a:r>
+              <a:rPr lang="ko-KR" altLang="en-US" dirty="0" err="1"/>
+              <a:t>팟</a:t>
+            </a:r>
+            <a:r>
+              <a:rPr lang="ko-KR" altLang="en-US" dirty="0"/>
+              <a:t> 가용성</a:t>
+            </a:r>
+            <a:r>
+              <a:rPr lang="en-US" altLang="ko-KR" dirty="0"/>
+              <a:t>: </a:t>
+            </a:r>
+            <a:r>
+              <a:rPr lang="ko-KR" altLang="en-US" dirty="0"/>
+              <a:t>가용하지 않은 </a:t>
+            </a:r>
+            <a:r>
+              <a:rPr lang="ko-KR" altLang="en-US" dirty="0" err="1"/>
+              <a:t>팟은</a:t>
+            </a:r>
+            <a:r>
+              <a:rPr lang="ko-KR" altLang="en-US" dirty="0"/>
+              <a:t> 구성 문제나 잘못된 준비 </a:t>
+            </a:r>
+            <a:r>
+              <a:rPr lang="ko-KR" altLang="en-US" dirty="0" err="1"/>
+              <a:t>프로브</a:t>
+            </a:r>
+            <a:r>
+              <a:rPr lang="en-US" altLang="ko-KR" dirty="0"/>
+              <a:t>(</a:t>
+            </a:r>
+            <a:r>
+              <a:rPr lang="en-US" dirty="0"/>
+              <a:t>Readiness Probe) </a:t>
+            </a:r>
+            <a:r>
+              <a:rPr lang="ko-KR" altLang="en-US" dirty="0"/>
+              <a:t>설계를 나타낼 수 있습니다</a:t>
+            </a:r>
+            <a:r>
+              <a:rPr lang="en-US" altLang="ko-KR" dirty="0"/>
+              <a:t>.</a:t>
+            </a:r>
+          </a:p>
+          <a:p>
+            <a:r>
+              <a:rPr lang="ko-KR" altLang="en-US" dirty="0" err="1"/>
+              <a:t>팟</a:t>
+            </a:r>
+            <a:r>
+              <a:rPr lang="ko-KR" altLang="en-US" dirty="0"/>
+              <a:t> 및 노드 수준의 메모리 사용량</a:t>
+            </a:r>
+            <a:r>
+              <a:rPr lang="en-US" altLang="ko-KR" dirty="0"/>
+              <a:t>.</a:t>
+            </a:r>
+          </a:p>
+          <a:p>
+            <a:r>
+              <a:rPr lang="ko-KR" altLang="en-US" dirty="0"/>
+              <a:t>파일 시스템 및 인덱스 노드에 공간 부족을 포함한 디스크 사용량</a:t>
+            </a:r>
+            <a:r>
+              <a:rPr lang="en-US" altLang="ko-KR" dirty="0"/>
+              <a:t>.</a:t>
+            </a:r>
+          </a:p>
+          <a:p>
+            <a:r>
+              <a:rPr lang="ko-KR" altLang="en-US" dirty="0" err="1"/>
+              <a:t>팟에</a:t>
+            </a:r>
+            <a:r>
+              <a:rPr lang="ko-KR" altLang="en-US" dirty="0"/>
+              <a:t> 할당된 </a:t>
+            </a:r>
+            <a:r>
+              <a:rPr lang="en-US" dirty="0"/>
+              <a:t>CPU </a:t>
+            </a:r>
+            <a:r>
+              <a:rPr lang="ko-KR" altLang="en-US" dirty="0"/>
+              <a:t>자원 양에 대한 </a:t>
+            </a:r>
+            <a:r>
+              <a:rPr lang="en-US" dirty="0"/>
+              <a:t>CPU </a:t>
+            </a:r>
+            <a:r>
+              <a:rPr lang="ko-KR" altLang="en-US" dirty="0"/>
+              <a:t>사용량</a:t>
+            </a:r>
+            <a:r>
+              <a:rPr lang="en-US" altLang="ko-KR" dirty="0"/>
+              <a:t>.</a:t>
+            </a:r>
+          </a:p>
+          <a:p>
+            <a:r>
+              <a:rPr lang="en-US" dirty="0"/>
+              <a:t>API </a:t>
+            </a:r>
+            <a:r>
+              <a:rPr lang="ko-KR" altLang="en-US" dirty="0"/>
+              <a:t>요청 대기 시간</a:t>
+            </a:r>
+            <a:r>
+              <a:rPr lang="en-US" altLang="ko-KR" dirty="0"/>
+              <a:t>: </a:t>
+            </a:r>
+            <a:r>
+              <a:rPr lang="ko-KR" altLang="en-US" dirty="0" err="1"/>
+              <a:t>밀리초</a:t>
+            </a:r>
+            <a:r>
+              <a:rPr lang="ko-KR" altLang="en-US" dirty="0"/>
+              <a:t> 단위로 측정되며</a:t>
+            </a:r>
+            <a:r>
+              <a:rPr lang="en-US" altLang="ko-KR" dirty="0"/>
+              <a:t>, </a:t>
+            </a:r>
+            <a:r>
+              <a:rPr lang="ko-KR" altLang="en-US" dirty="0"/>
+              <a:t>수치가 낮을수록 대기 시간이 더 좋습니다</a:t>
+            </a:r>
+            <a:r>
+              <a:rPr lang="en-US" altLang="ko-KR" dirty="0"/>
+              <a:t>.</a:t>
+            </a:r>
+          </a:p>
+          <a:p>
+            <a:endParaRPr lang="en-KR" dirty="0"/>
+          </a:p>
+        </p:txBody>
+      </p:sp>
+    </p:spTree>
+    <p:extLst>
+      <p:ext uri="{BB962C8B-B14F-4D97-AF65-F5344CB8AC3E}">
+        <p14:creationId xmlns:p14="http://schemas.microsoft.com/office/powerpoint/2010/main" val="2325097273"/>
+      </p:ext>
+    </p:extLst>
+  </p:cSld>
+  <p:clrMapOvr>
+    <a:masterClrMapping/>
+  </p:clrMapOvr>
+</p:sld>
+</file>
+
+<file path=ppt/slides/slide13.xml><?xml version="1.0" encoding="utf-8"?>
+<p:sld xmlns:a="http://schemas.openxmlformats.org/drawingml/2006/main" xmlns:r="http://schemas.openxmlformats.org/officeDocument/2006/relationships" xmlns:p="http://schemas.openxmlformats.org/presentationml/2006/main">
+  <p:cSld>
+    <p:spTree>
+      <p:nvGrpSpPr>
+        <p:cNvPr id="1" name=""/>
+        <p:cNvGrpSpPr/>
+        <p:nvPr/>
+      </p:nvGrpSpPr>
+      <p:grpSpPr>
+        <a:xfrm>
+          <a:off x="0" y="0"/>
+          <a:ext cx="0" cy="0"/>
+          <a:chOff x="0" y="0"/>
+          <a:chExt cx="0" cy="0"/>
+        </a:xfrm>
+      </p:grpSpPr>
+      <p:sp>
+        <p:nvSpPr>
+          <p:cNvPr id="2" name="Title 1">
+            <a:extLst>
+              <a:ext uri="{FF2B5EF4-FFF2-40B4-BE49-F238E27FC236}">
+                <a16:creationId xmlns:a16="http://schemas.microsoft.com/office/drawing/2014/main" id="{DE9A0441-1BB8-2FB2-F8F3-47ABE2E1CFCC}"/>
+              </a:ext>
+            </a:extLst>
+          </p:cNvPr>
+          <p:cNvSpPr>
+            <a:spLocks noGrp="1"/>
+          </p:cNvSpPr>
+          <p:nvPr>
+            <p:ph type="title"/>
+          </p:nvPr>
+        </p:nvSpPr>
+        <p:spPr/>
+        <p:txBody>
+          <a:bodyPr/>
+          <a:lstStyle/>
+          <a:p>
+            <a:r>
+              <a:rPr lang="ko-KR" altLang="en-US" dirty="0" err="1"/>
+              <a:t>쿠버네티스</a:t>
+            </a:r>
+            <a:r>
+              <a:rPr lang="ko-KR" altLang="en-US" dirty="0"/>
+              <a:t> 모니터링이 왜 중요한가</a:t>
+            </a:r>
+            <a:endParaRPr lang="en-KR" dirty="0"/>
+          </a:p>
+        </p:txBody>
+      </p:sp>
+      <p:sp>
+        <p:nvSpPr>
+          <p:cNvPr id="3" name="Content Placeholder 2">
+            <a:extLst>
+              <a:ext uri="{FF2B5EF4-FFF2-40B4-BE49-F238E27FC236}">
+                <a16:creationId xmlns:a16="http://schemas.microsoft.com/office/drawing/2014/main" id="{B8EA297C-BBB4-79DA-270E-1C6C5D721263}"/>
+              </a:ext>
+            </a:extLst>
+          </p:cNvPr>
+          <p:cNvSpPr>
+            <a:spLocks noGrp="1"/>
+          </p:cNvSpPr>
+          <p:nvPr>
+            <p:ph idx="1"/>
+          </p:nvPr>
+        </p:nvSpPr>
+        <p:spPr/>
+        <p:txBody>
+          <a:bodyPr>
+            <a:normAutofit fontScale="55000" lnSpcReduction="20000"/>
+          </a:bodyPr>
+          <a:lstStyle/>
+          <a:p>
+            <a:pPr algn="l">
+              <a:buFont typeface="+mj-lt"/>
+              <a:buAutoNum type="arabicPeriod"/>
+            </a:pPr>
+            <a:r>
+              <a:rPr lang="ko-KR" altLang="en-US" b="0" i="0" dirty="0">
+                <a:solidFill>
+                  <a:srgbClr val="374151"/>
+                </a:solidFill>
+                <a:effectLst/>
+                <a:latin typeface="Söhne"/>
+              </a:rPr>
+              <a:t>애플리케이션 가용성 보장</a:t>
+            </a:r>
+            <a:r>
+              <a:rPr lang="en-US" altLang="ko-KR" b="0" i="0" dirty="0">
+                <a:solidFill>
+                  <a:srgbClr val="374151"/>
+                </a:solidFill>
+                <a:effectLst/>
+                <a:latin typeface="Söhne"/>
+              </a:rPr>
+              <a:t>: </a:t>
+            </a:r>
+            <a:r>
+              <a:rPr lang="ko-KR" altLang="en-US" b="0" i="0" dirty="0">
+                <a:solidFill>
+                  <a:srgbClr val="374151"/>
+                </a:solidFill>
+                <a:effectLst/>
+                <a:latin typeface="Söhne"/>
+              </a:rPr>
+              <a:t>기업 수준의 비즈니스에서 컨테이너의 폭발적인 성장은 개발자</a:t>
+            </a:r>
+            <a:r>
+              <a:rPr lang="en-US" altLang="ko-KR" b="0" i="0" dirty="0">
+                <a:solidFill>
+                  <a:srgbClr val="374151"/>
+                </a:solidFill>
+                <a:effectLst/>
+                <a:latin typeface="Söhne"/>
+              </a:rPr>
+              <a:t>, </a:t>
+            </a:r>
+            <a:r>
+              <a:rPr lang="en-US" b="0" i="0" dirty="0" err="1">
+                <a:solidFill>
+                  <a:srgbClr val="374151"/>
+                </a:solidFill>
+                <a:effectLst/>
+                <a:latin typeface="Söhne"/>
+              </a:rPr>
+              <a:t>DevSecOps</a:t>
+            </a:r>
+            <a:r>
+              <a:rPr lang="en-US" b="0" i="0" dirty="0">
+                <a:solidFill>
+                  <a:srgbClr val="374151"/>
+                </a:solidFill>
+                <a:effectLst/>
+                <a:latin typeface="Söhne"/>
+              </a:rPr>
+              <a:t> </a:t>
+            </a:r>
+            <a:r>
+              <a:rPr lang="ko-KR" altLang="en-US" b="0" i="0" dirty="0">
+                <a:solidFill>
+                  <a:srgbClr val="374151"/>
+                </a:solidFill>
+                <a:effectLst/>
+                <a:latin typeface="Söhne"/>
+              </a:rPr>
+              <a:t>및 </a:t>
+            </a:r>
+            <a:r>
+              <a:rPr lang="en-US" b="0" i="0" dirty="0">
+                <a:solidFill>
+                  <a:srgbClr val="374151"/>
+                </a:solidFill>
+                <a:effectLst/>
+                <a:latin typeface="Söhne"/>
+              </a:rPr>
+              <a:t>IT </a:t>
+            </a:r>
+            <a:r>
+              <a:rPr lang="ko-KR" altLang="en-US" b="0" i="0" dirty="0">
+                <a:solidFill>
+                  <a:srgbClr val="374151"/>
+                </a:solidFill>
+                <a:effectLst/>
+                <a:latin typeface="Söhne"/>
+              </a:rPr>
+              <a:t>팀에 많은 이점을 제공했습니다</a:t>
+            </a:r>
+            <a:r>
+              <a:rPr lang="en-US" altLang="ko-KR" b="0" i="0" dirty="0">
+                <a:solidFill>
+                  <a:srgbClr val="374151"/>
+                </a:solidFill>
+                <a:effectLst/>
+                <a:latin typeface="Söhne"/>
+              </a:rPr>
+              <a:t>. </a:t>
+            </a:r>
+            <a:r>
+              <a:rPr lang="ko-KR" altLang="en-US" b="0" i="0" dirty="0">
+                <a:solidFill>
+                  <a:srgbClr val="374151"/>
+                </a:solidFill>
+                <a:effectLst/>
+                <a:latin typeface="Söhne"/>
+              </a:rPr>
+              <a:t>그러나 </a:t>
+            </a:r>
+            <a:r>
+              <a:rPr lang="en-US" b="0" i="0" dirty="0">
+                <a:solidFill>
+                  <a:srgbClr val="374151"/>
+                </a:solidFill>
+                <a:effectLst/>
+                <a:latin typeface="Söhne"/>
+              </a:rPr>
+              <a:t>Kubernetes</a:t>
+            </a:r>
+            <a:r>
+              <a:rPr lang="ko-KR" altLang="en-US" b="0" i="0" dirty="0">
+                <a:solidFill>
+                  <a:srgbClr val="374151"/>
+                </a:solidFill>
+                <a:effectLst/>
+                <a:latin typeface="Söhne"/>
+              </a:rPr>
+              <a:t>가 </a:t>
+            </a:r>
+            <a:r>
+              <a:rPr lang="ko-KR" altLang="en-US" b="0" i="0" dirty="0" err="1">
+                <a:solidFill>
+                  <a:srgbClr val="374151"/>
+                </a:solidFill>
+                <a:effectLst/>
+                <a:latin typeface="Söhne"/>
+              </a:rPr>
+              <a:t>컨테이너화된</a:t>
+            </a:r>
+            <a:r>
+              <a:rPr lang="ko-KR" altLang="en-US" b="0" i="0" dirty="0">
+                <a:solidFill>
+                  <a:srgbClr val="374151"/>
+                </a:solidFill>
+                <a:effectLst/>
+                <a:latin typeface="Söhne"/>
+              </a:rPr>
+              <a:t> 애플리케이션을 배포하는 데 가져오는 유연성과 확장성은 새로운 도전과제를 제시합니다</a:t>
+            </a:r>
+            <a:r>
+              <a:rPr lang="en-US" altLang="ko-KR" b="0" i="0" dirty="0">
+                <a:solidFill>
+                  <a:srgbClr val="374151"/>
+                </a:solidFill>
+                <a:effectLst/>
+                <a:latin typeface="Söhne"/>
+              </a:rPr>
+              <a:t>. </a:t>
+            </a:r>
+            <a:r>
+              <a:rPr lang="ko-KR" altLang="en-US" b="0" i="0" dirty="0">
+                <a:solidFill>
+                  <a:srgbClr val="374151"/>
+                </a:solidFill>
+                <a:effectLst/>
+                <a:latin typeface="Söhne"/>
+              </a:rPr>
+              <a:t>애플리케이션과 실행 중인 서버 간에 더 이상 </a:t>
+            </a:r>
+            <a:r>
+              <a:rPr lang="en-US" altLang="ko-KR" b="0" i="0" dirty="0">
+                <a:solidFill>
+                  <a:srgbClr val="374151"/>
+                </a:solidFill>
+                <a:effectLst/>
+                <a:latin typeface="Söhne"/>
+              </a:rPr>
+              <a:t>1:1</a:t>
+            </a:r>
+            <a:r>
+              <a:rPr lang="ko-KR" altLang="en-US" b="0" i="0" dirty="0">
+                <a:solidFill>
+                  <a:srgbClr val="374151"/>
+                </a:solidFill>
+                <a:effectLst/>
+                <a:latin typeface="Söhne"/>
+              </a:rPr>
+              <a:t>의 상관 관계가 없기 때문에 컨테이너로 추상화되고 </a:t>
+            </a:r>
+            <a:r>
+              <a:rPr lang="en-US" b="0" i="0" dirty="0">
+                <a:solidFill>
+                  <a:srgbClr val="374151"/>
+                </a:solidFill>
+                <a:effectLst/>
+                <a:latin typeface="Söhne"/>
+              </a:rPr>
+              <a:t>Kubernetes</a:t>
+            </a:r>
+            <a:r>
+              <a:rPr lang="ko-KR" altLang="en-US" b="0" i="0" dirty="0">
+                <a:solidFill>
+                  <a:srgbClr val="374151"/>
+                </a:solidFill>
+                <a:effectLst/>
+                <a:latin typeface="Söhne"/>
+              </a:rPr>
+              <a:t>로 다시 추상화되는 애플리케이션의 상태를 추적하는 것은 적절한 도구 없이는 어려울 수 있습니다</a:t>
+            </a:r>
+            <a:r>
+              <a:rPr lang="en-US" altLang="ko-KR" b="0" i="0" dirty="0">
+                <a:solidFill>
+                  <a:srgbClr val="374151"/>
+                </a:solidFill>
+                <a:effectLst/>
+                <a:latin typeface="Söhne"/>
+              </a:rPr>
+              <a:t>.</a:t>
+            </a:r>
+          </a:p>
+          <a:p>
+            <a:pPr algn="l">
+              <a:buFont typeface="+mj-lt"/>
+              <a:buAutoNum type="arabicPeriod"/>
+            </a:pPr>
+            <a:r>
+              <a:rPr lang="ko-KR" altLang="en-US" b="0" i="0" dirty="0">
+                <a:solidFill>
+                  <a:srgbClr val="374151"/>
+                </a:solidFill>
+                <a:effectLst/>
+                <a:latin typeface="Söhne"/>
+              </a:rPr>
+              <a:t>자원 활용 최적화</a:t>
+            </a:r>
+            <a:r>
+              <a:rPr lang="en-US" altLang="ko-KR" b="0" i="0" dirty="0">
+                <a:solidFill>
+                  <a:srgbClr val="374151"/>
+                </a:solidFill>
+                <a:effectLst/>
+                <a:latin typeface="Söhne"/>
+              </a:rPr>
+              <a:t>: </a:t>
+            </a:r>
+            <a:r>
+              <a:rPr lang="en-US" b="0" i="0" dirty="0">
+                <a:solidFill>
+                  <a:srgbClr val="374151"/>
+                </a:solidFill>
+                <a:effectLst/>
+                <a:latin typeface="Söhne"/>
+              </a:rPr>
+              <a:t>Kubernetes</a:t>
+            </a:r>
+            <a:r>
+              <a:rPr lang="ko-KR" altLang="en-US" b="0" i="0" dirty="0">
+                <a:solidFill>
+                  <a:srgbClr val="374151"/>
+                </a:solidFill>
+                <a:effectLst/>
+                <a:latin typeface="Söhne"/>
+              </a:rPr>
+              <a:t>는 수요에 따라 컨테이너의 동적 스케일링과 자원 할당을 제공합니다</a:t>
+            </a:r>
+            <a:r>
+              <a:rPr lang="en-US" altLang="ko-KR" b="0" i="0" dirty="0">
+                <a:solidFill>
+                  <a:srgbClr val="374151"/>
+                </a:solidFill>
+                <a:effectLst/>
+                <a:latin typeface="Söhne"/>
+              </a:rPr>
+              <a:t>. </a:t>
+            </a:r>
+            <a:r>
+              <a:rPr lang="en-US" b="0" i="0" dirty="0">
+                <a:solidFill>
+                  <a:srgbClr val="374151"/>
+                </a:solidFill>
+                <a:effectLst/>
+                <a:latin typeface="Söhne"/>
+              </a:rPr>
+              <a:t>Kubernetes</a:t>
+            </a:r>
+            <a:r>
+              <a:rPr lang="ko-KR" altLang="en-US" b="0" i="0" dirty="0" err="1">
+                <a:solidFill>
+                  <a:srgbClr val="374151"/>
+                </a:solidFill>
+                <a:effectLst/>
+                <a:latin typeface="Söhne"/>
+              </a:rPr>
+              <a:t>를</a:t>
+            </a:r>
+            <a:r>
+              <a:rPr lang="ko-KR" altLang="en-US" b="0" i="0" dirty="0">
+                <a:solidFill>
+                  <a:srgbClr val="374151"/>
+                </a:solidFill>
+                <a:effectLst/>
+                <a:latin typeface="Söhne"/>
+              </a:rPr>
+              <a:t> 모니터링하면 애플리케이션에서 </a:t>
+            </a:r>
+            <a:r>
+              <a:rPr lang="en-US" b="0" i="0" dirty="0">
+                <a:solidFill>
+                  <a:srgbClr val="374151"/>
+                </a:solidFill>
+                <a:effectLst/>
+                <a:latin typeface="Söhne"/>
+              </a:rPr>
+              <a:t>CPU, </a:t>
+            </a:r>
+            <a:r>
+              <a:rPr lang="ko-KR" altLang="en-US" b="0" i="0" dirty="0">
+                <a:solidFill>
+                  <a:srgbClr val="374151"/>
+                </a:solidFill>
+                <a:effectLst/>
+                <a:latin typeface="Söhne"/>
+              </a:rPr>
+              <a:t>메모리</a:t>
+            </a:r>
+            <a:r>
+              <a:rPr lang="en-US" altLang="ko-KR" b="0" i="0" dirty="0">
+                <a:solidFill>
+                  <a:srgbClr val="374151"/>
+                </a:solidFill>
+                <a:effectLst/>
+                <a:latin typeface="Söhne"/>
+              </a:rPr>
+              <a:t>, </a:t>
+            </a:r>
+            <a:r>
+              <a:rPr lang="ko-KR" altLang="en-US" b="0" i="0" dirty="0">
+                <a:solidFill>
+                  <a:srgbClr val="374151"/>
+                </a:solidFill>
+                <a:effectLst/>
+                <a:latin typeface="Söhne"/>
+              </a:rPr>
+              <a:t>디스크와 같은 자원의 활용 방식을 이해할 수 있습니다</a:t>
+            </a:r>
+            <a:r>
+              <a:rPr lang="en-US" altLang="ko-KR" b="0" i="0" dirty="0">
+                <a:solidFill>
+                  <a:srgbClr val="374151"/>
+                </a:solidFill>
+                <a:effectLst/>
+                <a:latin typeface="Söhne"/>
+              </a:rPr>
+              <a:t>. </a:t>
+            </a:r>
+            <a:r>
+              <a:rPr lang="ko-KR" altLang="en-US" b="0" i="0" dirty="0">
+                <a:solidFill>
+                  <a:srgbClr val="374151"/>
+                </a:solidFill>
+                <a:effectLst/>
+                <a:latin typeface="Söhne"/>
+              </a:rPr>
+              <a:t>이 정보를 통해 자원 할당을 최적화하고 병목 현상을 식별하여 효율적인 자원 활용을 보장할 수 있습니다</a:t>
+            </a:r>
+            <a:r>
+              <a:rPr lang="en-US" altLang="ko-KR" b="0" i="0" dirty="0">
+                <a:solidFill>
+                  <a:srgbClr val="374151"/>
+                </a:solidFill>
+                <a:effectLst/>
+                <a:latin typeface="Söhne"/>
+              </a:rPr>
+              <a:t>.</a:t>
+            </a:r>
+          </a:p>
+          <a:p>
+            <a:pPr algn="l">
+              <a:buFont typeface="+mj-lt"/>
+              <a:buAutoNum type="arabicPeriod"/>
+            </a:pPr>
+            <a:r>
+              <a:rPr lang="ko-KR" altLang="en-US" b="0" i="0" dirty="0">
+                <a:solidFill>
+                  <a:srgbClr val="374151"/>
+                </a:solidFill>
+                <a:effectLst/>
+                <a:latin typeface="Söhne"/>
+              </a:rPr>
+              <a:t>문제 식별 및 문제 해결</a:t>
+            </a:r>
+            <a:r>
+              <a:rPr lang="en-US" altLang="ko-KR" b="0" i="0" dirty="0">
+                <a:solidFill>
+                  <a:srgbClr val="374151"/>
+                </a:solidFill>
+                <a:effectLst/>
+                <a:latin typeface="Söhne"/>
+              </a:rPr>
+              <a:t>: </a:t>
+            </a:r>
+            <a:r>
+              <a:rPr lang="ko-KR" altLang="en-US" b="0" i="0" dirty="0">
+                <a:solidFill>
+                  <a:srgbClr val="374151"/>
+                </a:solidFill>
+                <a:effectLst/>
+                <a:latin typeface="Söhne"/>
+              </a:rPr>
+              <a:t>애플리케이션이 컨테이너로 추상화되고 </a:t>
+            </a:r>
+            <a:r>
+              <a:rPr lang="en-US" b="0" i="0" dirty="0">
+                <a:solidFill>
+                  <a:srgbClr val="374151"/>
+                </a:solidFill>
+                <a:effectLst/>
+                <a:latin typeface="Söhne"/>
+              </a:rPr>
+              <a:t>Kubernetes</a:t>
+            </a:r>
+            <a:r>
+              <a:rPr lang="ko-KR" altLang="en-US" b="0" i="0" dirty="0">
+                <a:solidFill>
+                  <a:srgbClr val="374151"/>
+                </a:solidFill>
+                <a:effectLst/>
+                <a:latin typeface="Söhne"/>
+              </a:rPr>
+              <a:t>로 관리되기 때문에 적절한 모니터링 없이 문제의 근본 원인을 찾는 것은 어려울 수 있습니다</a:t>
+            </a:r>
+            <a:r>
+              <a:rPr lang="en-US" altLang="ko-KR" b="0" i="0" dirty="0">
+                <a:solidFill>
+                  <a:srgbClr val="374151"/>
+                </a:solidFill>
+                <a:effectLst/>
+                <a:latin typeface="Söhne"/>
+              </a:rPr>
+              <a:t>. </a:t>
+            </a:r>
+            <a:r>
+              <a:rPr lang="en-US" b="0" i="0" dirty="0">
+                <a:solidFill>
+                  <a:srgbClr val="374151"/>
+                </a:solidFill>
+                <a:effectLst/>
+                <a:latin typeface="Söhne"/>
+              </a:rPr>
+              <a:t>Kubernetes</a:t>
+            </a:r>
+            <a:r>
+              <a:rPr lang="ko-KR" altLang="en-US" b="0" i="0" dirty="0" err="1">
+                <a:solidFill>
+                  <a:srgbClr val="374151"/>
+                </a:solidFill>
+                <a:effectLst/>
+                <a:latin typeface="Söhne"/>
+              </a:rPr>
+              <a:t>를</a:t>
+            </a:r>
+            <a:r>
+              <a:rPr lang="ko-KR" altLang="en-US" b="0" i="0" dirty="0">
+                <a:solidFill>
+                  <a:srgbClr val="374151"/>
+                </a:solidFill>
+                <a:effectLst/>
+                <a:latin typeface="Söhne"/>
+              </a:rPr>
+              <a:t> 모니터링함으로써 클러스터 상태</a:t>
+            </a:r>
+            <a:r>
+              <a:rPr lang="en-US" altLang="ko-KR" b="0" i="0" dirty="0">
+                <a:solidFill>
+                  <a:srgbClr val="374151"/>
+                </a:solidFill>
+                <a:effectLst/>
+                <a:latin typeface="Söhne"/>
+              </a:rPr>
+              <a:t>, </a:t>
+            </a:r>
+            <a:r>
+              <a:rPr lang="ko-KR" altLang="en-US" b="0" i="0" dirty="0">
+                <a:solidFill>
+                  <a:srgbClr val="374151"/>
+                </a:solidFill>
+                <a:effectLst/>
+                <a:latin typeface="Söhne"/>
+              </a:rPr>
+              <a:t>노드 상태</a:t>
+            </a:r>
+            <a:r>
+              <a:rPr lang="en-US" altLang="ko-KR" b="0" i="0" dirty="0">
+                <a:solidFill>
+                  <a:srgbClr val="374151"/>
+                </a:solidFill>
+                <a:effectLst/>
+                <a:latin typeface="Söhne"/>
+              </a:rPr>
+              <a:t>, </a:t>
+            </a:r>
+            <a:r>
+              <a:rPr lang="ko-KR" altLang="en-US" b="0" i="0" dirty="0" err="1">
+                <a:solidFill>
+                  <a:srgbClr val="374151"/>
+                </a:solidFill>
+                <a:effectLst/>
+                <a:latin typeface="Söhne"/>
+              </a:rPr>
+              <a:t>팟</a:t>
+            </a:r>
+            <a:r>
+              <a:rPr lang="ko-KR" altLang="en-US" b="0" i="0" dirty="0">
+                <a:solidFill>
+                  <a:srgbClr val="374151"/>
+                </a:solidFill>
+                <a:effectLst/>
+                <a:latin typeface="Söhne"/>
+              </a:rPr>
+              <a:t> 가용성</a:t>
+            </a:r>
+            <a:r>
+              <a:rPr lang="en-US" altLang="ko-KR" b="0" i="0" dirty="0">
+                <a:solidFill>
+                  <a:srgbClr val="374151"/>
+                </a:solidFill>
+                <a:effectLst/>
+                <a:latin typeface="Söhne"/>
+              </a:rPr>
+              <a:t>, </a:t>
+            </a:r>
+            <a:r>
+              <a:rPr lang="ko-KR" altLang="en-US" b="0" i="0" dirty="0">
+                <a:solidFill>
+                  <a:srgbClr val="374151"/>
+                </a:solidFill>
+                <a:effectLst/>
+                <a:latin typeface="Söhne"/>
+              </a:rPr>
+              <a:t>자원 활용 등과 관련된 </a:t>
+            </a:r>
+            <a:r>
+              <a:rPr lang="ko-KR" altLang="en-US" b="0" i="0" dirty="0" err="1">
+                <a:solidFill>
+                  <a:srgbClr val="374151"/>
+                </a:solidFill>
+                <a:effectLst/>
+                <a:latin typeface="Söhne"/>
+              </a:rPr>
+              <a:t>메트릭을</a:t>
+            </a:r>
+            <a:r>
+              <a:rPr lang="ko-KR" altLang="en-US" b="0" i="0" dirty="0">
+                <a:solidFill>
+                  <a:srgbClr val="374151"/>
+                </a:solidFill>
+                <a:effectLst/>
+                <a:latin typeface="Söhne"/>
+              </a:rPr>
+              <a:t> 추적하고 분석할 수 있습니다</a:t>
+            </a:r>
+            <a:r>
+              <a:rPr lang="en-US" altLang="ko-KR" b="0" i="0" dirty="0">
+                <a:solidFill>
+                  <a:srgbClr val="374151"/>
+                </a:solidFill>
+                <a:effectLst/>
+                <a:latin typeface="Söhne"/>
+              </a:rPr>
+              <a:t>. </a:t>
+            </a:r>
+            <a:r>
+              <a:rPr lang="ko-KR" altLang="en-US" b="0" i="0" dirty="0">
+                <a:solidFill>
+                  <a:srgbClr val="374151"/>
+                </a:solidFill>
+                <a:effectLst/>
+                <a:latin typeface="Söhne"/>
+              </a:rPr>
+              <a:t>이를 통해 구성 문제</a:t>
+            </a:r>
+            <a:r>
+              <a:rPr lang="en-US" altLang="ko-KR" b="0" i="0" dirty="0">
+                <a:solidFill>
+                  <a:srgbClr val="374151"/>
+                </a:solidFill>
+                <a:effectLst/>
+                <a:latin typeface="Söhne"/>
+              </a:rPr>
+              <a:t>, </a:t>
+            </a:r>
+            <a:r>
+              <a:rPr lang="ko-KR" altLang="en-US" b="0" i="0" dirty="0">
+                <a:solidFill>
+                  <a:srgbClr val="374151"/>
+                </a:solidFill>
+                <a:effectLst/>
+                <a:latin typeface="Söhne"/>
+              </a:rPr>
+              <a:t>성능 병목 현상</a:t>
+            </a:r>
+            <a:r>
+              <a:rPr lang="en-US" altLang="ko-KR" b="0" i="0" dirty="0">
+                <a:solidFill>
+                  <a:srgbClr val="374151"/>
+                </a:solidFill>
+                <a:effectLst/>
+                <a:latin typeface="Söhne"/>
+              </a:rPr>
+              <a:t>, </a:t>
+            </a:r>
+            <a:r>
+              <a:rPr lang="ko-KR" altLang="en-US" b="0" i="0" dirty="0">
+                <a:solidFill>
+                  <a:srgbClr val="374151"/>
+                </a:solidFill>
+                <a:effectLst/>
+                <a:latin typeface="Söhne"/>
+              </a:rPr>
+              <a:t>네트워크 연결 문제와 같은 문제를 신속하게 식별하고 해결할 수 있습니다</a:t>
+            </a:r>
+            <a:r>
+              <a:rPr lang="en-US" altLang="ko-KR" b="0" i="0" dirty="0">
+                <a:solidFill>
+                  <a:srgbClr val="374151"/>
+                </a:solidFill>
+                <a:effectLst/>
+                <a:latin typeface="Söhne"/>
+              </a:rPr>
+              <a:t>.</a:t>
+            </a:r>
+          </a:p>
+          <a:p>
+            <a:pPr algn="l">
+              <a:buFont typeface="+mj-lt"/>
+              <a:buAutoNum type="arabicPeriod"/>
+            </a:pPr>
+            <a:r>
+              <a:rPr lang="ko-KR" altLang="en-US" b="0" i="0" dirty="0">
+                <a:solidFill>
+                  <a:srgbClr val="374151"/>
+                </a:solidFill>
+                <a:effectLst/>
+                <a:latin typeface="Söhne"/>
+              </a:rPr>
+              <a:t>용량 계획</a:t>
+            </a:r>
+            <a:r>
+              <a:rPr lang="en-US" altLang="ko-KR" b="0" i="0" dirty="0">
+                <a:solidFill>
+                  <a:srgbClr val="374151"/>
+                </a:solidFill>
+                <a:effectLst/>
+                <a:latin typeface="Söhne"/>
+              </a:rPr>
+              <a:t>: </a:t>
+            </a:r>
+            <a:r>
+              <a:rPr lang="en-US" b="0" i="0" dirty="0">
+                <a:solidFill>
+                  <a:srgbClr val="374151"/>
+                </a:solidFill>
+                <a:effectLst/>
+                <a:latin typeface="Söhne"/>
+              </a:rPr>
+              <a:t>Kubernetes</a:t>
+            </a:r>
+            <a:r>
+              <a:rPr lang="ko-KR" altLang="en-US" b="0" i="0" dirty="0" err="1">
+                <a:solidFill>
+                  <a:srgbClr val="374151"/>
+                </a:solidFill>
+                <a:effectLst/>
+                <a:latin typeface="Söhne"/>
+              </a:rPr>
+              <a:t>를</a:t>
+            </a:r>
+            <a:r>
+              <a:rPr lang="ko-KR" altLang="en-US" b="0" i="0" dirty="0">
+                <a:solidFill>
+                  <a:srgbClr val="374151"/>
+                </a:solidFill>
+                <a:effectLst/>
+                <a:latin typeface="Söhne"/>
+              </a:rPr>
+              <a:t> 모니터링함으로써 애플리케이션의 자원 요구 사항을 시간에 따라 이해할 수 있습니다</a:t>
+            </a:r>
+            <a:r>
+              <a:rPr lang="en-US" altLang="ko-KR" b="0" i="0" dirty="0">
+                <a:solidFill>
+                  <a:srgbClr val="374151"/>
+                </a:solidFill>
+                <a:effectLst/>
+                <a:latin typeface="Söhne"/>
+              </a:rPr>
+              <a:t>. </a:t>
+            </a:r>
+            <a:r>
+              <a:rPr lang="ko-KR" altLang="en-US" b="0" i="0" dirty="0">
+                <a:solidFill>
+                  <a:srgbClr val="374151"/>
+                </a:solidFill>
+                <a:effectLst/>
+                <a:latin typeface="Söhne"/>
+              </a:rPr>
+              <a:t>과거 데이터와 트렌드를 분석하여 용량 계획과 스케일링에 대한 정보를 얻을 수 있습니다</a:t>
+            </a:r>
+            <a:r>
+              <a:rPr lang="en-US" altLang="ko-KR" b="0" i="0" dirty="0">
+                <a:solidFill>
+                  <a:srgbClr val="374151"/>
+                </a:solidFill>
+                <a:effectLst/>
+                <a:latin typeface="Söhne"/>
+              </a:rPr>
+              <a:t>. </a:t>
+            </a:r>
+            <a:r>
+              <a:rPr lang="ko-KR" altLang="en-US" b="0" i="0" dirty="0">
+                <a:solidFill>
+                  <a:srgbClr val="374151"/>
+                </a:solidFill>
+                <a:effectLst/>
+                <a:latin typeface="Söhne"/>
+              </a:rPr>
+              <a:t>이를 통해 클러스터가 작업 부하를 처리하기에 충분한 자원을 갖추고 자원 제약으로 인한 잠재적인 성능 문제를 방지할 수 있습니다</a:t>
+            </a:r>
+            <a:r>
+              <a:rPr lang="en-US" altLang="ko-KR" b="0" i="0" dirty="0">
+                <a:solidFill>
+                  <a:srgbClr val="374151"/>
+                </a:solidFill>
+                <a:effectLst/>
+                <a:latin typeface="Söhne"/>
+              </a:rPr>
+              <a:t>.</a:t>
+            </a:r>
+          </a:p>
+          <a:p>
+            <a:pPr algn="l">
+              <a:buFont typeface="+mj-lt"/>
+              <a:buAutoNum type="arabicPeriod"/>
+            </a:pPr>
+            <a:r>
+              <a:rPr lang="ko-KR" altLang="en-US" b="0" i="0" dirty="0">
+                <a:solidFill>
+                  <a:srgbClr val="374151"/>
+                </a:solidFill>
+                <a:effectLst/>
+                <a:latin typeface="Söhne"/>
+              </a:rPr>
+              <a:t>보안 및 규정 준수</a:t>
+            </a:r>
+            <a:r>
+              <a:rPr lang="en-US" altLang="ko-KR" b="0" i="0" dirty="0">
+                <a:solidFill>
+                  <a:srgbClr val="374151"/>
+                </a:solidFill>
+                <a:effectLst/>
+                <a:latin typeface="Söhne"/>
+              </a:rPr>
+              <a:t>: </a:t>
+            </a:r>
+            <a:r>
+              <a:rPr lang="en-US" b="0" i="0" dirty="0">
+                <a:solidFill>
+                  <a:srgbClr val="374151"/>
+                </a:solidFill>
+                <a:effectLst/>
+                <a:latin typeface="Söhne"/>
+              </a:rPr>
+              <a:t>Kubernetes</a:t>
+            </a:r>
+            <a:r>
+              <a:rPr lang="ko-KR" altLang="en-US" b="0" i="0" dirty="0" err="1">
+                <a:solidFill>
+                  <a:srgbClr val="374151"/>
+                </a:solidFill>
+                <a:effectLst/>
+                <a:latin typeface="Söhne"/>
+              </a:rPr>
+              <a:t>를</a:t>
+            </a:r>
+            <a:r>
+              <a:rPr lang="ko-KR" altLang="en-US" b="0" i="0" dirty="0">
+                <a:solidFill>
+                  <a:srgbClr val="374151"/>
+                </a:solidFill>
+                <a:effectLst/>
+                <a:latin typeface="Söhne"/>
+              </a:rPr>
+              <a:t> 모니터링하는 것은 애플리케이션 및 인프라의 보안과 규정 준수를 보장하는 데에도 도움이 됩니다</a:t>
+            </a:r>
+            <a:r>
+              <a:rPr lang="en-US" altLang="ko-KR" b="0" i="0" dirty="0">
+                <a:solidFill>
+                  <a:srgbClr val="374151"/>
+                </a:solidFill>
+                <a:effectLst/>
+                <a:latin typeface="Söhne"/>
+              </a:rPr>
+              <a:t>. </a:t>
+            </a:r>
+            <a:r>
+              <a:rPr lang="ko-KR" altLang="en-US" b="0" i="0" dirty="0">
+                <a:solidFill>
+                  <a:srgbClr val="374151"/>
+                </a:solidFill>
+                <a:effectLst/>
+                <a:latin typeface="Söhne"/>
+              </a:rPr>
+              <a:t>네트워크 트래픽</a:t>
+            </a:r>
+            <a:r>
+              <a:rPr lang="en-US" altLang="ko-KR" b="0" i="0" dirty="0">
+                <a:solidFill>
+                  <a:srgbClr val="374151"/>
+                </a:solidFill>
+                <a:effectLst/>
+                <a:latin typeface="Söhne"/>
+              </a:rPr>
+              <a:t>, </a:t>
+            </a:r>
+            <a:r>
+              <a:rPr lang="ko-KR" altLang="en-US" b="0" i="0" dirty="0">
+                <a:solidFill>
+                  <a:srgbClr val="374151"/>
+                </a:solidFill>
+                <a:effectLst/>
+                <a:latin typeface="Söhne"/>
+              </a:rPr>
+              <a:t>액세스 로그</a:t>
+            </a:r>
+            <a:r>
+              <a:rPr lang="en-US" altLang="ko-KR" b="0" i="0" dirty="0">
+                <a:solidFill>
+                  <a:srgbClr val="374151"/>
+                </a:solidFill>
+                <a:effectLst/>
+                <a:latin typeface="Söhne"/>
+              </a:rPr>
+              <a:t>, </a:t>
+            </a:r>
+            <a:r>
+              <a:rPr lang="ko-KR" altLang="en-US" b="0" i="0" dirty="0">
+                <a:solidFill>
+                  <a:srgbClr val="374151"/>
+                </a:solidFill>
+                <a:effectLst/>
+                <a:latin typeface="Söhne"/>
+              </a:rPr>
+              <a:t>시스템 이벤트와 같은 보안 관련 </a:t>
+            </a:r>
+            <a:r>
+              <a:rPr lang="ko-KR" altLang="en-US" b="0" i="0" dirty="0" err="1">
+                <a:solidFill>
+                  <a:srgbClr val="374151"/>
+                </a:solidFill>
+                <a:effectLst/>
+                <a:latin typeface="Söhne"/>
+              </a:rPr>
+              <a:t>메트릭을</a:t>
+            </a:r>
+            <a:r>
+              <a:rPr lang="ko-KR" altLang="en-US" b="0" i="0" dirty="0">
+                <a:solidFill>
+                  <a:srgbClr val="374151"/>
+                </a:solidFill>
+                <a:effectLst/>
+                <a:latin typeface="Söhne"/>
+              </a:rPr>
+              <a:t> 모니터링하여 이상한 활동이나 잠재적인 보안 위협을 감지할 수 있습니다</a:t>
+            </a:r>
+            <a:r>
+              <a:rPr lang="en-US" altLang="ko-KR" b="0" i="0" dirty="0">
+                <a:solidFill>
+                  <a:srgbClr val="374151"/>
+                </a:solidFill>
+                <a:effectLst/>
+                <a:latin typeface="Söhne"/>
+              </a:rPr>
+              <a:t>. </a:t>
+            </a:r>
+            <a:r>
+              <a:rPr lang="ko-KR" altLang="en-US" b="0" i="0" dirty="0">
+                <a:solidFill>
+                  <a:srgbClr val="374151"/>
+                </a:solidFill>
+                <a:effectLst/>
+                <a:latin typeface="Söhne"/>
+              </a:rPr>
+              <a:t>또한 모니터링을 통해 애플리케이션이 보안 기준에 얼마나 준수하는지를 파악할 수 있습니다</a:t>
+            </a:r>
+            <a:r>
+              <a:rPr lang="en-US" altLang="ko-KR" b="0" i="0" dirty="0">
+                <a:solidFill>
+                  <a:srgbClr val="374151"/>
+                </a:solidFill>
+                <a:effectLst/>
+                <a:latin typeface="Söhne"/>
+              </a:rPr>
+              <a:t>.</a:t>
+            </a:r>
+          </a:p>
+          <a:p>
+            <a:pPr algn="l"/>
+            <a:r>
+              <a:rPr lang="ko-KR" altLang="en-US" b="0" i="0" dirty="0">
+                <a:solidFill>
+                  <a:srgbClr val="374151"/>
+                </a:solidFill>
+                <a:effectLst/>
+                <a:latin typeface="Söhne"/>
+              </a:rPr>
+              <a:t>요약하면</a:t>
+            </a:r>
+            <a:r>
+              <a:rPr lang="en-US" altLang="ko-KR" b="0" i="0" dirty="0">
+                <a:solidFill>
+                  <a:srgbClr val="374151"/>
+                </a:solidFill>
+                <a:effectLst/>
+                <a:latin typeface="Söhne"/>
+              </a:rPr>
+              <a:t>, </a:t>
+            </a:r>
+            <a:r>
+              <a:rPr lang="en-US" b="0" i="0" dirty="0">
+                <a:solidFill>
+                  <a:srgbClr val="374151"/>
+                </a:solidFill>
+                <a:effectLst/>
+                <a:latin typeface="Söhne"/>
+              </a:rPr>
+              <a:t>Kubernetes</a:t>
+            </a:r>
+            <a:r>
+              <a:rPr lang="ko-KR" altLang="en-US" b="0" i="0" dirty="0" err="1">
+                <a:solidFill>
+                  <a:srgbClr val="374151"/>
+                </a:solidFill>
+                <a:effectLst/>
+                <a:latin typeface="Söhne"/>
+              </a:rPr>
+              <a:t>를</a:t>
+            </a:r>
+            <a:r>
+              <a:rPr lang="ko-KR" altLang="en-US" b="0" i="0" dirty="0">
+                <a:solidFill>
+                  <a:srgbClr val="374151"/>
+                </a:solidFill>
+                <a:effectLst/>
+                <a:latin typeface="Söhne"/>
+              </a:rPr>
+              <a:t> 모니터링하는 것은 </a:t>
+            </a:r>
+            <a:r>
+              <a:rPr lang="ko-KR" altLang="en-US" b="0" i="0" dirty="0" err="1">
+                <a:solidFill>
+                  <a:srgbClr val="374151"/>
+                </a:solidFill>
+                <a:effectLst/>
+                <a:latin typeface="Söhne"/>
+              </a:rPr>
+              <a:t>컨테이너화된</a:t>
+            </a:r>
+            <a:r>
+              <a:rPr lang="ko-KR" altLang="en-US" b="0" i="0" dirty="0">
+                <a:solidFill>
+                  <a:srgbClr val="374151"/>
+                </a:solidFill>
+                <a:effectLst/>
+                <a:latin typeface="Söhne"/>
+              </a:rPr>
+              <a:t> 애플리케이션의 가용성</a:t>
+            </a:r>
+            <a:r>
+              <a:rPr lang="en-US" altLang="ko-KR" b="0" i="0" dirty="0">
+                <a:solidFill>
+                  <a:srgbClr val="374151"/>
+                </a:solidFill>
+                <a:effectLst/>
+                <a:latin typeface="Söhne"/>
+              </a:rPr>
+              <a:t>, </a:t>
+            </a:r>
+            <a:r>
+              <a:rPr lang="ko-KR" altLang="en-US" b="0" i="0" dirty="0">
+                <a:solidFill>
+                  <a:srgbClr val="374151"/>
+                </a:solidFill>
+                <a:effectLst/>
+                <a:latin typeface="Söhne"/>
+              </a:rPr>
+              <a:t>성능 및 보안을 유지하는 데 중요합니다</a:t>
+            </a:r>
+            <a:r>
+              <a:rPr lang="en-US" altLang="ko-KR" b="0" i="0" dirty="0">
+                <a:solidFill>
+                  <a:srgbClr val="374151"/>
+                </a:solidFill>
+                <a:effectLst/>
+                <a:latin typeface="Söhne"/>
+              </a:rPr>
+              <a:t>. </a:t>
+            </a:r>
+            <a:r>
+              <a:rPr lang="ko-KR" altLang="en-US" b="0" i="0" dirty="0">
+                <a:solidFill>
+                  <a:srgbClr val="374151"/>
+                </a:solidFill>
+                <a:effectLst/>
+                <a:latin typeface="Söhne"/>
+              </a:rPr>
+              <a:t>이를 통해 문제를 예방하고 자원 활용을 최적화하며 </a:t>
+            </a:r>
+            <a:r>
+              <a:rPr lang="en-US" b="0" i="0" dirty="0">
+                <a:solidFill>
+                  <a:srgbClr val="374151"/>
+                </a:solidFill>
+                <a:effectLst/>
+                <a:latin typeface="Söhne"/>
+              </a:rPr>
+              <a:t>Kubernetes </a:t>
+            </a:r>
+            <a:r>
+              <a:rPr lang="ko-KR" altLang="en-US" b="0" i="0" dirty="0">
+                <a:solidFill>
+                  <a:srgbClr val="374151"/>
+                </a:solidFill>
+                <a:effectLst/>
+                <a:latin typeface="Söhne"/>
+              </a:rPr>
+              <a:t>환경을 원활하게 운영할 수 있습니다</a:t>
+            </a:r>
+            <a:r>
+              <a:rPr lang="en-US" altLang="ko-KR" b="0" i="0" dirty="0">
+                <a:solidFill>
+                  <a:srgbClr val="374151"/>
+                </a:solidFill>
+                <a:effectLst/>
+                <a:latin typeface="Söhne"/>
+              </a:rPr>
+              <a:t>.</a:t>
+            </a:r>
+          </a:p>
+          <a:p>
+            <a:endParaRPr lang="en-KR" dirty="0"/>
+          </a:p>
+        </p:txBody>
+      </p:sp>
+    </p:spTree>
+    <p:extLst>
+      <p:ext uri="{BB962C8B-B14F-4D97-AF65-F5344CB8AC3E}">
+        <p14:creationId xmlns:p14="http://schemas.microsoft.com/office/powerpoint/2010/main" val="3304306349"/>
+      </p:ext>
+    </p:extLst>
+  </p:cSld>
+  <p:clrMapOvr>
+    <a:masterClrMapping/>
+  </p:clrMapOvr>
+</p:sld>
+</file>
+
+<file path=ppt/slides/slide14.xml><?xml version="1.0" encoding="utf-8"?>
+<p:sld xmlns:a="http://schemas.openxmlformats.org/drawingml/2006/main" xmlns:r="http://schemas.openxmlformats.org/officeDocument/2006/relationships" xmlns:p="http://schemas.openxmlformats.org/presentationml/2006/main">
+  <p:cSld>
+    <p:spTree>
+      <p:nvGrpSpPr>
+        <p:cNvPr id="1" name=""/>
+        <p:cNvGrpSpPr/>
+        <p:nvPr/>
+      </p:nvGrpSpPr>
+      <p:grpSpPr>
+        <a:xfrm>
+          <a:off x="0" y="0"/>
+          <a:ext cx="0" cy="0"/>
+          <a:chOff x="0" y="0"/>
+          <a:chExt cx="0" cy="0"/>
+        </a:xfrm>
+      </p:grpSpPr>
+      <p:sp>
+        <p:nvSpPr>
+          <p:cNvPr id="2" name="Title 1">
+            <a:extLst>
+              <a:ext uri="{FF2B5EF4-FFF2-40B4-BE49-F238E27FC236}">
+                <a16:creationId xmlns:a16="http://schemas.microsoft.com/office/drawing/2014/main" id="{DC8E3922-9D14-4FBC-ED26-EEC220CE2D64}"/>
+              </a:ext>
+            </a:extLst>
+          </p:cNvPr>
+          <p:cNvSpPr>
+            <a:spLocks noGrp="1"/>
+          </p:cNvSpPr>
+          <p:nvPr>
+            <p:ph type="title"/>
+          </p:nvPr>
+        </p:nvSpPr>
+        <p:spPr>
+          <a:xfrm>
+            <a:off x="838200" y="836619"/>
+            <a:ext cx="10515600" cy="1325563"/>
+          </a:xfrm>
+        </p:spPr>
+        <p:txBody>
+          <a:bodyPr>
+            <a:normAutofit fontScale="90000"/>
+          </a:bodyPr>
+          <a:lstStyle/>
+          <a:p>
+            <a:r>
+              <a:rPr lang="en-US" b="0" i="0" dirty="0">
+                <a:effectLst/>
+                <a:latin typeface="Söhne"/>
+              </a:rPr>
+              <a:t>What is difference between other monitoring with k8s monitoring ?</a:t>
+            </a:r>
+            <a:br>
+              <a:rPr lang="en-US" b="0" i="0" dirty="0">
+                <a:effectLst/>
+                <a:latin typeface="Söhne"/>
+              </a:rPr>
+            </a:br>
+            <a:br>
+              <a:rPr lang="en-US" b="0" i="0" dirty="0">
+                <a:effectLst/>
+                <a:latin typeface="Söhne"/>
+              </a:rPr>
+            </a:br>
+            <a:br>
+              <a:rPr lang="en-US" b="0" i="0" dirty="0">
+                <a:effectLst/>
+                <a:latin typeface="Söhne"/>
+              </a:rPr>
+            </a:br>
+            <a:endParaRPr lang="en-KR" dirty="0"/>
+          </a:p>
+        </p:txBody>
+      </p:sp>
+      <p:sp>
+        <p:nvSpPr>
+          <p:cNvPr id="3" name="Content Placeholder 2">
+            <a:extLst>
+              <a:ext uri="{FF2B5EF4-FFF2-40B4-BE49-F238E27FC236}">
+                <a16:creationId xmlns:a16="http://schemas.microsoft.com/office/drawing/2014/main" id="{B32E26B5-216F-3B4E-E24E-2A6E438C1990}"/>
+              </a:ext>
+            </a:extLst>
+          </p:cNvPr>
+          <p:cNvSpPr>
+            <a:spLocks noGrp="1"/>
+          </p:cNvSpPr>
+          <p:nvPr>
+            <p:ph idx="1"/>
+          </p:nvPr>
+        </p:nvSpPr>
+        <p:spPr/>
+        <p:txBody>
+          <a:bodyPr>
+            <a:normAutofit fontScale="47500" lnSpcReduction="20000"/>
+          </a:bodyPr>
+          <a:lstStyle/>
+          <a:p>
+            <a:pPr algn="l"/>
+            <a:r>
+              <a:rPr lang="ko-KR" altLang="en-US" b="0" i="0" dirty="0" err="1">
+                <a:solidFill>
+                  <a:srgbClr val="374151"/>
+                </a:solidFill>
+                <a:effectLst/>
+                <a:latin typeface="Söhne"/>
+              </a:rPr>
+              <a:t>쿠버네티스</a:t>
+            </a:r>
+            <a:r>
+              <a:rPr lang="en-US" altLang="ko-KR" b="0" i="0" dirty="0">
+                <a:solidFill>
+                  <a:srgbClr val="374151"/>
+                </a:solidFill>
+                <a:effectLst/>
+                <a:latin typeface="Söhne"/>
+              </a:rPr>
+              <a:t>(</a:t>
+            </a:r>
+            <a:r>
+              <a:rPr lang="en-US" b="0" i="0" dirty="0">
+                <a:solidFill>
+                  <a:srgbClr val="374151"/>
+                </a:solidFill>
+                <a:effectLst/>
+                <a:latin typeface="Söhne"/>
+              </a:rPr>
+              <a:t>Kubernetes) </a:t>
+            </a:r>
+            <a:r>
+              <a:rPr lang="ko-KR" altLang="en-US" b="0" i="0" dirty="0">
+                <a:solidFill>
+                  <a:srgbClr val="374151"/>
+                </a:solidFill>
+                <a:effectLst/>
+                <a:latin typeface="Söhne"/>
+              </a:rPr>
+              <a:t>모니터링과 다른 유형의 모니터링 간의 주요 차이점은 </a:t>
+            </a:r>
+            <a:r>
+              <a:rPr lang="ko-KR" altLang="en-US" b="0" i="0" dirty="0" err="1">
+                <a:solidFill>
+                  <a:srgbClr val="374151"/>
+                </a:solidFill>
+                <a:effectLst/>
+                <a:latin typeface="Söhne"/>
+              </a:rPr>
+              <a:t>쿠버네티스</a:t>
+            </a:r>
+            <a:r>
+              <a:rPr lang="ko-KR" altLang="en-US" b="0" i="0" dirty="0">
+                <a:solidFill>
+                  <a:srgbClr val="374151"/>
+                </a:solidFill>
+                <a:effectLst/>
+                <a:latin typeface="Söhne"/>
+              </a:rPr>
+              <a:t> 환경의 독특한 도전과 특성을 처리하기 위한 </a:t>
+            </a:r>
+            <a:r>
+              <a:rPr lang="ko-KR" altLang="en-US" b="0" i="0" dirty="0" err="1">
+                <a:solidFill>
+                  <a:srgbClr val="374151"/>
+                </a:solidFill>
+                <a:effectLst/>
+                <a:latin typeface="Söhne"/>
+              </a:rPr>
+              <a:t>쿠버네티스</a:t>
+            </a:r>
+            <a:r>
+              <a:rPr lang="ko-KR" altLang="en-US" b="0" i="0" dirty="0">
+                <a:solidFill>
+                  <a:srgbClr val="374151"/>
+                </a:solidFill>
+                <a:effectLst/>
+                <a:latin typeface="Söhne"/>
+              </a:rPr>
+              <a:t> 모니터링의 특정 초점과 기능에 있습니다</a:t>
+            </a:r>
+            <a:r>
+              <a:rPr lang="en-US" altLang="ko-KR" b="0" i="0" dirty="0">
+                <a:solidFill>
+                  <a:srgbClr val="374151"/>
+                </a:solidFill>
+                <a:effectLst/>
+                <a:latin typeface="Söhne"/>
+              </a:rPr>
+              <a:t>. </a:t>
+            </a:r>
+            <a:r>
+              <a:rPr lang="ko-KR" altLang="en-US" b="0" i="0" dirty="0">
+                <a:solidFill>
+                  <a:srgbClr val="374151"/>
+                </a:solidFill>
+                <a:effectLst/>
+                <a:latin typeface="Söhne"/>
+              </a:rPr>
+              <a:t>다음은 주요한 차이점입니다</a:t>
+            </a:r>
+            <a:r>
+              <a:rPr lang="en-US" altLang="ko-KR" b="0" i="0" dirty="0">
+                <a:solidFill>
+                  <a:srgbClr val="374151"/>
+                </a:solidFill>
+                <a:effectLst/>
+                <a:latin typeface="Söhne"/>
+              </a:rPr>
+              <a:t>:</a:t>
+            </a:r>
+          </a:p>
+          <a:p>
+            <a:pPr algn="l">
+              <a:buFont typeface="+mj-lt"/>
+              <a:buAutoNum type="arabicPeriod"/>
+            </a:pPr>
+            <a:r>
+              <a:rPr lang="ko-KR" altLang="en-US" b="0" i="0" dirty="0">
+                <a:solidFill>
+                  <a:srgbClr val="374151"/>
+                </a:solidFill>
+                <a:effectLst/>
+                <a:latin typeface="Söhne"/>
+              </a:rPr>
+              <a:t>컨테이너 중심 모니터링</a:t>
+            </a:r>
+            <a:r>
+              <a:rPr lang="en-US" altLang="ko-KR" b="0" i="0" dirty="0">
+                <a:solidFill>
+                  <a:srgbClr val="374151"/>
+                </a:solidFill>
+                <a:effectLst/>
+                <a:latin typeface="Söhne"/>
+              </a:rPr>
+              <a:t>: </a:t>
+            </a:r>
+            <a:r>
+              <a:rPr lang="ko-KR" altLang="en-US" b="0" i="0" dirty="0" err="1">
+                <a:solidFill>
+                  <a:srgbClr val="374151"/>
+                </a:solidFill>
+                <a:effectLst/>
+                <a:latin typeface="Söhne"/>
+              </a:rPr>
+              <a:t>쿠버네티스</a:t>
+            </a:r>
+            <a:r>
+              <a:rPr lang="ko-KR" altLang="en-US" b="0" i="0" dirty="0">
+                <a:solidFill>
+                  <a:srgbClr val="374151"/>
+                </a:solidFill>
+                <a:effectLst/>
+                <a:latin typeface="Söhne"/>
+              </a:rPr>
+              <a:t> 모니터링은 클러스터에서 실행되는 </a:t>
+            </a:r>
+            <a:r>
+              <a:rPr lang="ko-KR" altLang="en-US" b="0" i="0" dirty="0" err="1">
+                <a:solidFill>
+                  <a:srgbClr val="374151"/>
+                </a:solidFill>
+                <a:effectLst/>
+                <a:latin typeface="Söhne"/>
+              </a:rPr>
+              <a:t>컨테이너화된</a:t>
+            </a:r>
+            <a:r>
+              <a:rPr lang="ko-KR" altLang="en-US" b="0" i="0" dirty="0">
+                <a:solidFill>
+                  <a:srgbClr val="374151"/>
+                </a:solidFill>
+                <a:effectLst/>
+                <a:latin typeface="Söhne"/>
+              </a:rPr>
+              <a:t> 애플리케이션을 모니터링하는 것을 목표로 합니다</a:t>
+            </a:r>
+            <a:r>
+              <a:rPr lang="en-US" altLang="ko-KR" b="0" i="0" dirty="0">
+                <a:solidFill>
+                  <a:srgbClr val="374151"/>
+                </a:solidFill>
+                <a:effectLst/>
+                <a:latin typeface="Söhne"/>
+              </a:rPr>
+              <a:t>. </a:t>
+            </a:r>
+            <a:r>
+              <a:rPr lang="ko-KR" altLang="en-US" b="0" i="0" dirty="0" err="1">
+                <a:solidFill>
+                  <a:srgbClr val="374151"/>
+                </a:solidFill>
+                <a:effectLst/>
+                <a:latin typeface="Söhne"/>
+              </a:rPr>
+              <a:t>쿠버네티스</a:t>
+            </a:r>
+            <a:r>
+              <a:rPr lang="ko-KR" altLang="en-US" b="0" i="0" dirty="0">
+                <a:solidFill>
+                  <a:srgbClr val="374151"/>
+                </a:solidFill>
+                <a:effectLst/>
+                <a:latin typeface="Söhne"/>
+              </a:rPr>
+              <a:t> 모니터링은 컨테이너의 동적인 특성과 수명주기를 이해합니다</a:t>
+            </a:r>
+            <a:r>
+              <a:rPr lang="en-US" altLang="ko-KR" b="0" i="0" dirty="0">
+                <a:solidFill>
+                  <a:srgbClr val="374151"/>
+                </a:solidFill>
+                <a:effectLst/>
+                <a:latin typeface="Söhne"/>
+              </a:rPr>
+              <a:t>. </a:t>
+            </a:r>
+            <a:r>
+              <a:rPr lang="ko-KR" altLang="en-US" b="0" i="0" dirty="0">
+                <a:solidFill>
+                  <a:srgbClr val="374151"/>
+                </a:solidFill>
+                <a:effectLst/>
+                <a:latin typeface="Söhne"/>
+              </a:rPr>
+              <a:t>다른 유형의 모니터링은 서버 모니터링이나 네트워크 모니터링과 같이 인프라의 다른 측면에 초점을 맞출 수도 있는데</a:t>
+            </a:r>
+            <a:r>
+              <a:rPr lang="en-US" altLang="ko-KR" b="0" i="0" dirty="0">
+                <a:solidFill>
+                  <a:srgbClr val="374151"/>
+                </a:solidFill>
+                <a:effectLst/>
+                <a:latin typeface="Söhne"/>
+              </a:rPr>
+              <a:t>, </a:t>
+            </a:r>
+            <a:r>
+              <a:rPr lang="ko-KR" altLang="en-US" b="0" i="0" dirty="0">
+                <a:solidFill>
+                  <a:srgbClr val="374151"/>
+                </a:solidFill>
+                <a:effectLst/>
+                <a:latin typeface="Söhne"/>
+              </a:rPr>
+              <a:t>이러한 모니터링은 </a:t>
+            </a:r>
+            <a:r>
+              <a:rPr lang="ko-KR" altLang="en-US" b="0" i="0" dirty="0" err="1">
+                <a:solidFill>
+                  <a:srgbClr val="374151"/>
+                </a:solidFill>
+                <a:effectLst/>
+                <a:latin typeface="Söhne"/>
+              </a:rPr>
+              <a:t>컨테이너화된</a:t>
+            </a:r>
+            <a:r>
+              <a:rPr lang="ko-KR" altLang="en-US" b="0" i="0" dirty="0">
+                <a:solidFill>
+                  <a:srgbClr val="374151"/>
+                </a:solidFill>
+                <a:effectLst/>
+                <a:latin typeface="Söhne"/>
+              </a:rPr>
+              <a:t> 애플리케이션에 대한 동일한 수준의 가시성을 가질 수 없을 수도 있습니다</a:t>
+            </a:r>
+            <a:r>
+              <a:rPr lang="en-US" altLang="ko-KR" b="0" i="0" dirty="0">
+                <a:solidFill>
+                  <a:srgbClr val="374151"/>
+                </a:solidFill>
+                <a:effectLst/>
+                <a:latin typeface="Söhne"/>
+              </a:rPr>
+              <a:t>.</a:t>
+            </a:r>
+          </a:p>
+          <a:p>
+            <a:pPr algn="l">
+              <a:buFont typeface="+mj-lt"/>
+              <a:buAutoNum type="arabicPeriod"/>
+            </a:pPr>
+            <a:r>
+              <a:rPr lang="ko-KR" altLang="en-US" b="0" i="0" dirty="0">
+                <a:solidFill>
+                  <a:srgbClr val="374151"/>
+                </a:solidFill>
+                <a:effectLst/>
+                <a:latin typeface="Söhne"/>
+              </a:rPr>
+              <a:t>오케스트레이션 레이어 모니터링</a:t>
+            </a:r>
+            <a:r>
+              <a:rPr lang="en-US" altLang="ko-KR" b="0" i="0" dirty="0">
+                <a:solidFill>
+                  <a:srgbClr val="374151"/>
+                </a:solidFill>
+                <a:effectLst/>
+                <a:latin typeface="Söhne"/>
+              </a:rPr>
+              <a:t>: </a:t>
+            </a:r>
+            <a:r>
+              <a:rPr lang="ko-KR" altLang="en-US" b="0" i="0" dirty="0" err="1">
+                <a:solidFill>
+                  <a:srgbClr val="374151"/>
+                </a:solidFill>
+                <a:effectLst/>
+                <a:latin typeface="Söhne"/>
+              </a:rPr>
+              <a:t>쿠버네티스</a:t>
+            </a:r>
+            <a:r>
+              <a:rPr lang="ko-KR" altLang="en-US" b="0" i="0" dirty="0">
+                <a:solidFill>
+                  <a:srgbClr val="374151"/>
+                </a:solidFill>
+                <a:effectLst/>
+                <a:latin typeface="Söhne"/>
+              </a:rPr>
+              <a:t> 모니터링은 </a:t>
+            </a:r>
+            <a:r>
+              <a:rPr lang="en-US" b="0" i="0" dirty="0">
+                <a:solidFill>
+                  <a:srgbClr val="374151"/>
+                </a:solidFill>
+                <a:effectLst/>
+                <a:latin typeface="Söhne"/>
+              </a:rPr>
+              <a:t>Kubernetes </a:t>
+            </a:r>
+            <a:r>
+              <a:rPr lang="ko-KR" altLang="en-US" b="0" i="0" dirty="0">
+                <a:solidFill>
+                  <a:srgbClr val="374151"/>
+                </a:solidFill>
+                <a:effectLst/>
+                <a:latin typeface="Söhne"/>
+              </a:rPr>
+              <a:t>클러스터 자체의 상태와 성능에 대한 통찰력을 제공합니다</a:t>
+            </a:r>
+            <a:r>
+              <a:rPr lang="en-US" altLang="ko-KR" b="0" i="0" dirty="0">
+                <a:solidFill>
+                  <a:srgbClr val="374151"/>
+                </a:solidFill>
+                <a:effectLst/>
+                <a:latin typeface="Söhne"/>
+              </a:rPr>
+              <a:t>. </a:t>
+            </a:r>
+            <a:r>
+              <a:rPr lang="ko-KR" altLang="en-US" b="0" i="0" dirty="0">
+                <a:solidFill>
+                  <a:srgbClr val="374151"/>
+                </a:solidFill>
+                <a:effectLst/>
+                <a:latin typeface="Söhne"/>
+              </a:rPr>
+              <a:t>이는 노드</a:t>
+            </a:r>
+            <a:r>
+              <a:rPr lang="en-US" altLang="ko-KR" b="0" i="0" dirty="0">
+                <a:solidFill>
+                  <a:srgbClr val="374151"/>
+                </a:solidFill>
+                <a:effectLst/>
+                <a:latin typeface="Söhne"/>
+              </a:rPr>
+              <a:t>, </a:t>
+            </a:r>
+            <a:r>
+              <a:rPr lang="ko-KR" altLang="en-US" b="0" i="0" dirty="0" err="1">
+                <a:solidFill>
+                  <a:srgbClr val="374151"/>
+                </a:solidFill>
+                <a:effectLst/>
+                <a:latin typeface="Söhne"/>
+              </a:rPr>
+              <a:t>팟</a:t>
+            </a:r>
+            <a:r>
+              <a:rPr lang="en-US" altLang="ko-KR" b="0" i="0" dirty="0">
+                <a:solidFill>
+                  <a:srgbClr val="374151"/>
+                </a:solidFill>
+                <a:effectLst/>
+                <a:latin typeface="Söhne"/>
+              </a:rPr>
+              <a:t>, </a:t>
+            </a:r>
+            <a:r>
+              <a:rPr lang="ko-KR" altLang="en-US" b="0" i="0" dirty="0" err="1">
+                <a:solidFill>
+                  <a:srgbClr val="374151"/>
+                </a:solidFill>
+                <a:effectLst/>
+                <a:latin typeface="Söhne"/>
+              </a:rPr>
+              <a:t>디플로이먼트</a:t>
+            </a:r>
+            <a:r>
+              <a:rPr lang="ko-KR" altLang="en-US" b="0" i="0" dirty="0">
+                <a:solidFill>
+                  <a:srgbClr val="374151"/>
+                </a:solidFill>
+                <a:effectLst/>
+                <a:latin typeface="Söhne"/>
+              </a:rPr>
+              <a:t> 등 </a:t>
+            </a:r>
+            <a:r>
+              <a:rPr lang="en-US" b="0" i="0" dirty="0">
+                <a:solidFill>
+                  <a:srgbClr val="374151"/>
+                </a:solidFill>
+                <a:effectLst/>
+                <a:latin typeface="Söhne"/>
+              </a:rPr>
+              <a:t>Kubernetes </a:t>
+            </a:r>
+            <a:r>
+              <a:rPr lang="ko-KR" altLang="en-US" b="0" i="0" dirty="0">
+                <a:solidFill>
+                  <a:srgbClr val="374151"/>
+                </a:solidFill>
+                <a:effectLst/>
+                <a:latin typeface="Söhne"/>
+              </a:rPr>
+              <a:t>자원과 구성 요소에 특화된 </a:t>
+            </a:r>
+            <a:r>
+              <a:rPr lang="ko-KR" altLang="en-US" b="0" i="0" dirty="0" err="1">
+                <a:solidFill>
+                  <a:srgbClr val="374151"/>
+                </a:solidFill>
+                <a:effectLst/>
+                <a:latin typeface="Söhne"/>
+              </a:rPr>
+              <a:t>메트릭을</a:t>
+            </a:r>
+            <a:r>
+              <a:rPr lang="ko-KR" altLang="en-US" b="0" i="0" dirty="0">
+                <a:solidFill>
+                  <a:srgbClr val="374151"/>
+                </a:solidFill>
+                <a:effectLst/>
+                <a:latin typeface="Söhne"/>
+              </a:rPr>
+              <a:t> 수집합니다</a:t>
+            </a:r>
+            <a:r>
+              <a:rPr lang="en-US" altLang="ko-KR" b="0" i="0" dirty="0">
+                <a:solidFill>
+                  <a:srgbClr val="374151"/>
+                </a:solidFill>
+                <a:effectLst/>
+                <a:latin typeface="Söhne"/>
+              </a:rPr>
+              <a:t>. </a:t>
+            </a:r>
+            <a:r>
+              <a:rPr lang="ko-KR" altLang="en-US" b="0" i="0" dirty="0">
+                <a:solidFill>
+                  <a:srgbClr val="374151"/>
+                </a:solidFill>
+                <a:effectLst/>
+                <a:latin typeface="Söhne"/>
+              </a:rPr>
+              <a:t>다른 모니터링 솔루션은 </a:t>
+            </a:r>
+            <a:r>
+              <a:rPr lang="ko-KR" altLang="en-US" b="0" i="0" dirty="0" err="1">
+                <a:solidFill>
+                  <a:srgbClr val="374151"/>
+                </a:solidFill>
+                <a:effectLst/>
+                <a:latin typeface="Söhne"/>
+              </a:rPr>
+              <a:t>쿠버네티스</a:t>
+            </a:r>
+            <a:r>
+              <a:rPr lang="ko-KR" altLang="en-US" b="0" i="0" dirty="0">
+                <a:solidFill>
+                  <a:srgbClr val="374151"/>
+                </a:solidFill>
+                <a:effectLst/>
+                <a:latin typeface="Söhne"/>
+              </a:rPr>
+              <a:t> 오케스트레이션 레이어와 같은 수준의 통합과 가시성을 가질 수 없을 수도 있습니다</a:t>
+            </a:r>
+            <a:r>
+              <a:rPr lang="en-US" altLang="ko-KR" b="0" i="0" dirty="0">
+                <a:solidFill>
+                  <a:srgbClr val="374151"/>
+                </a:solidFill>
+                <a:effectLst/>
+                <a:latin typeface="Söhne"/>
+              </a:rPr>
+              <a:t>.</a:t>
+            </a:r>
+          </a:p>
+          <a:p>
+            <a:pPr algn="l">
+              <a:buFont typeface="+mj-lt"/>
+              <a:buAutoNum type="arabicPeriod"/>
+            </a:pPr>
+            <a:r>
+              <a:rPr lang="ko-KR" altLang="en-US" b="0" i="0" dirty="0">
+                <a:solidFill>
+                  <a:srgbClr val="374151"/>
+                </a:solidFill>
+                <a:effectLst/>
+                <a:latin typeface="Söhne"/>
+              </a:rPr>
+              <a:t>확장성과 동적인 환경</a:t>
+            </a:r>
+            <a:r>
+              <a:rPr lang="en-US" altLang="ko-KR" b="0" i="0" dirty="0">
+                <a:solidFill>
+                  <a:srgbClr val="374151"/>
+                </a:solidFill>
+                <a:effectLst/>
+                <a:latin typeface="Söhne"/>
+              </a:rPr>
+              <a:t>: </a:t>
+            </a:r>
+            <a:r>
+              <a:rPr lang="ko-KR" altLang="en-US" b="0" i="0" dirty="0" err="1">
+                <a:solidFill>
+                  <a:srgbClr val="374151"/>
+                </a:solidFill>
+                <a:effectLst/>
+                <a:latin typeface="Söhne"/>
+              </a:rPr>
+              <a:t>쿠버네티스는</a:t>
+            </a:r>
+            <a:r>
+              <a:rPr lang="ko-KR" altLang="en-US" b="0" i="0" dirty="0">
+                <a:solidFill>
+                  <a:srgbClr val="374151"/>
+                </a:solidFill>
+                <a:effectLst/>
+                <a:latin typeface="Söhne"/>
+              </a:rPr>
+              <a:t> 리소스 요구에 따라 자동으로 </a:t>
+            </a:r>
+            <a:r>
+              <a:rPr lang="ko-KR" altLang="en-US" b="0" i="0" dirty="0" err="1">
+                <a:solidFill>
+                  <a:srgbClr val="374151"/>
+                </a:solidFill>
+                <a:effectLst/>
+                <a:latin typeface="Söhne"/>
+              </a:rPr>
+              <a:t>팟을</a:t>
+            </a:r>
+            <a:r>
+              <a:rPr lang="ko-KR" altLang="en-US" b="0" i="0" dirty="0">
+                <a:solidFill>
+                  <a:srgbClr val="374151"/>
+                </a:solidFill>
+                <a:effectLst/>
+                <a:latin typeface="Söhne"/>
+              </a:rPr>
+              <a:t> 생성하거나 제거하여 애플리케이션의 동적인 확장을 가능하게 합니다</a:t>
+            </a:r>
+            <a:r>
+              <a:rPr lang="en-US" altLang="ko-KR" b="0" i="0" dirty="0">
+                <a:solidFill>
+                  <a:srgbClr val="374151"/>
+                </a:solidFill>
+                <a:effectLst/>
+                <a:latin typeface="Söhne"/>
+              </a:rPr>
+              <a:t>. </a:t>
+            </a:r>
+            <a:r>
+              <a:rPr lang="ko-KR" altLang="en-US" b="0" i="0" dirty="0" err="1">
+                <a:solidFill>
+                  <a:srgbClr val="374151"/>
+                </a:solidFill>
+                <a:effectLst/>
+                <a:latin typeface="Söhne"/>
+              </a:rPr>
+              <a:t>쿠버네티스</a:t>
+            </a:r>
+            <a:r>
+              <a:rPr lang="ko-KR" altLang="en-US" b="0" i="0" dirty="0">
+                <a:solidFill>
+                  <a:srgbClr val="374151"/>
+                </a:solidFill>
+                <a:effectLst/>
+                <a:latin typeface="Söhne"/>
+              </a:rPr>
+              <a:t> 모니터링은 클러스터에서 실행되는 </a:t>
+            </a:r>
+            <a:r>
+              <a:rPr lang="ko-KR" altLang="en-US" b="0" i="0" dirty="0" err="1">
+                <a:solidFill>
+                  <a:srgbClr val="374151"/>
+                </a:solidFill>
+                <a:effectLst/>
+                <a:latin typeface="Söhne"/>
+              </a:rPr>
+              <a:t>컨테이너화된</a:t>
+            </a:r>
+            <a:r>
+              <a:rPr lang="ko-KR" altLang="en-US" b="0" i="0" dirty="0">
+                <a:solidFill>
+                  <a:srgbClr val="374151"/>
+                </a:solidFill>
+                <a:effectLst/>
+                <a:latin typeface="Söhne"/>
+              </a:rPr>
+              <a:t> 애플리케이션의 확장성과 동적인 특성을 처리하기 위해 구축되었습니다</a:t>
+            </a:r>
+            <a:r>
+              <a:rPr lang="en-US" altLang="ko-KR" b="0" i="0" dirty="0">
+                <a:solidFill>
+                  <a:srgbClr val="374151"/>
+                </a:solidFill>
+                <a:effectLst/>
+                <a:latin typeface="Söhne"/>
+              </a:rPr>
+              <a:t>. </a:t>
+            </a:r>
+            <a:r>
+              <a:rPr lang="ko-KR" altLang="en-US" b="0" i="0" dirty="0">
+                <a:solidFill>
+                  <a:srgbClr val="374151"/>
+                </a:solidFill>
+                <a:effectLst/>
+                <a:latin typeface="Söhne"/>
+              </a:rPr>
+              <a:t>모니터링은 변화하는 </a:t>
+            </a:r>
+            <a:r>
+              <a:rPr lang="ko-KR" altLang="en-US" b="0" i="0" dirty="0" err="1">
+                <a:solidFill>
+                  <a:srgbClr val="374151"/>
+                </a:solidFill>
+                <a:effectLst/>
+                <a:latin typeface="Söhne"/>
+              </a:rPr>
+              <a:t>팟과</a:t>
+            </a:r>
+            <a:r>
+              <a:rPr lang="ko-KR" altLang="en-US" b="0" i="0" dirty="0">
+                <a:solidFill>
+                  <a:srgbClr val="374151"/>
+                </a:solidFill>
+                <a:effectLst/>
+                <a:latin typeface="Söhne"/>
+              </a:rPr>
+              <a:t> 노드의 수에 대응하여 조정되어</a:t>
+            </a:r>
+            <a:r>
+              <a:rPr lang="en-US" altLang="ko-KR" b="0" i="0" dirty="0">
+                <a:solidFill>
+                  <a:srgbClr val="374151"/>
+                </a:solidFill>
+                <a:effectLst/>
+                <a:latin typeface="Söhne"/>
+              </a:rPr>
+              <a:t>, </a:t>
+            </a:r>
+            <a:r>
+              <a:rPr lang="ko-KR" altLang="en-US" b="0" i="0" dirty="0">
+                <a:solidFill>
+                  <a:srgbClr val="374151"/>
+                </a:solidFill>
+                <a:effectLst/>
+                <a:latin typeface="Söhne"/>
+              </a:rPr>
+              <a:t>매우 동적인 환경에서도 효과적으로 작동합니다</a:t>
+            </a:r>
+            <a:r>
+              <a:rPr lang="en-US" altLang="ko-KR" b="0" i="0" dirty="0">
+                <a:solidFill>
+                  <a:srgbClr val="374151"/>
+                </a:solidFill>
+                <a:effectLst/>
+                <a:latin typeface="Söhne"/>
+              </a:rPr>
+              <a:t>. </a:t>
+            </a:r>
+            <a:r>
+              <a:rPr lang="ko-KR" altLang="en-US" b="0" i="0" dirty="0">
+                <a:solidFill>
+                  <a:srgbClr val="374151"/>
+                </a:solidFill>
+                <a:effectLst/>
+                <a:latin typeface="Söhne"/>
+              </a:rPr>
+              <a:t>다른 모니터링 솔루션은 </a:t>
+            </a:r>
+            <a:r>
+              <a:rPr lang="ko-KR" altLang="en-US" b="0" i="0" dirty="0" err="1">
+                <a:solidFill>
+                  <a:srgbClr val="374151"/>
+                </a:solidFill>
+                <a:effectLst/>
+                <a:latin typeface="Söhne"/>
+              </a:rPr>
+              <a:t>쿠버네티스</a:t>
+            </a:r>
+            <a:r>
+              <a:rPr lang="ko-KR" altLang="en-US" b="0" i="0" dirty="0">
+                <a:solidFill>
+                  <a:srgbClr val="374151"/>
+                </a:solidFill>
+                <a:effectLst/>
+                <a:latin typeface="Söhne"/>
+              </a:rPr>
+              <a:t> 클러스터의 동적인 특성을 처리하기 위한 동일한 수준의 확장성과 적응성을 제공하지 않을 수도 있습니다</a:t>
+            </a:r>
+            <a:r>
+              <a:rPr lang="en-US" altLang="ko-KR" b="0" i="0" dirty="0">
+                <a:solidFill>
+                  <a:srgbClr val="374151"/>
+                </a:solidFill>
+                <a:effectLst/>
+                <a:latin typeface="Söhne"/>
+              </a:rPr>
+              <a:t>.</a:t>
+            </a:r>
+          </a:p>
+          <a:p>
+            <a:pPr algn="l">
+              <a:buFont typeface="+mj-lt"/>
+              <a:buAutoNum type="arabicPeriod"/>
+            </a:pPr>
+            <a:r>
+              <a:rPr lang="ko-KR" altLang="en-US" b="0" i="0" dirty="0" err="1">
+                <a:solidFill>
+                  <a:srgbClr val="374151"/>
+                </a:solidFill>
+                <a:effectLst/>
+                <a:latin typeface="Söhne"/>
+              </a:rPr>
+              <a:t>쿠버네티스</a:t>
+            </a:r>
+            <a:r>
+              <a:rPr lang="ko-KR" altLang="en-US" b="0" i="0" dirty="0">
+                <a:solidFill>
+                  <a:srgbClr val="374151"/>
+                </a:solidFill>
+                <a:effectLst/>
+                <a:latin typeface="Söhne"/>
+              </a:rPr>
+              <a:t> </a:t>
+            </a:r>
+            <a:r>
+              <a:rPr lang="en-US" b="0" i="0" dirty="0">
+                <a:solidFill>
+                  <a:srgbClr val="374151"/>
+                </a:solidFill>
+                <a:effectLst/>
+                <a:latin typeface="Söhne"/>
+              </a:rPr>
+              <a:t>API</a:t>
+            </a:r>
+            <a:r>
+              <a:rPr lang="ko-KR" altLang="en-US" b="0" i="0" dirty="0" err="1">
+                <a:solidFill>
+                  <a:srgbClr val="374151"/>
+                </a:solidFill>
+                <a:effectLst/>
+                <a:latin typeface="Söhne"/>
+              </a:rPr>
+              <a:t>와의</a:t>
+            </a:r>
+            <a:r>
+              <a:rPr lang="ko-KR" altLang="en-US" b="0" i="0" dirty="0">
+                <a:solidFill>
+                  <a:srgbClr val="374151"/>
+                </a:solidFill>
+                <a:effectLst/>
+                <a:latin typeface="Söhne"/>
+              </a:rPr>
+              <a:t> 통합</a:t>
+            </a:r>
+            <a:r>
+              <a:rPr lang="en-US" altLang="ko-KR" b="0" i="0" dirty="0">
+                <a:solidFill>
+                  <a:srgbClr val="374151"/>
+                </a:solidFill>
+                <a:effectLst/>
+                <a:latin typeface="Söhne"/>
+              </a:rPr>
+              <a:t>: </a:t>
+            </a:r>
+            <a:r>
+              <a:rPr lang="en-US" b="0" i="0" dirty="0">
+                <a:solidFill>
+                  <a:srgbClr val="374151"/>
+                </a:solidFill>
+                <a:effectLst/>
+                <a:latin typeface="Söhne"/>
+              </a:rPr>
+              <a:t>Metrics Server</a:t>
+            </a:r>
+            <a:r>
+              <a:rPr lang="ko-KR" altLang="en-US" b="0" i="0" dirty="0">
+                <a:solidFill>
+                  <a:srgbClr val="374151"/>
+                </a:solidFill>
+                <a:effectLst/>
+                <a:latin typeface="Söhne"/>
+              </a:rPr>
+              <a:t>와 </a:t>
+            </a:r>
+            <a:r>
+              <a:rPr lang="en-US" b="0" i="0" dirty="0">
+                <a:solidFill>
+                  <a:srgbClr val="374151"/>
+                </a:solidFill>
+                <a:effectLst/>
+                <a:latin typeface="Söhne"/>
+              </a:rPr>
+              <a:t>Kubernetes </a:t>
+            </a:r>
+            <a:r>
+              <a:rPr lang="ko-KR" altLang="en-US" b="0" i="0" dirty="0">
+                <a:solidFill>
+                  <a:srgbClr val="374151"/>
+                </a:solidFill>
+                <a:effectLst/>
+                <a:latin typeface="Söhne"/>
+              </a:rPr>
+              <a:t>대시보드와 같은 </a:t>
+            </a:r>
+            <a:r>
+              <a:rPr lang="ko-KR" altLang="en-US" b="0" i="0" dirty="0" err="1">
+                <a:solidFill>
+                  <a:srgbClr val="374151"/>
+                </a:solidFill>
+                <a:effectLst/>
+                <a:latin typeface="Söhne"/>
+              </a:rPr>
+              <a:t>쿠버네티스</a:t>
+            </a:r>
+            <a:r>
+              <a:rPr lang="ko-KR" altLang="en-US" b="0" i="0" dirty="0">
+                <a:solidFill>
+                  <a:srgbClr val="374151"/>
+                </a:solidFill>
+                <a:effectLst/>
+                <a:latin typeface="Söhne"/>
+              </a:rPr>
+              <a:t> 모니터링 도구는 </a:t>
+            </a:r>
+            <a:r>
+              <a:rPr lang="ko-KR" altLang="en-US" b="0" i="0" dirty="0" err="1">
+                <a:solidFill>
+                  <a:srgbClr val="374151"/>
+                </a:solidFill>
+                <a:effectLst/>
+                <a:latin typeface="Söhne"/>
+              </a:rPr>
+              <a:t>쿠버네티스</a:t>
+            </a:r>
+            <a:r>
+              <a:rPr lang="ko-KR" altLang="en-US" b="0" i="0" dirty="0">
+                <a:solidFill>
+                  <a:srgbClr val="374151"/>
+                </a:solidFill>
+                <a:effectLst/>
+                <a:latin typeface="Söhne"/>
+              </a:rPr>
+              <a:t> </a:t>
+            </a:r>
+            <a:r>
+              <a:rPr lang="en-US" b="0" i="0" dirty="0">
+                <a:solidFill>
+                  <a:srgbClr val="374151"/>
+                </a:solidFill>
+                <a:effectLst/>
+                <a:latin typeface="Söhne"/>
+              </a:rPr>
+              <a:t>API</a:t>
+            </a:r>
+            <a:r>
+              <a:rPr lang="ko-KR" altLang="en-US" b="0" i="0" dirty="0" err="1">
+                <a:solidFill>
+                  <a:srgbClr val="374151"/>
+                </a:solidFill>
+                <a:effectLst/>
+                <a:latin typeface="Söhne"/>
+              </a:rPr>
+              <a:t>를</a:t>
+            </a:r>
+            <a:r>
+              <a:rPr lang="ko-KR" altLang="en-US" b="0" i="0" dirty="0">
+                <a:solidFill>
+                  <a:srgbClr val="374151"/>
+                </a:solidFill>
+                <a:effectLst/>
+                <a:latin typeface="Söhne"/>
+              </a:rPr>
+              <a:t> 활용하여 클러스터 구성 요소에서 </a:t>
+            </a:r>
+            <a:r>
+              <a:rPr lang="ko-KR" altLang="en-US" b="0" i="0" dirty="0" err="1">
+                <a:solidFill>
+                  <a:srgbClr val="374151"/>
+                </a:solidFill>
+                <a:effectLst/>
+                <a:latin typeface="Söhne"/>
+              </a:rPr>
+              <a:t>메트릭을</a:t>
+            </a:r>
+            <a:r>
+              <a:rPr lang="ko-KR" altLang="en-US" b="0" i="0" dirty="0">
+                <a:solidFill>
+                  <a:srgbClr val="374151"/>
+                </a:solidFill>
+                <a:effectLst/>
+                <a:latin typeface="Söhne"/>
+              </a:rPr>
+              <a:t> 수집하고 집계합니다</a:t>
+            </a:r>
+            <a:r>
+              <a:rPr lang="en-US" altLang="ko-KR" b="0" i="0" dirty="0">
+                <a:solidFill>
+                  <a:srgbClr val="374151"/>
+                </a:solidFill>
+                <a:effectLst/>
+                <a:latin typeface="Söhne"/>
+              </a:rPr>
+              <a:t>. </a:t>
+            </a:r>
+            <a:r>
+              <a:rPr lang="ko-KR" altLang="en-US" b="0" i="0" dirty="0">
+                <a:solidFill>
+                  <a:srgbClr val="374151"/>
+                </a:solidFill>
+                <a:effectLst/>
+                <a:latin typeface="Söhne"/>
+              </a:rPr>
+              <a:t>이러한 긴밀한 통합을 통해 </a:t>
+            </a:r>
+            <a:r>
+              <a:rPr lang="ko-KR" altLang="en-US" b="0" i="0" dirty="0" err="1">
+                <a:solidFill>
+                  <a:srgbClr val="374151"/>
+                </a:solidFill>
+                <a:effectLst/>
+                <a:latin typeface="Söhne"/>
+              </a:rPr>
+              <a:t>쿠버네티스</a:t>
+            </a:r>
+            <a:r>
+              <a:rPr lang="ko-KR" altLang="en-US" b="0" i="0" dirty="0">
+                <a:solidFill>
+                  <a:srgbClr val="374151"/>
+                </a:solidFill>
+                <a:effectLst/>
+                <a:latin typeface="Söhne"/>
+              </a:rPr>
+              <a:t> 특정 </a:t>
+            </a:r>
+            <a:r>
+              <a:rPr lang="ko-KR" altLang="en-US" b="0" i="0" dirty="0" err="1">
+                <a:solidFill>
+                  <a:srgbClr val="374151"/>
+                </a:solidFill>
+                <a:effectLst/>
+                <a:latin typeface="Söhne"/>
+              </a:rPr>
+              <a:t>메트릭을</a:t>
+            </a:r>
+            <a:r>
+              <a:rPr lang="ko-KR" altLang="en-US" b="0" i="0" dirty="0">
+                <a:solidFill>
+                  <a:srgbClr val="374151"/>
+                </a:solidFill>
+                <a:effectLst/>
+                <a:latin typeface="Söhne"/>
+              </a:rPr>
+              <a:t> 보다 정확하고 포괄적으로 모니터링할 수 있습니다</a:t>
+            </a:r>
+            <a:r>
+              <a:rPr lang="en-US" altLang="ko-KR" b="0" i="0" dirty="0">
+                <a:solidFill>
+                  <a:srgbClr val="374151"/>
+                </a:solidFill>
+                <a:effectLst/>
+                <a:latin typeface="Söhne"/>
+              </a:rPr>
+              <a:t>. </a:t>
+            </a:r>
+            <a:r>
+              <a:rPr lang="ko-KR" altLang="en-US" b="0" i="0" dirty="0">
+                <a:solidFill>
+                  <a:srgbClr val="374151"/>
+                </a:solidFill>
+                <a:effectLst/>
+                <a:latin typeface="Söhne"/>
+              </a:rPr>
+              <a:t>다른 모니터링 솔루션은 다른 </a:t>
+            </a:r>
+            <a:r>
+              <a:rPr lang="en-US" b="0" i="0" dirty="0">
+                <a:solidFill>
+                  <a:srgbClr val="374151"/>
+                </a:solidFill>
+                <a:effectLst/>
+                <a:latin typeface="Söhne"/>
+              </a:rPr>
+              <a:t>API</a:t>
+            </a:r>
+            <a:r>
+              <a:rPr lang="ko-KR" altLang="en-US" b="0" i="0" dirty="0">
+                <a:solidFill>
+                  <a:srgbClr val="374151"/>
+                </a:solidFill>
+                <a:effectLst/>
+                <a:latin typeface="Söhne"/>
+              </a:rPr>
+              <a:t>나 데이터 수집 방법을 사용할 수 있으며</a:t>
+            </a:r>
+            <a:r>
+              <a:rPr lang="en-US" altLang="ko-KR" b="0" i="0" dirty="0">
+                <a:solidFill>
+                  <a:srgbClr val="374151"/>
+                </a:solidFill>
+                <a:effectLst/>
+                <a:latin typeface="Söhne"/>
+              </a:rPr>
+              <a:t>, </a:t>
+            </a:r>
+            <a:r>
+              <a:rPr lang="ko-KR" altLang="en-US" b="0" i="0" dirty="0" err="1">
+                <a:solidFill>
+                  <a:srgbClr val="374151"/>
+                </a:solidFill>
+                <a:effectLst/>
+                <a:latin typeface="Söhne"/>
+              </a:rPr>
+              <a:t>쿠버네티스와의</a:t>
+            </a:r>
+            <a:r>
+              <a:rPr lang="ko-KR" altLang="en-US" b="0" i="0" dirty="0">
+                <a:solidFill>
+                  <a:srgbClr val="374151"/>
+                </a:solidFill>
+                <a:effectLst/>
+                <a:latin typeface="Söhne"/>
+              </a:rPr>
+              <a:t> 동일한 수준의 통합을 제공하지 않을 수도 있습니다</a:t>
+            </a:r>
+            <a:r>
+              <a:rPr lang="en-US" altLang="ko-KR" b="0" i="0" dirty="0">
+                <a:solidFill>
+                  <a:srgbClr val="374151"/>
+                </a:solidFill>
+                <a:effectLst/>
+                <a:latin typeface="Söhne"/>
+              </a:rPr>
+              <a:t>.</a:t>
+            </a:r>
+          </a:p>
+          <a:p>
+            <a:pPr algn="l">
+              <a:buFont typeface="+mj-lt"/>
+              <a:buAutoNum type="arabicPeriod"/>
+            </a:pPr>
+            <a:r>
+              <a:rPr lang="ko-KR" altLang="en-US" b="0" i="0" dirty="0">
+                <a:solidFill>
+                  <a:srgbClr val="374151"/>
+                </a:solidFill>
+                <a:effectLst/>
+                <a:latin typeface="Söhne"/>
+              </a:rPr>
+              <a:t>컨테이너 수준 </a:t>
+            </a:r>
+            <a:r>
+              <a:rPr lang="ko-KR" altLang="en-US" b="0" i="0" dirty="0" err="1">
+                <a:solidFill>
+                  <a:srgbClr val="374151"/>
+                </a:solidFill>
+                <a:effectLst/>
+                <a:latin typeface="Söhne"/>
+              </a:rPr>
+              <a:t>메트릭</a:t>
+            </a:r>
+            <a:r>
+              <a:rPr lang="en-US" altLang="ko-KR" b="0" i="0" dirty="0">
+                <a:solidFill>
+                  <a:srgbClr val="374151"/>
+                </a:solidFill>
+                <a:effectLst/>
+                <a:latin typeface="Söhne"/>
+              </a:rPr>
+              <a:t>: </a:t>
+            </a:r>
+            <a:r>
+              <a:rPr lang="ko-KR" altLang="en-US" b="0" i="0" dirty="0" err="1">
+                <a:solidFill>
+                  <a:srgbClr val="374151"/>
+                </a:solidFill>
+                <a:effectLst/>
+                <a:latin typeface="Söhne"/>
+              </a:rPr>
+              <a:t>쿠버네티스</a:t>
+            </a:r>
+            <a:r>
+              <a:rPr lang="ko-KR" altLang="en-US" b="0" i="0" dirty="0">
+                <a:solidFill>
+                  <a:srgbClr val="374151"/>
+                </a:solidFill>
+                <a:effectLst/>
+                <a:latin typeface="Söhne"/>
+              </a:rPr>
+              <a:t> 모니터링은 컨테이너 수준에서의 리소스 활용</a:t>
+            </a:r>
+            <a:r>
+              <a:rPr lang="en-US" altLang="ko-KR" b="0" i="0" dirty="0">
+                <a:solidFill>
+                  <a:srgbClr val="374151"/>
+                </a:solidFill>
+                <a:effectLst/>
+                <a:latin typeface="Söhne"/>
+              </a:rPr>
+              <a:t>, </a:t>
+            </a:r>
+            <a:r>
+              <a:rPr lang="en-US" b="0" i="0" dirty="0">
+                <a:solidFill>
+                  <a:srgbClr val="374151"/>
+                </a:solidFill>
+                <a:effectLst/>
+                <a:latin typeface="Söhne"/>
+              </a:rPr>
+              <a:t>CPU, </a:t>
+            </a:r>
+            <a:r>
+              <a:rPr lang="ko-KR" altLang="en-US" b="0" i="0" dirty="0">
+                <a:solidFill>
+                  <a:srgbClr val="374151"/>
+                </a:solidFill>
+                <a:effectLst/>
+                <a:latin typeface="Söhne"/>
+              </a:rPr>
+              <a:t>메모리</a:t>
+            </a:r>
+            <a:r>
+              <a:rPr lang="en-US" altLang="ko-KR" b="0" i="0" dirty="0">
+                <a:solidFill>
+                  <a:srgbClr val="374151"/>
+                </a:solidFill>
+                <a:effectLst/>
+                <a:latin typeface="Söhne"/>
+              </a:rPr>
+              <a:t>, </a:t>
+            </a:r>
+            <a:r>
+              <a:rPr lang="ko-KR" altLang="en-US" b="0" i="0" dirty="0">
+                <a:solidFill>
+                  <a:srgbClr val="374151"/>
+                </a:solidFill>
+                <a:effectLst/>
+                <a:latin typeface="Söhne"/>
+              </a:rPr>
+              <a:t>디스크 사용 등에 대한 세부적인 통찰력을 제공할 수 있습니다</a:t>
+            </a:r>
+            <a:r>
+              <a:rPr lang="en-US" altLang="ko-KR" b="0" i="0" dirty="0">
+                <a:solidFill>
+                  <a:srgbClr val="374151"/>
+                </a:solidFill>
+                <a:effectLst/>
+                <a:latin typeface="Söhne"/>
+              </a:rPr>
+              <a:t>. </a:t>
+            </a:r>
+            <a:r>
+              <a:rPr lang="ko-KR" altLang="en-US" b="0" i="0" dirty="0">
+                <a:solidFill>
+                  <a:srgbClr val="374151"/>
+                </a:solidFill>
+                <a:effectLst/>
+                <a:latin typeface="Söhne"/>
+              </a:rPr>
+              <a:t>이는 운영자들이 컨테이너 수준에서의 리소스 병목 현상을 식별하고 리소스 할당을 최적화하며 성능 문제를 해결하는 데 도움을 줍니다</a:t>
+            </a:r>
+            <a:r>
+              <a:rPr lang="en-US" altLang="ko-KR" b="0" i="0" dirty="0">
+                <a:solidFill>
+                  <a:srgbClr val="374151"/>
+                </a:solidFill>
+                <a:effectLst/>
+                <a:latin typeface="Söhne"/>
+              </a:rPr>
+              <a:t>. </a:t>
+            </a:r>
+            <a:r>
+              <a:rPr lang="ko-KR" altLang="en-US" b="0" i="0" dirty="0">
+                <a:solidFill>
+                  <a:srgbClr val="374151"/>
+                </a:solidFill>
+                <a:effectLst/>
+                <a:latin typeface="Söhne"/>
+              </a:rPr>
+              <a:t>다른 모니터링 솔루션은 보다 넓은 인프라 </a:t>
+            </a:r>
+            <a:r>
+              <a:rPr lang="ko-KR" altLang="en-US" b="0" i="0" dirty="0" err="1">
+                <a:solidFill>
+                  <a:srgbClr val="374151"/>
+                </a:solidFill>
+                <a:effectLst/>
+                <a:latin typeface="Söhne"/>
+              </a:rPr>
+              <a:t>메트릭에</a:t>
+            </a:r>
+            <a:r>
+              <a:rPr lang="ko-KR" altLang="en-US" b="0" i="0" dirty="0">
+                <a:solidFill>
+                  <a:srgbClr val="374151"/>
+                </a:solidFill>
+                <a:effectLst/>
+                <a:latin typeface="Söhne"/>
+              </a:rPr>
+              <a:t> 중점을 둘 수도 있으며</a:t>
+            </a:r>
+            <a:r>
+              <a:rPr lang="en-US" altLang="ko-KR" b="0" i="0" dirty="0">
+                <a:solidFill>
+                  <a:srgbClr val="374151"/>
+                </a:solidFill>
+                <a:effectLst/>
+                <a:latin typeface="Söhne"/>
+              </a:rPr>
+              <a:t>, </a:t>
+            </a:r>
+            <a:r>
+              <a:rPr lang="ko-KR" altLang="en-US" b="0" i="0" dirty="0">
+                <a:solidFill>
+                  <a:srgbClr val="374151"/>
+                </a:solidFill>
+                <a:effectLst/>
+                <a:latin typeface="Söhne"/>
+              </a:rPr>
+              <a:t>컨테이너 수준 </a:t>
+            </a:r>
+            <a:r>
+              <a:rPr lang="ko-KR" altLang="en-US" b="0" i="0" dirty="0" err="1">
+                <a:solidFill>
+                  <a:srgbClr val="374151"/>
+                </a:solidFill>
+                <a:effectLst/>
+                <a:latin typeface="Söhne"/>
+              </a:rPr>
+              <a:t>메트릭에</a:t>
+            </a:r>
+            <a:r>
+              <a:rPr lang="ko-KR" altLang="en-US" b="0" i="0" dirty="0">
+                <a:solidFill>
+                  <a:srgbClr val="374151"/>
+                </a:solidFill>
+                <a:effectLst/>
+                <a:latin typeface="Söhne"/>
+              </a:rPr>
+              <a:t> 대한 동일한 수준의 가시성을 제공하지 않을 수도 있습니다</a:t>
+            </a:r>
+            <a:r>
+              <a:rPr lang="en-US" altLang="ko-KR" b="0" i="0" dirty="0">
+                <a:solidFill>
+                  <a:srgbClr val="374151"/>
+                </a:solidFill>
+                <a:effectLst/>
+                <a:latin typeface="Söhne"/>
+              </a:rPr>
+              <a:t>.</a:t>
+            </a:r>
+          </a:p>
+          <a:p>
+            <a:pPr algn="l"/>
+            <a:r>
+              <a:rPr lang="ko-KR" altLang="en-US" b="0" i="0" dirty="0">
+                <a:solidFill>
+                  <a:srgbClr val="374151"/>
+                </a:solidFill>
+                <a:effectLst/>
+                <a:latin typeface="Söhne"/>
+              </a:rPr>
+              <a:t>요약하면</a:t>
+            </a:r>
+            <a:r>
+              <a:rPr lang="en-US" altLang="ko-KR" b="0" i="0" dirty="0">
+                <a:solidFill>
+                  <a:srgbClr val="374151"/>
+                </a:solidFill>
+                <a:effectLst/>
+                <a:latin typeface="Söhne"/>
+              </a:rPr>
+              <a:t>, </a:t>
+            </a:r>
+            <a:r>
+              <a:rPr lang="ko-KR" altLang="en-US" b="0" i="0" dirty="0" err="1">
+                <a:solidFill>
+                  <a:srgbClr val="374151"/>
+                </a:solidFill>
+                <a:effectLst/>
+                <a:latin typeface="Söhne"/>
+              </a:rPr>
+              <a:t>쿠버네티스</a:t>
+            </a:r>
+            <a:r>
+              <a:rPr lang="ko-KR" altLang="en-US" b="0" i="0" dirty="0">
+                <a:solidFill>
+                  <a:srgbClr val="374151"/>
+                </a:solidFill>
+                <a:effectLst/>
+                <a:latin typeface="Söhne"/>
+              </a:rPr>
+              <a:t> 모니터링은 </a:t>
+            </a:r>
+            <a:r>
+              <a:rPr lang="ko-KR" altLang="en-US" b="0" i="0" dirty="0" err="1">
+                <a:solidFill>
+                  <a:srgbClr val="374151"/>
+                </a:solidFill>
+                <a:effectLst/>
+                <a:latin typeface="Söhne"/>
+              </a:rPr>
+              <a:t>쿠버네티스</a:t>
+            </a:r>
+            <a:r>
+              <a:rPr lang="ko-KR" altLang="en-US" b="0" i="0" dirty="0">
+                <a:solidFill>
+                  <a:srgbClr val="374151"/>
+                </a:solidFill>
+                <a:effectLst/>
+                <a:latin typeface="Söhne"/>
+              </a:rPr>
+              <a:t> 클러스터에서 실행되는 </a:t>
+            </a:r>
+            <a:r>
+              <a:rPr lang="ko-KR" altLang="en-US" b="0" i="0" dirty="0" err="1">
+                <a:solidFill>
+                  <a:srgbClr val="374151"/>
+                </a:solidFill>
+                <a:effectLst/>
+                <a:latin typeface="Söhne"/>
+              </a:rPr>
+              <a:t>컨테이너화된</a:t>
+            </a:r>
+            <a:r>
+              <a:rPr lang="ko-KR" altLang="en-US" b="0" i="0" dirty="0">
+                <a:solidFill>
+                  <a:srgbClr val="374151"/>
+                </a:solidFill>
+                <a:effectLst/>
+                <a:latin typeface="Söhne"/>
+              </a:rPr>
+              <a:t> 애플리케이션의 독특한 도전과 특성을 처리하기 위해 개발되었습니다</a:t>
+            </a:r>
+            <a:r>
+              <a:rPr lang="en-US" altLang="ko-KR" b="0" i="0" dirty="0">
+                <a:solidFill>
+                  <a:srgbClr val="374151"/>
+                </a:solidFill>
+                <a:effectLst/>
+                <a:latin typeface="Söhne"/>
+              </a:rPr>
+              <a:t>. </a:t>
+            </a:r>
+            <a:r>
+              <a:rPr lang="ko-KR" altLang="en-US" b="0" i="0" dirty="0" err="1">
+                <a:solidFill>
+                  <a:srgbClr val="374151"/>
+                </a:solidFill>
+                <a:effectLst/>
+                <a:latin typeface="Söhne"/>
+              </a:rPr>
+              <a:t>쿠버네티스</a:t>
+            </a:r>
+            <a:r>
+              <a:rPr lang="ko-KR" altLang="en-US" b="0" i="0" dirty="0">
+                <a:solidFill>
+                  <a:srgbClr val="374151"/>
+                </a:solidFill>
+                <a:effectLst/>
+                <a:latin typeface="Söhne"/>
+              </a:rPr>
+              <a:t> 오케스트레이션 레이어에 대한 구체적인 통찰력을 제공하며</a:t>
+            </a:r>
+            <a:r>
+              <a:rPr lang="en-US" altLang="ko-KR" b="0" i="0" dirty="0">
+                <a:solidFill>
+                  <a:srgbClr val="374151"/>
+                </a:solidFill>
+                <a:effectLst/>
+                <a:latin typeface="Söhne"/>
+              </a:rPr>
+              <a:t>, </a:t>
+            </a:r>
+            <a:r>
+              <a:rPr lang="ko-KR" altLang="en-US" b="0" i="0" dirty="0">
+                <a:solidFill>
+                  <a:srgbClr val="374151"/>
+                </a:solidFill>
+                <a:effectLst/>
+                <a:latin typeface="Söhne"/>
+              </a:rPr>
+              <a:t>동적인 환경의 처리와 </a:t>
+            </a:r>
+            <a:r>
+              <a:rPr lang="ko-KR" altLang="en-US" b="0" i="0" dirty="0" err="1">
+                <a:solidFill>
+                  <a:srgbClr val="374151"/>
+                </a:solidFill>
+                <a:effectLst/>
+                <a:latin typeface="Söhne"/>
+              </a:rPr>
+              <a:t>쿠버네티스</a:t>
+            </a:r>
+            <a:r>
+              <a:rPr lang="ko-KR" altLang="en-US" b="0" i="0" dirty="0">
+                <a:solidFill>
+                  <a:srgbClr val="374151"/>
+                </a:solidFill>
+                <a:effectLst/>
+                <a:latin typeface="Söhne"/>
+              </a:rPr>
+              <a:t> </a:t>
+            </a:r>
+            <a:r>
+              <a:rPr lang="en-US" b="0" i="0" dirty="0">
+                <a:solidFill>
+                  <a:srgbClr val="374151"/>
+                </a:solidFill>
+                <a:effectLst/>
+                <a:latin typeface="Söhne"/>
+              </a:rPr>
+              <a:t>API</a:t>
+            </a:r>
+            <a:r>
+              <a:rPr lang="ko-KR" altLang="en-US" b="0" i="0" dirty="0" err="1">
+                <a:solidFill>
+                  <a:srgbClr val="374151"/>
+                </a:solidFill>
+                <a:effectLst/>
+                <a:latin typeface="Söhne"/>
+              </a:rPr>
+              <a:t>와의</a:t>
+            </a:r>
+            <a:r>
+              <a:rPr lang="ko-KR" altLang="en-US" b="0" i="0" dirty="0">
+                <a:solidFill>
+                  <a:srgbClr val="374151"/>
+                </a:solidFill>
+                <a:effectLst/>
+                <a:latin typeface="Söhne"/>
+              </a:rPr>
+              <a:t> 긴밀한 통합</a:t>
+            </a:r>
+            <a:r>
+              <a:rPr lang="en-US" altLang="ko-KR" b="0" i="0" dirty="0">
+                <a:solidFill>
+                  <a:srgbClr val="374151"/>
+                </a:solidFill>
+                <a:effectLst/>
+                <a:latin typeface="Söhne"/>
+              </a:rPr>
+              <a:t>, </a:t>
+            </a:r>
+            <a:r>
+              <a:rPr lang="ko-KR" altLang="en-US" b="0" i="0" dirty="0">
+                <a:solidFill>
+                  <a:srgbClr val="374151"/>
+                </a:solidFill>
+                <a:effectLst/>
+                <a:latin typeface="Söhne"/>
+              </a:rPr>
+              <a:t>컨테이너 수준의 가시성 및 </a:t>
+            </a:r>
+            <a:r>
+              <a:rPr lang="ko-KR" altLang="en-US" b="0" i="0" dirty="0" err="1">
+                <a:solidFill>
+                  <a:srgbClr val="374151"/>
+                </a:solidFill>
+                <a:effectLst/>
+                <a:latin typeface="Söhne"/>
+              </a:rPr>
+              <a:t>메트릭을</a:t>
+            </a:r>
+            <a:r>
+              <a:rPr lang="ko-KR" altLang="en-US" b="0" i="0" dirty="0">
+                <a:solidFill>
+                  <a:srgbClr val="374151"/>
+                </a:solidFill>
+                <a:effectLst/>
+                <a:latin typeface="Söhne"/>
+              </a:rPr>
+              <a:t> 제공합니다</a:t>
+            </a:r>
+            <a:r>
+              <a:rPr lang="en-US" altLang="ko-KR" b="0" i="0" dirty="0">
+                <a:solidFill>
+                  <a:srgbClr val="374151"/>
+                </a:solidFill>
+                <a:effectLst/>
+                <a:latin typeface="Söhne"/>
+              </a:rPr>
+              <a:t>. </a:t>
+            </a:r>
+            <a:r>
+              <a:rPr lang="ko-KR" altLang="en-US" b="0" i="0" dirty="0">
+                <a:solidFill>
+                  <a:srgbClr val="374151"/>
+                </a:solidFill>
+                <a:effectLst/>
+                <a:latin typeface="Söhne"/>
+              </a:rPr>
+              <a:t>이러한 기능들은 </a:t>
+            </a:r>
+            <a:r>
+              <a:rPr lang="ko-KR" altLang="en-US" b="0" i="0" dirty="0" err="1">
+                <a:solidFill>
+                  <a:srgbClr val="374151"/>
+                </a:solidFill>
+                <a:effectLst/>
+                <a:latin typeface="Söhne"/>
+              </a:rPr>
+              <a:t>쿠버네티스</a:t>
+            </a:r>
+            <a:r>
+              <a:rPr lang="ko-KR" altLang="en-US" b="0" i="0" dirty="0">
+                <a:solidFill>
+                  <a:srgbClr val="374151"/>
+                </a:solidFill>
+                <a:effectLst/>
+                <a:latin typeface="Söhne"/>
+              </a:rPr>
+              <a:t> 배포를 효과적으로 모니터링하고 관리하기 위해 중요합니다</a:t>
+            </a:r>
+            <a:r>
+              <a:rPr lang="en-US" altLang="ko-KR" b="0" i="0" dirty="0">
+                <a:solidFill>
+                  <a:srgbClr val="374151"/>
+                </a:solidFill>
+                <a:effectLst/>
+                <a:latin typeface="Söhne"/>
+              </a:rPr>
+              <a:t>.</a:t>
+            </a:r>
+          </a:p>
+          <a:p>
+            <a:endParaRPr lang="en-KR" dirty="0"/>
+          </a:p>
+        </p:txBody>
+      </p:sp>
+    </p:spTree>
+    <p:extLst>
+      <p:ext uri="{BB962C8B-B14F-4D97-AF65-F5344CB8AC3E}">
+        <p14:creationId xmlns:p14="http://schemas.microsoft.com/office/powerpoint/2010/main" val="2273269535"/>
+      </p:ext>
+    </p:extLst>
+  </p:cSld>
+  <p:clrMapOvr>
+    <a:masterClrMapping/>
+  </p:clrMapOvr>
+</p:sld>
+</file>
+
+<file path=ppt/slides/slide15.xml><?xml version="1.0" encoding="utf-8"?>
+<p:sld xmlns:a="http://schemas.openxmlformats.org/drawingml/2006/main" xmlns:r="http://schemas.openxmlformats.org/officeDocument/2006/relationships" xmlns:p="http://schemas.openxmlformats.org/presentationml/2006/main">
+  <p:cSld>
+    <p:spTree>
+      <p:nvGrpSpPr>
+        <p:cNvPr id="1" name=""/>
+        <p:cNvGrpSpPr/>
+        <p:nvPr/>
+      </p:nvGrpSpPr>
+      <p:grpSpPr>
+        <a:xfrm>
+          <a:off x="0" y="0"/>
+          <a:ext cx="0" cy="0"/>
+          <a:chOff x="0" y="0"/>
+          <a:chExt cx="0" cy="0"/>
+        </a:xfrm>
+      </p:grpSpPr>
+      <p:sp>
+        <p:nvSpPr>
+          <p:cNvPr id="2" name="Title 1">
+            <a:extLst>
+              <a:ext uri="{FF2B5EF4-FFF2-40B4-BE49-F238E27FC236}">
+                <a16:creationId xmlns:a16="http://schemas.microsoft.com/office/drawing/2014/main" id="{86E692BE-F15B-1EA5-12C1-675C7FC66848}"/>
+              </a:ext>
+            </a:extLst>
+          </p:cNvPr>
+          <p:cNvSpPr>
+            <a:spLocks noGrp="1"/>
+          </p:cNvSpPr>
+          <p:nvPr>
+            <p:ph type="title"/>
+          </p:nvPr>
+        </p:nvSpPr>
+        <p:spPr/>
+        <p:txBody>
+          <a:bodyPr/>
+          <a:lstStyle/>
+          <a:p>
+            <a:endParaRPr lang="en-KR"/>
+          </a:p>
+        </p:txBody>
+      </p:sp>
+      <p:sp>
+        <p:nvSpPr>
+          <p:cNvPr id="3" name="Content Placeholder 2">
+            <a:extLst>
+              <a:ext uri="{FF2B5EF4-FFF2-40B4-BE49-F238E27FC236}">
+                <a16:creationId xmlns:a16="http://schemas.microsoft.com/office/drawing/2014/main" id="{1CEF0F3B-39EF-4DA5-BE37-4B43D50B1242}"/>
+              </a:ext>
+            </a:extLst>
+          </p:cNvPr>
+          <p:cNvSpPr>
+            <a:spLocks noGrp="1"/>
+          </p:cNvSpPr>
+          <p:nvPr>
+            <p:ph idx="1"/>
+          </p:nvPr>
+        </p:nvSpPr>
+        <p:spPr/>
+        <p:txBody>
+          <a:bodyPr/>
+          <a:lstStyle/>
+          <a:p>
+            <a:endParaRPr lang="en-KR"/>
+          </a:p>
+        </p:txBody>
+      </p:sp>
+    </p:spTree>
+    <p:extLst>
+      <p:ext uri="{BB962C8B-B14F-4D97-AF65-F5344CB8AC3E}">
+        <p14:creationId xmlns:p14="http://schemas.microsoft.com/office/powerpoint/2010/main" val="3653517306"/>
       </p:ext>
     </p:extLst>
   </p:cSld>
@@ -4050,10 +7953,2055 @@
           <a:chExt cx="0" cy="0"/>
         </a:xfrm>
       </p:grpSpPr>
+      <p:sp>
+        <p:nvSpPr>
+          <p:cNvPr id="4" name="Text Placeholder 5">
+            <a:extLst>
+              <a:ext uri="{FF2B5EF4-FFF2-40B4-BE49-F238E27FC236}">
+                <a16:creationId xmlns:a16="http://schemas.microsoft.com/office/drawing/2014/main" id="{57205903-F023-C209-0221-115A519ED347}"/>
+              </a:ext>
+            </a:extLst>
+          </p:cNvPr>
+          <p:cNvSpPr txBox="1">
+            <a:spLocks/>
+          </p:cNvSpPr>
+          <p:nvPr/>
+        </p:nvSpPr>
+        <p:spPr>
+          <a:xfrm>
+            <a:off x="381000" y="220980"/>
+            <a:ext cx="6667500" cy="228600"/>
+          </a:xfrm>
+          <a:prstGeom prst="rect">
+            <a:avLst/>
+          </a:prstGeom>
+        </p:spPr>
+        <p:txBody>
+          <a:bodyPr vert="horz" lIns="0" tIns="0" rIns="0" bIns="0" rtlCol="0" anchor="t">
+            <a:noAutofit/>
+          </a:bodyPr>
+          <a:lstStyle>
+            <a:lvl1pPr marL="0" indent="0" algn="l" defTabSz="914363" rtl="0" eaLnBrk="1" latinLnBrk="0" hangingPunct="1">
+              <a:lnSpc>
+                <a:spcPct val="105000"/>
+              </a:lnSpc>
+              <a:spcBef>
+                <a:spcPts val="500"/>
+              </a:spcBef>
+              <a:buFontTx/>
+              <a:buNone/>
+              <a:tabLst/>
+              <a:defRPr sz="1333" b="0" i="0" kern="1200">
+                <a:solidFill>
+                  <a:schemeClr val="accent1"/>
+                </a:solidFill>
+                <a:latin typeface="IBM Plex Sans" charset="0"/>
+                <a:ea typeface="IBM Plex Sans" charset="0"/>
+                <a:cs typeface="IBM Plex Sans" charset="0"/>
+              </a:defRPr>
+            </a:lvl1pPr>
+            <a:lvl2pPr marL="190492" indent="-190492" algn="l" defTabSz="914363" rtl="0" eaLnBrk="1" latinLnBrk="0" hangingPunct="1">
+              <a:lnSpc>
+                <a:spcPct val="105000"/>
+              </a:lnSpc>
+              <a:spcBef>
+                <a:spcPts val="500"/>
+              </a:spcBef>
+              <a:buFont typeface="Wingdings" panose="05000000000000000000" pitchFamily="2" charset="2"/>
+              <a:buChar char="§"/>
+              <a:defRPr lang="en-US" sz="1333" b="0" i="0" kern="1200">
+                <a:solidFill>
+                  <a:schemeClr val="accent1"/>
+                </a:solidFill>
+                <a:latin typeface="IBM Plex Sans" charset="0"/>
+                <a:ea typeface="IBM Plex Sans" charset="0"/>
+                <a:cs typeface="IBM Plex Sans" charset="0"/>
+              </a:defRPr>
+            </a:lvl2pPr>
+            <a:lvl3pPr marL="380985" indent="-190492" algn="l" defTabSz="914363" rtl="0" eaLnBrk="1" latinLnBrk="0" hangingPunct="1">
+              <a:lnSpc>
+                <a:spcPct val="105000"/>
+              </a:lnSpc>
+              <a:spcBef>
+                <a:spcPts val="500"/>
+              </a:spcBef>
+              <a:buSzPct val="80000"/>
+              <a:buFont typeface="Arial" panose="020B0604020202020204" pitchFamily="34" charset="0"/>
+              <a:buChar char="–"/>
+              <a:defRPr lang="en-US" sz="1333" b="0" i="0" kern="1200">
+                <a:solidFill>
+                  <a:schemeClr val="accent1"/>
+                </a:solidFill>
+                <a:latin typeface="IBM Plex Sans" charset="0"/>
+                <a:ea typeface="IBM Plex Sans" charset="0"/>
+                <a:cs typeface="IBM Plex Sans" charset="0"/>
+              </a:defRPr>
+            </a:lvl3pPr>
+            <a:lvl4pPr marL="571477" indent="-190492" algn="l" defTabSz="914363" rtl="0" eaLnBrk="1" latinLnBrk="0" hangingPunct="1">
+              <a:lnSpc>
+                <a:spcPct val="105000"/>
+              </a:lnSpc>
+              <a:spcBef>
+                <a:spcPts val="500"/>
+              </a:spcBef>
+              <a:buFont typeface="Arial" panose="020B0604020202020204" pitchFamily="34" charset="0"/>
+              <a:buChar char="•"/>
+              <a:defRPr lang="en-US" sz="1333" b="0" i="0" kern="1200">
+                <a:solidFill>
+                  <a:schemeClr val="accent1"/>
+                </a:solidFill>
+                <a:latin typeface="IBM Plex Sans" charset="0"/>
+                <a:ea typeface="IBM Plex Sans" charset="0"/>
+                <a:cs typeface="IBM Plex Sans" charset="0"/>
+              </a:defRPr>
+            </a:lvl4pPr>
+            <a:lvl5pPr marL="761970" indent="-190492" algn="l" defTabSz="914363" rtl="0" eaLnBrk="1" latinLnBrk="0" hangingPunct="1">
+              <a:lnSpc>
+                <a:spcPct val="105000"/>
+              </a:lnSpc>
+              <a:spcBef>
+                <a:spcPts val="500"/>
+              </a:spcBef>
+              <a:buSzPct val="80000"/>
+              <a:buFont typeface="Arial" panose="020B0604020202020204" pitchFamily="34" charset="0"/>
+              <a:buChar char="–"/>
+              <a:defRPr lang="en-US" sz="1667" b="0" i="0" kern="1200" dirty="0">
+                <a:solidFill>
+                  <a:schemeClr val="tx1"/>
+                </a:solidFill>
+                <a:latin typeface="IBM Plex Sans" charset="0"/>
+                <a:ea typeface="IBM Plex Sans" charset="0"/>
+                <a:cs typeface="IBM Plex Sans" charset="0"/>
+              </a:defRPr>
+            </a:lvl5pPr>
+            <a:lvl6pPr marL="2514499" indent="-228591" algn="l" defTabSz="914363" rtl="0" eaLnBrk="1" latinLnBrk="0" hangingPunct="1">
+              <a:lnSpc>
+                <a:spcPct val="90000"/>
+              </a:lnSpc>
+              <a:spcBef>
+                <a:spcPts val="500"/>
+              </a:spcBef>
+              <a:buFont typeface="Arial" panose="020B0604020202020204" pitchFamily="34" charset="0"/>
+              <a:buChar char="•"/>
+              <a:defRPr sz="1800" kern="1200">
+                <a:solidFill>
+                  <a:schemeClr val="tx1"/>
+                </a:solidFill>
+                <a:latin typeface="+mn-lt"/>
+                <a:ea typeface="+mn-ea"/>
+                <a:cs typeface="+mn-cs"/>
+              </a:defRPr>
+            </a:lvl6pPr>
+            <a:lvl7pPr marL="2971681" indent="-228591" algn="l" defTabSz="914363" rtl="0" eaLnBrk="1" latinLnBrk="0" hangingPunct="1">
+              <a:lnSpc>
+                <a:spcPct val="90000"/>
+              </a:lnSpc>
+              <a:spcBef>
+                <a:spcPts val="500"/>
+              </a:spcBef>
+              <a:buFont typeface="Arial" panose="020B0604020202020204" pitchFamily="34" charset="0"/>
+              <a:buChar char="•"/>
+              <a:defRPr sz="1800" kern="1200">
+                <a:solidFill>
+                  <a:schemeClr val="tx1"/>
+                </a:solidFill>
+                <a:latin typeface="+mn-lt"/>
+                <a:ea typeface="+mn-ea"/>
+                <a:cs typeface="+mn-cs"/>
+              </a:defRPr>
+            </a:lvl7pPr>
+            <a:lvl8pPr marL="3428863" indent="-228591" algn="l" defTabSz="914363" rtl="0" eaLnBrk="1" latinLnBrk="0" hangingPunct="1">
+              <a:lnSpc>
+                <a:spcPct val="90000"/>
+              </a:lnSpc>
+              <a:spcBef>
+                <a:spcPts val="500"/>
+              </a:spcBef>
+              <a:buFont typeface="Arial" panose="020B0604020202020204" pitchFamily="34" charset="0"/>
+              <a:buChar char="•"/>
+              <a:defRPr sz="1800" kern="1200">
+                <a:solidFill>
+                  <a:schemeClr val="tx1"/>
+                </a:solidFill>
+                <a:latin typeface="+mn-lt"/>
+                <a:ea typeface="+mn-ea"/>
+                <a:cs typeface="+mn-cs"/>
+              </a:defRPr>
+            </a:lvl8pPr>
+            <a:lvl9pPr marL="3886045" indent="-228591" algn="l" defTabSz="914363" rtl="0" eaLnBrk="1" latinLnBrk="0" hangingPunct="1">
+              <a:lnSpc>
+                <a:spcPct val="90000"/>
+              </a:lnSpc>
+              <a:spcBef>
+                <a:spcPts val="500"/>
+              </a:spcBef>
+              <a:buFont typeface="Arial" panose="020B0604020202020204" pitchFamily="34" charset="0"/>
+              <a:buChar char="•"/>
+              <a:defRPr sz="1800" kern="1200">
+                <a:solidFill>
+                  <a:schemeClr val="tx1"/>
+                </a:solidFill>
+                <a:latin typeface="+mn-lt"/>
+                <a:ea typeface="+mn-ea"/>
+                <a:cs typeface="+mn-cs"/>
+              </a:defRPr>
+            </a:lvl9pPr>
+          </a:lstStyle>
+          <a:p>
+            <a:pPr marL="0" marR="0" lvl="0" indent="0" algn="l" defTabSz="914363" rtl="0" eaLnBrk="1" fontAlgn="auto" latinLnBrk="0" hangingPunct="1">
+              <a:lnSpc>
+                <a:spcPct val="105000"/>
+              </a:lnSpc>
+              <a:spcBef>
+                <a:spcPts val="500"/>
+              </a:spcBef>
+              <a:spcAft>
+                <a:spcPts val="0"/>
+              </a:spcAft>
+              <a:buClrTx/>
+              <a:buSzTx/>
+              <a:buFontTx/>
+              <a:buNone/>
+              <a:tabLst/>
+              <a:defRPr/>
+            </a:pPr>
+            <a:r>
+              <a:rPr lang="en-US" altLang="ko-KR" dirty="0">
+                <a:solidFill>
+                  <a:srgbClr val="0F6DFF"/>
+                </a:solidFill>
+              </a:rPr>
+              <a:t>Observability</a:t>
+            </a:r>
+            <a:r>
+              <a:rPr lang="ko-KR" altLang="en-US" dirty="0">
+                <a:solidFill>
+                  <a:srgbClr val="0F6DFF"/>
+                </a:solidFill>
+              </a:rPr>
+              <a:t> </a:t>
+            </a:r>
+            <a:r>
+              <a:rPr lang="en-US" altLang="ko-KR" dirty="0">
+                <a:solidFill>
+                  <a:srgbClr val="0F6DFF"/>
+                </a:solidFill>
+              </a:rPr>
+              <a:t>in</a:t>
+            </a:r>
+            <a:r>
+              <a:rPr lang="ko-KR" altLang="en-US" dirty="0">
+                <a:solidFill>
+                  <a:srgbClr val="0F6DFF"/>
+                </a:solidFill>
+              </a:rPr>
+              <a:t> </a:t>
+            </a:r>
+            <a:r>
+              <a:rPr lang="en-US" altLang="ko-KR" dirty="0">
+                <a:solidFill>
+                  <a:srgbClr val="0F6DFF"/>
+                </a:solidFill>
+              </a:rPr>
+              <a:t>Kubernetes</a:t>
+            </a:r>
+            <a:endParaRPr kumimoji="0" lang="en-US" sz="1333" b="0" i="0" u="none" strike="noStrike" kern="1200" cap="none" spc="0" normalizeH="0" baseline="0" noProof="0" dirty="0">
+              <a:ln>
+                <a:noFill/>
+              </a:ln>
+              <a:solidFill>
+                <a:srgbClr val="0F6DFF"/>
+              </a:solidFill>
+              <a:effectLst/>
+              <a:uLnTx/>
+              <a:uFillTx/>
+              <a:latin typeface="IBM Plex Sans" charset="0"/>
+            </a:endParaRPr>
+          </a:p>
+        </p:txBody>
+      </p:sp>
+      <p:sp>
+        <p:nvSpPr>
+          <p:cNvPr id="5" name="Title 1">
+            <a:extLst>
+              <a:ext uri="{FF2B5EF4-FFF2-40B4-BE49-F238E27FC236}">
+                <a16:creationId xmlns:a16="http://schemas.microsoft.com/office/drawing/2014/main" id="{41D2AC51-A9F7-BCD7-FB7E-D96AD8AC3719}"/>
+              </a:ext>
+            </a:extLst>
+          </p:cNvPr>
+          <p:cNvSpPr txBox="1">
+            <a:spLocks/>
+          </p:cNvSpPr>
+          <p:nvPr/>
+        </p:nvSpPr>
+        <p:spPr>
+          <a:xfrm>
+            <a:off x="304800" y="268224"/>
+            <a:ext cx="11430000" cy="669544"/>
+          </a:xfrm>
+          <a:prstGeom prst="rect">
+            <a:avLst/>
+          </a:prstGeom>
+        </p:spPr>
+        <p:txBody>
+          <a:bodyPr vert="horz" lIns="0" tIns="228600" rIns="0" bIns="0" rtlCol="0" anchor="t">
+            <a:noAutofit/>
+          </a:bodyPr>
+          <a:lstStyle>
+            <a:lvl1pPr algn="l" defTabSz="914363" rtl="0" eaLnBrk="1" latinLnBrk="0" hangingPunct="1">
+              <a:lnSpc>
+                <a:spcPct val="90000"/>
+              </a:lnSpc>
+              <a:spcBef>
+                <a:spcPct val="0"/>
+              </a:spcBef>
+              <a:buNone/>
+              <a:defRPr sz="3000" b="0" i="0" kern="1200">
+                <a:solidFill>
+                  <a:schemeClr val="tx1"/>
+                </a:solidFill>
+                <a:latin typeface="IBM Plex Sans" charset="0"/>
+                <a:ea typeface="IBM Plex Sans" charset="0"/>
+                <a:cs typeface="IBM Plex Sans" charset="0"/>
+              </a:defRPr>
+            </a:lvl1pPr>
+          </a:lstStyle>
+          <a:p>
+            <a:r>
+              <a:rPr lang="ko-KR" altLang="en-US" sz="2800" dirty="0">
+                <a:latin typeface="IBM Plex Sans KR" panose="020B0503050203000203" pitchFamily="50" charset="-127"/>
+                <a:ea typeface="IBM Plex Sans KR" panose="020B0503050203000203" pitchFamily="50" charset="-127"/>
+              </a:rPr>
+              <a:t>목차</a:t>
+            </a:r>
+            <a:endParaRPr lang="en-US" sz="2800" dirty="0">
+              <a:latin typeface="IBM Plex Sans KR" panose="020B0503050203000203" pitchFamily="50" charset="-127"/>
+              <a:ea typeface="IBM Plex Sans KR" panose="020B0503050203000203" pitchFamily="50" charset="-127"/>
+            </a:endParaRPr>
+          </a:p>
+        </p:txBody>
+      </p:sp>
+      <p:sp>
+        <p:nvSpPr>
+          <p:cNvPr id="6" name="TextBox 5">
+            <a:extLst>
+              <a:ext uri="{FF2B5EF4-FFF2-40B4-BE49-F238E27FC236}">
+                <a16:creationId xmlns:a16="http://schemas.microsoft.com/office/drawing/2014/main" id="{D0F86920-FB6E-CC4D-D4B4-76F881804B9E}"/>
+              </a:ext>
+            </a:extLst>
+          </p:cNvPr>
+          <p:cNvSpPr txBox="1"/>
+          <p:nvPr/>
+        </p:nvSpPr>
+        <p:spPr>
+          <a:xfrm>
+            <a:off x="304801" y="967852"/>
+            <a:ext cx="11429999" cy="2658100"/>
+          </a:xfrm>
+          <a:prstGeom prst="rect">
+            <a:avLst/>
+          </a:prstGeom>
+          <a:noFill/>
+        </p:spPr>
+        <p:txBody>
+          <a:bodyPr wrap="square">
+            <a:spAutoFit/>
+          </a:bodyPr>
+          <a:lstStyle/>
+          <a:p>
+            <a:pPr marL="342900" indent="-342900">
+              <a:lnSpc>
+                <a:spcPct val="150000"/>
+              </a:lnSpc>
+              <a:spcBef>
+                <a:spcPts val="600"/>
+              </a:spcBef>
+              <a:buFontTx/>
+              <a:buAutoNum type="arabicPeriod"/>
+            </a:pPr>
+            <a:r>
+              <a:rPr lang="ko-KR" altLang="en-US" sz="2000" dirty="0">
+                <a:solidFill>
+                  <a:srgbClr val="000000"/>
+                </a:solidFill>
+                <a:latin typeface="IBM Plex Sans KR" panose="020B0503050203000203" pitchFamily="50" charset="-127"/>
+                <a:ea typeface="IBM Plex Sans KR" panose="020B0503050203000203" pitchFamily="50" charset="-127"/>
+              </a:rPr>
+              <a:t>모니터링이란</a:t>
+            </a:r>
+            <a:r>
+              <a:rPr lang="en-US" altLang="ko-KR" sz="2000" dirty="0">
+                <a:solidFill>
+                  <a:srgbClr val="000000"/>
+                </a:solidFill>
+                <a:latin typeface="IBM Plex Sans KR" panose="020B0503050203000203" pitchFamily="50" charset="-127"/>
+                <a:ea typeface="IBM Plex Sans KR" panose="020B0503050203000203" pitchFamily="50" charset="-127"/>
+              </a:rPr>
+              <a:t>?</a:t>
+            </a:r>
+            <a:endParaRPr lang="en-US" sz="2000" dirty="0">
+              <a:solidFill>
+                <a:srgbClr val="000000"/>
+              </a:solidFill>
+              <a:latin typeface="IBM Plex Sans KR" panose="020B0503050203000203" pitchFamily="50" charset="-127"/>
+              <a:ea typeface="IBM Plex Sans KR" panose="020B0503050203000203" pitchFamily="50" charset="-127"/>
+            </a:endParaRPr>
+          </a:p>
+          <a:p>
+            <a:pPr marL="342900" indent="-342900">
+              <a:lnSpc>
+                <a:spcPct val="150000"/>
+              </a:lnSpc>
+              <a:spcBef>
+                <a:spcPts val="600"/>
+              </a:spcBef>
+              <a:buFontTx/>
+              <a:buAutoNum type="arabicPeriod"/>
+            </a:pPr>
+            <a:r>
+              <a:rPr lang="en-US" altLang="ko-KR" sz="2000" dirty="0">
+                <a:solidFill>
+                  <a:srgbClr val="000000"/>
+                </a:solidFill>
+                <a:latin typeface="IBM Plex Sans KR" panose="020B0503050203000203" pitchFamily="50" charset="-127"/>
+                <a:ea typeface="IBM Plex Sans KR" panose="020B0503050203000203" pitchFamily="50" charset="-127"/>
+              </a:rPr>
+              <a:t>Kubernetes</a:t>
+            </a:r>
+            <a:r>
+              <a:rPr lang="ko-KR" altLang="en-US" sz="2000" dirty="0">
+                <a:solidFill>
+                  <a:srgbClr val="000000"/>
+                </a:solidFill>
+                <a:latin typeface="IBM Plex Sans KR" panose="020B0503050203000203" pitchFamily="50" charset="-127"/>
+                <a:ea typeface="IBM Plex Sans KR" panose="020B0503050203000203" pitchFamily="50" charset="-127"/>
+              </a:rPr>
+              <a:t>에서의 모니터링</a:t>
+            </a:r>
+            <a:r>
+              <a:rPr lang="en-US" altLang="ko-KR" sz="2000" dirty="0">
+                <a:solidFill>
+                  <a:srgbClr val="000000"/>
+                </a:solidFill>
+                <a:latin typeface="IBM Plex Sans KR" panose="020B0503050203000203" pitchFamily="50" charset="-127"/>
+                <a:ea typeface="IBM Plex Sans KR" panose="020B0503050203000203" pitchFamily="50" charset="-127"/>
+              </a:rPr>
+              <a:t>?</a:t>
+            </a:r>
+          </a:p>
+          <a:p>
+            <a:pPr marL="342900" indent="-342900">
+              <a:lnSpc>
+                <a:spcPct val="150000"/>
+              </a:lnSpc>
+              <a:spcBef>
+                <a:spcPts val="600"/>
+              </a:spcBef>
+              <a:buFontTx/>
+              <a:buAutoNum type="arabicPeriod"/>
+            </a:pPr>
+            <a:r>
+              <a:rPr lang="en-US" sz="2000" dirty="0">
+                <a:solidFill>
+                  <a:srgbClr val="000000"/>
+                </a:solidFill>
+                <a:latin typeface="IBM Plex Sans KR" panose="020B0503050203000203" pitchFamily="50" charset="-127"/>
+                <a:ea typeface="IBM Plex Sans KR" panose="020B0503050203000203" pitchFamily="50" charset="-127"/>
+              </a:rPr>
+              <a:t>Single Cluster vs Multi Cluster</a:t>
+            </a:r>
+          </a:p>
+          <a:p>
+            <a:pPr marL="342900" indent="-342900">
+              <a:lnSpc>
+                <a:spcPct val="150000"/>
+              </a:lnSpc>
+              <a:spcBef>
+                <a:spcPts val="600"/>
+              </a:spcBef>
+              <a:buFontTx/>
+              <a:buAutoNum type="arabicPeriod"/>
+            </a:pPr>
+            <a:r>
+              <a:rPr lang="en-US" sz="2000" dirty="0">
+                <a:solidFill>
+                  <a:srgbClr val="000000"/>
+                </a:solidFill>
+                <a:latin typeface="IBM Plex Sans KR" panose="020B0503050203000203" pitchFamily="50" charset="-127"/>
+                <a:ea typeface="IBM Plex Sans KR" panose="020B0503050203000203" pitchFamily="50" charset="-127"/>
+              </a:rPr>
+              <a:t>Advanced</a:t>
+            </a:r>
+            <a:r>
+              <a:rPr lang="ko-KR" altLang="en-US" sz="2000" dirty="0">
+                <a:solidFill>
+                  <a:srgbClr val="000000"/>
+                </a:solidFill>
+                <a:latin typeface="IBM Plex Sans KR" panose="020B0503050203000203" pitchFamily="50" charset="-127"/>
+                <a:ea typeface="IBM Plex Sans KR" panose="020B0503050203000203" pitchFamily="50" charset="-127"/>
+              </a:rPr>
+              <a:t> </a:t>
+            </a:r>
+            <a:r>
+              <a:rPr lang="en-US" altLang="ko-KR" sz="2000" dirty="0">
+                <a:solidFill>
+                  <a:srgbClr val="000000"/>
+                </a:solidFill>
+                <a:latin typeface="IBM Plex Sans KR" panose="020B0503050203000203" pitchFamily="50" charset="-127"/>
+                <a:ea typeface="IBM Plex Sans KR" panose="020B0503050203000203" pitchFamily="50" charset="-127"/>
+              </a:rPr>
+              <a:t>level</a:t>
+            </a:r>
+            <a:endParaRPr lang="en-US" sz="2000" dirty="0">
+              <a:solidFill>
+                <a:srgbClr val="000000"/>
+              </a:solidFill>
+              <a:latin typeface="IBM Plex Sans KR" panose="020B0503050203000203" pitchFamily="50" charset="-127"/>
+              <a:ea typeface="IBM Plex Sans KR" panose="020B0503050203000203" pitchFamily="50" charset="-127"/>
+            </a:endParaRPr>
+          </a:p>
+          <a:p>
+            <a:pPr marL="342900" indent="-342900">
+              <a:lnSpc>
+                <a:spcPct val="150000"/>
+              </a:lnSpc>
+              <a:spcBef>
+                <a:spcPts val="600"/>
+              </a:spcBef>
+              <a:buFontTx/>
+              <a:buAutoNum type="arabicPeriod"/>
+            </a:pPr>
+            <a:endParaRPr lang="en-US" sz="2000" dirty="0">
+              <a:solidFill>
+                <a:srgbClr val="000000"/>
+              </a:solidFill>
+              <a:latin typeface="IBM Plex Sans KR" panose="020B0503050203000203" pitchFamily="50" charset="-127"/>
+              <a:ea typeface="IBM Plex Sans KR" panose="020B0503050203000203" pitchFamily="50" charset="-127"/>
+            </a:endParaRPr>
+          </a:p>
+        </p:txBody>
+      </p:sp>
     </p:spTree>
     <p:extLst>
       <p:ext uri="{BB962C8B-B14F-4D97-AF65-F5344CB8AC3E}">
         <p14:creationId xmlns:p14="http://schemas.microsoft.com/office/powerpoint/2010/main" val="669622118"/>
+      </p:ext>
+    </p:extLst>
+  </p:cSld>
+  <p:clrMapOvr>
+    <a:masterClrMapping/>
+  </p:clrMapOvr>
+</p:sld>
+</file>
+
+<file path=ppt/slides/slide3.xml><?xml version="1.0" encoding="utf-8"?>
+<p:sld xmlns:a="http://schemas.openxmlformats.org/drawingml/2006/main" xmlns:r="http://schemas.openxmlformats.org/officeDocument/2006/relationships" xmlns:p="http://schemas.openxmlformats.org/presentationml/2006/main">
+  <p:cSld>
+    <p:spTree>
+      <p:nvGrpSpPr>
+        <p:cNvPr id="1" name=""/>
+        <p:cNvGrpSpPr/>
+        <p:nvPr/>
+      </p:nvGrpSpPr>
+      <p:grpSpPr>
+        <a:xfrm>
+          <a:off x="0" y="0"/>
+          <a:ext cx="0" cy="0"/>
+          <a:chOff x="0" y="0"/>
+          <a:chExt cx="0" cy="0"/>
+        </a:xfrm>
+      </p:grpSpPr>
+      <p:pic>
+        <p:nvPicPr>
+          <p:cNvPr id="4" name="Picture 3">
+            <a:extLst>
+              <a:ext uri="{FF2B5EF4-FFF2-40B4-BE49-F238E27FC236}">
+                <a16:creationId xmlns:a16="http://schemas.microsoft.com/office/drawing/2014/main" id="{0E0F2A14-8C9B-4888-7322-96F5C6450464}"/>
+              </a:ext>
+            </a:extLst>
+          </p:cNvPr>
+          <p:cNvPicPr>
+            <a:picLocks noChangeAspect="1"/>
+          </p:cNvPicPr>
+          <p:nvPr/>
+        </p:nvPicPr>
+        <p:blipFill>
+          <a:blip r:embed="rId2"/>
+          <a:stretch>
+            <a:fillRect/>
+          </a:stretch>
+        </p:blipFill>
+        <p:spPr>
+          <a:xfrm>
+            <a:off x="2209800" y="851898"/>
+            <a:ext cx="7772400" cy="5154204"/>
+          </a:xfrm>
+          <a:prstGeom prst="rect">
+            <a:avLst/>
+          </a:prstGeom>
+        </p:spPr>
+      </p:pic>
+    </p:spTree>
+    <p:extLst>
+      <p:ext uri="{BB962C8B-B14F-4D97-AF65-F5344CB8AC3E}">
+        <p14:creationId xmlns:p14="http://schemas.microsoft.com/office/powerpoint/2010/main" val="2747363333"/>
+      </p:ext>
+    </p:extLst>
+  </p:cSld>
+  <p:clrMapOvr>
+    <a:masterClrMapping/>
+  </p:clrMapOvr>
+</p:sld>
+</file>
+
+<file path=ppt/slides/slide4.xml><?xml version="1.0" encoding="utf-8"?>
+<p:sld xmlns:a="http://schemas.openxmlformats.org/drawingml/2006/main" xmlns:r="http://schemas.openxmlformats.org/officeDocument/2006/relationships" xmlns:p="http://schemas.openxmlformats.org/presentationml/2006/main">
+  <p:cSld>
+    <p:spTree>
+      <p:nvGrpSpPr>
+        <p:cNvPr id="1" name=""/>
+        <p:cNvGrpSpPr/>
+        <p:nvPr/>
+      </p:nvGrpSpPr>
+      <p:grpSpPr>
+        <a:xfrm>
+          <a:off x="0" y="0"/>
+          <a:ext cx="0" cy="0"/>
+          <a:chOff x="0" y="0"/>
+          <a:chExt cx="0" cy="0"/>
+        </a:xfrm>
+      </p:grpSpPr>
+      <p:sp>
+        <p:nvSpPr>
+          <p:cNvPr id="3" name="Content Placeholder 2">
+            <a:extLst>
+              <a:ext uri="{FF2B5EF4-FFF2-40B4-BE49-F238E27FC236}">
+                <a16:creationId xmlns:a16="http://schemas.microsoft.com/office/drawing/2014/main" id="{8005000F-80F0-F66F-2556-50A185E0B738}"/>
+              </a:ext>
+            </a:extLst>
+          </p:cNvPr>
+          <p:cNvSpPr>
+            <a:spLocks noGrp="1"/>
+          </p:cNvSpPr>
+          <p:nvPr>
+            <p:ph idx="1"/>
+          </p:nvPr>
+        </p:nvSpPr>
+        <p:spPr/>
+        <p:txBody>
+          <a:bodyPr/>
+          <a:lstStyle/>
+          <a:p>
+            <a:pPr algn="l"/>
+            <a:r>
+              <a:rPr lang="ko-KR" altLang="en-US" b="0" i="0" dirty="0">
+                <a:solidFill>
+                  <a:srgbClr val="374151"/>
+                </a:solidFill>
+                <a:effectLst/>
+                <a:latin typeface="Söhne"/>
+              </a:rPr>
+              <a:t>시스템 모니터링은 네트워크의 물리적 계층에 있는 인프라 구성 요소의 성능을 평가합니다</a:t>
+            </a:r>
+            <a:r>
+              <a:rPr lang="en-US" altLang="ko-KR" b="0" i="0" dirty="0">
+                <a:solidFill>
+                  <a:srgbClr val="374151"/>
+                </a:solidFill>
+                <a:effectLst/>
+                <a:latin typeface="Söhne"/>
+              </a:rPr>
+              <a:t>:</a:t>
+            </a:r>
+          </a:p>
+          <a:p>
+            <a:pPr algn="l"/>
+            <a:r>
+              <a:rPr lang="ko-KR" altLang="en-US" b="0" i="0" dirty="0">
+                <a:solidFill>
+                  <a:srgbClr val="374151"/>
+                </a:solidFill>
+                <a:effectLst/>
+                <a:latin typeface="Söhne"/>
+              </a:rPr>
+              <a:t>각 서버는 개별적으로 모니터링되며</a:t>
+            </a:r>
+            <a:r>
+              <a:rPr lang="en-US" altLang="ko-KR" b="0" i="0" dirty="0">
+                <a:solidFill>
+                  <a:srgbClr val="374151"/>
+                </a:solidFill>
+                <a:effectLst/>
+                <a:latin typeface="Söhne"/>
+              </a:rPr>
+              <a:t>, </a:t>
+            </a:r>
+            <a:r>
+              <a:rPr lang="ko-KR" altLang="en-US" b="0" i="0" dirty="0">
+                <a:solidFill>
+                  <a:srgbClr val="374151"/>
+                </a:solidFill>
+                <a:effectLst/>
+                <a:latin typeface="Söhne"/>
+              </a:rPr>
+              <a:t>네트워크 노드의 종합 정보는 네트워크 성능에 미치는 영향을 평가하기 위해 추가로 분석됩니다</a:t>
+            </a:r>
+            <a:r>
+              <a:rPr lang="en-US" altLang="ko-KR" b="0" i="0" dirty="0">
+                <a:solidFill>
+                  <a:srgbClr val="374151"/>
+                </a:solidFill>
+                <a:effectLst/>
+                <a:latin typeface="Söhne"/>
+              </a:rPr>
+              <a:t>. </a:t>
+            </a:r>
+            <a:r>
+              <a:rPr lang="ko-KR" altLang="en-US" b="0" i="0" dirty="0">
+                <a:solidFill>
+                  <a:srgbClr val="374151"/>
+                </a:solidFill>
+                <a:effectLst/>
+                <a:latin typeface="Söhne"/>
+              </a:rPr>
+              <a:t>하드웨어 구성 요소의 문제점을 식별하고 필요에 따라 해결합니다</a:t>
+            </a:r>
+            <a:r>
+              <a:rPr lang="en-US" altLang="ko-KR" b="0" i="0" dirty="0">
+                <a:solidFill>
+                  <a:srgbClr val="374151"/>
+                </a:solidFill>
+                <a:effectLst/>
+                <a:latin typeface="Söhne"/>
+              </a:rPr>
+              <a:t>. </a:t>
+            </a:r>
+            <a:r>
+              <a:rPr lang="ko-KR" altLang="en-US" b="0" i="0" dirty="0">
+                <a:solidFill>
+                  <a:srgbClr val="374151"/>
+                </a:solidFill>
+                <a:effectLst/>
+                <a:latin typeface="Söhne"/>
+              </a:rPr>
+              <a:t>시스템 모니터링은 가용성 모니터링으로도 알려져 있으며</a:t>
+            </a:r>
+            <a:r>
+              <a:rPr lang="en-US" altLang="ko-KR" b="0" i="0" dirty="0">
+                <a:solidFill>
+                  <a:srgbClr val="374151"/>
+                </a:solidFill>
+                <a:effectLst/>
+                <a:latin typeface="Söhne"/>
+              </a:rPr>
+              <a:t>, </a:t>
+            </a:r>
+            <a:r>
+              <a:rPr lang="ko-KR" altLang="en-US" b="0" i="0" dirty="0">
+                <a:solidFill>
+                  <a:srgbClr val="374151"/>
+                </a:solidFill>
+                <a:effectLst/>
+                <a:latin typeface="Söhne"/>
+              </a:rPr>
+              <a:t>서버 가동 시간 및 </a:t>
+            </a:r>
+            <a:r>
+              <a:rPr lang="en-US" b="0" i="0" dirty="0">
+                <a:solidFill>
+                  <a:srgbClr val="374151"/>
+                </a:solidFill>
+                <a:effectLst/>
+                <a:latin typeface="Söhne"/>
+              </a:rPr>
+              <a:t>CPU </a:t>
+            </a:r>
+            <a:r>
+              <a:rPr lang="ko-KR" altLang="en-US" b="0" i="0" dirty="0">
+                <a:solidFill>
+                  <a:srgbClr val="374151"/>
+                </a:solidFill>
+                <a:effectLst/>
+                <a:latin typeface="Söhne"/>
+              </a:rPr>
+              <a:t>성능과 같은 </a:t>
+            </a:r>
+            <a:r>
+              <a:rPr lang="ko-KR" altLang="en-US" b="0" i="0" dirty="0" err="1">
+                <a:solidFill>
+                  <a:srgbClr val="374151"/>
+                </a:solidFill>
+                <a:effectLst/>
+                <a:latin typeface="Söhne"/>
+              </a:rPr>
+              <a:t>메트릭을</a:t>
+            </a:r>
+            <a:r>
+              <a:rPr lang="ko-KR" altLang="en-US" b="0" i="0" dirty="0">
+                <a:solidFill>
+                  <a:srgbClr val="374151"/>
+                </a:solidFill>
+                <a:effectLst/>
+                <a:latin typeface="Söhne"/>
+              </a:rPr>
+              <a:t> 다룹니다</a:t>
+            </a:r>
+            <a:r>
+              <a:rPr lang="en-US" altLang="ko-KR" b="0" i="0" dirty="0">
+                <a:solidFill>
+                  <a:srgbClr val="374151"/>
+                </a:solidFill>
+                <a:effectLst/>
+                <a:latin typeface="Söhne"/>
+              </a:rPr>
+              <a:t>.</a:t>
+            </a:r>
+          </a:p>
+          <a:p>
+            <a:endParaRPr lang="en-KR" dirty="0"/>
+          </a:p>
+        </p:txBody>
+      </p:sp>
+      <p:sp>
+        <p:nvSpPr>
+          <p:cNvPr id="5" name="Title 4">
+            <a:extLst>
+              <a:ext uri="{FF2B5EF4-FFF2-40B4-BE49-F238E27FC236}">
+                <a16:creationId xmlns:a16="http://schemas.microsoft.com/office/drawing/2014/main" id="{A791AA88-BE95-62A8-12DE-BD9E76F4C413}"/>
+              </a:ext>
+            </a:extLst>
+          </p:cNvPr>
+          <p:cNvSpPr>
+            <a:spLocks noGrp="1"/>
+          </p:cNvSpPr>
+          <p:nvPr>
+            <p:ph type="title"/>
+          </p:nvPr>
+        </p:nvSpPr>
+        <p:spPr/>
+        <p:txBody>
+          <a:bodyPr>
+            <a:normAutofit fontScale="90000"/>
+          </a:bodyPr>
+          <a:lstStyle/>
+          <a:p>
+            <a:pPr fontAlgn="base"/>
+            <a:r>
+              <a:rPr lang="en-US" b="0" i="0" dirty="0">
+                <a:solidFill>
+                  <a:srgbClr val="232323"/>
+                </a:solidFill>
+                <a:effectLst/>
+                <a:latin typeface="Open Sans Light" pitchFamily="2" charset="0"/>
+              </a:rPr>
+              <a:t>System monitoring</a:t>
+            </a:r>
+            <a:br>
+              <a:rPr lang="en-US" b="0" i="0" dirty="0">
+                <a:solidFill>
+                  <a:srgbClr val="232323"/>
+                </a:solidFill>
+                <a:effectLst/>
+                <a:latin typeface="Open Sans Light" pitchFamily="2" charset="0"/>
+              </a:rPr>
+            </a:br>
+            <a:br>
+              <a:rPr lang="en-US" dirty="0"/>
+            </a:br>
+            <a:endParaRPr lang="en-KR" dirty="0"/>
+          </a:p>
+        </p:txBody>
+      </p:sp>
+    </p:spTree>
+    <p:extLst>
+      <p:ext uri="{BB962C8B-B14F-4D97-AF65-F5344CB8AC3E}">
+        <p14:creationId xmlns:p14="http://schemas.microsoft.com/office/powerpoint/2010/main" val="2944986942"/>
+      </p:ext>
+    </p:extLst>
+  </p:cSld>
+  <p:clrMapOvr>
+    <a:masterClrMapping/>
+  </p:clrMapOvr>
+</p:sld>
+</file>
+
+<file path=ppt/slides/slide5.xml><?xml version="1.0" encoding="utf-8"?>
+<p:sld xmlns:a="http://schemas.openxmlformats.org/drawingml/2006/main" xmlns:r="http://schemas.openxmlformats.org/officeDocument/2006/relationships" xmlns:p="http://schemas.openxmlformats.org/presentationml/2006/main">
+  <p:cSld>
+    <p:spTree>
+      <p:nvGrpSpPr>
+        <p:cNvPr id="1" name=""/>
+        <p:cNvGrpSpPr/>
+        <p:nvPr/>
+      </p:nvGrpSpPr>
+      <p:grpSpPr>
+        <a:xfrm>
+          <a:off x="0" y="0"/>
+          <a:ext cx="0" cy="0"/>
+          <a:chOff x="0" y="0"/>
+          <a:chExt cx="0" cy="0"/>
+        </a:xfrm>
+      </p:grpSpPr>
+      <p:sp>
+        <p:nvSpPr>
+          <p:cNvPr id="2" name="Title 1">
+            <a:extLst>
+              <a:ext uri="{FF2B5EF4-FFF2-40B4-BE49-F238E27FC236}">
+                <a16:creationId xmlns:a16="http://schemas.microsoft.com/office/drawing/2014/main" id="{1AC91F6A-A570-EF22-739C-4DEAE4981388}"/>
+              </a:ext>
+            </a:extLst>
+          </p:cNvPr>
+          <p:cNvSpPr>
+            <a:spLocks noGrp="1"/>
+          </p:cNvSpPr>
+          <p:nvPr>
+            <p:ph type="title"/>
+          </p:nvPr>
+        </p:nvSpPr>
+        <p:spPr/>
+        <p:txBody>
+          <a:bodyPr>
+            <a:normAutofit fontScale="90000"/>
+          </a:bodyPr>
+          <a:lstStyle/>
+          <a:p>
+            <a:pPr fontAlgn="base"/>
+            <a:r>
+              <a:rPr lang="en-US" b="0" i="0" dirty="0">
+                <a:solidFill>
+                  <a:srgbClr val="232323"/>
+                </a:solidFill>
+                <a:effectLst/>
+                <a:latin typeface="Open Sans Light" pitchFamily="2" charset="0"/>
+              </a:rPr>
+              <a:t>Dependency monitoring</a:t>
+            </a:r>
+            <a:br>
+              <a:rPr lang="en-US" b="0" i="0" dirty="0">
+                <a:solidFill>
+                  <a:srgbClr val="232323"/>
+                </a:solidFill>
+                <a:effectLst/>
+                <a:latin typeface="Open Sans Light" pitchFamily="2" charset="0"/>
+              </a:rPr>
+            </a:br>
+            <a:br>
+              <a:rPr lang="en-US" dirty="0"/>
+            </a:br>
+            <a:endParaRPr lang="en-KR" dirty="0"/>
+          </a:p>
+        </p:txBody>
+      </p:sp>
+      <p:sp>
+        <p:nvSpPr>
+          <p:cNvPr id="3" name="Content Placeholder 2">
+            <a:extLst>
+              <a:ext uri="{FF2B5EF4-FFF2-40B4-BE49-F238E27FC236}">
+                <a16:creationId xmlns:a16="http://schemas.microsoft.com/office/drawing/2014/main" id="{9CE2CDA0-6AD9-FA57-C156-8C2178A681D9}"/>
+              </a:ext>
+            </a:extLst>
+          </p:cNvPr>
+          <p:cNvSpPr>
+            <a:spLocks noGrp="1"/>
+          </p:cNvSpPr>
+          <p:nvPr>
+            <p:ph idx="1"/>
+          </p:nvPr>
+        </p:nvSpPr>
+        <p:spPr/>
+        <p:txBody>
+          <a:bodyPr/>
+          <a:lstStyle/>
+          <a:p>
+            <a:r>
+              <a:rPr lang="ko-KR" altLang="en-US" b="0" i="0" dirty="0">
+                <a:solidFill>
+                  <a:srgbClr val="374151"/>
+                </a:solidFill>
+                <a:effectLst/>
+                <a:latin typeface="Söhne"/>
+              </a:rPr>
+              <a:t>분산된 </a:t>
+            </a:r>
+            <a:r>
+              <a:rPr lang="en-US" b="0" i="0" dirty="0">
+                <a:solidFill>
+                  <a:srgbClr val="374151"/>
+                </a:solidFill>
+                <a:effectLst/>
+                <a:latin typeface="Söhne"/>
+              </a:rPr>
+              <a:t>IT </a:t>
+            </a:r>
+            <a:r>
+              <a:rPr lang="ko-KR" altLang="en-US" b="0" i="0" dirty="0">
+                <a:solidFill>
+                  <a:srgbClr val="374151"/>
+                </a:solidFill>
+                <a:effectLst/>
+                <a:latin typeface="Söhne"/>
+              </a:rPr>
+              <a:t>인프라에서 실행되는 애플리케이션은 다양한 네트워크 노드</a:t>
+            </a:r>
+            <a:r>
+              <a:rPr lang="en-US" altLang="ko-KR" b="0" i="0" dirty="0">
+                <a:solidFill>
+                  <a:srgbClr val="374151"/>
+                </a:solidFill>
+                <a:effectLst/>
+                <a:latin typeface="Söhne"/>
+              </a:rPr>
+              <a:t>, </a:t>
+            </a:r>
+            <a:r>
+              <a:rPr lang="ko-KR" altLang="en-US" b="0" i="0" dirty="0">
+                <a:solidFill>
+                  <a:srgbClr val="374151"/>
+                </a:solidFill>
+                <a:effectLst/>
+                <a:latin typeface="Söhne"/>
+              </a:rPr>
+              <a:t>다른 애플리케이션 구성 요소 및 서비스에 종속될 수 있습니다</a:t>
+            </a:r>
+            <a:r>
+              <a:rPr lang="en-US" altLang="ko-KR" b="0" i="0" dirty="0">
+                <a:solidFill>
+                  <a:srgbClr val="374151"/>
+                </a:solidFill>
+                <a:effectLst/>
+                <a:latin typeface="Söhne"/>
+              </a:rPr>
+              <a:t>. </a:t>
+            </a:r>
+            <a:r>
+              <a:rPr lang="ko-KR" altLang="en-US" b="0" i="0" dirty="0">
+                <a:solidFill>
+                  <a:srgbClr val="374151"/>
+                </a:solidFill>
+                <a:effectLst/>
+                <a:latin typeface="Söhne"/>
+              </a:rPr>
+              <a:t>이러한 종속성은 들어오는 네트워크 연결을 평가함으로써 </a:t>
+            </a:r>
+            <a:r>
+              <a:rPr lang="ko-KR" altLang="en-US" b="0" i="0" dirty="0" err="1">
+                <a:solidFill>
+                  <a:srgbClr val="374151"/>
+                </a:solidFill>
+                <a:effectLst/>
+                <a:latin typeface="Söhne"/>
+              </a:rPr>
+              <a:t>매핑됩니다</a:t>
+            </a:r>
+            <a:r>
+              <a:rPr lang="en-US" altLang="ko-KR" b="0" i="0" dirty="0">
+                <a:solidFill>
+                  <a:srgbClr val="374151"/>
+                </a:solidFill>
+                <a:effectLst/>
+                <a:latin typeface="Söhne"/>
+              </a:rPr>
+              <a:t>. </a:t>
+            </a:r>
+            <a:r>
+              <a:rPr lang="ko-KR" altLang="en-US" b="0" i="0" dirty="0">
+                <a:solidFill>
+                  <a:srgbClr val="374151"/>
+                </a:solidFill>
+                <a:effectLst/>
+                <a:latin typeface="Söhne"/>
+              </a:rPr>
+              <a:t>특정 노드의 리소스 소비는 내부 서버 구성 요소가 애플리케이션 성능과 들어오는 데이터 트래픽에 어떻게 반응하는지를 결정할 수 있습니다</a:t>
+            </a:r>
+            <a:r>
+              <a:rPr lang="en-US" altLang="ko-KR" b="0" i="0" dirty="0">
+                <a:solidFill>
+                  <a:srgbClr val="374151"/>
+                </a:solidFill>
+                <a:effectLst/>
+                <a:latin typeface="Söhne"/>
+              </a:rPr>
+              <a:t>. </a:t>
+            </a:r>
+            <a:r>
+              <a:rPr lang="ko-KR" altLang="en-US" b="0" i="0" dirty="0">
+                <a:solidFill>
+                  <a:srgbClr val="374151"/>
+                </a:solidFill>
+                <a:effectLst/>
+                <a:latin typeface="Söhne"/>
+              </a:rPr>
+              <a:t>이 정보를 통해 애플리케이션</a:t>
+            </a:r>
+            <a:r>
+              <a:rPr lang="en-US" altLang="ko-KR" b="0" i="0" dirty="0">
+                <a:solidFill>
+                  <a:srgbClr val="374151"/>
+                </a:solidFill>
+                <a:effectLst/>
+                <a:latin typeface="Söhne"/>
+              </a:rPr>
+              <a:t>, </a:t>
+            </a:r>
+            <a:r>
+              <a:rPr lang="ko-KR" altLang="en-US" b="0" i="0" dirty="0">
+                <a:solidFill>
+                  <a:srgbClr val="374151"/>
+                </a:solidFill>
+                <a:effectLst/>
+                <a:latin typeface="Söhne"/>
+              </a:rPr>
+              <a:t>하드웨어 및 서비스 간의 기반 아키텍처적 종속성을 식별하는 데 도움이 됩니다</a:t>
+            </a:r>
+            <a:r>
+              <a:rPr lang="en-US" altLang="ko-KR" b="0" i="0" dirty="0">
+                <a:solidFill>
+                  <a:srgbClr val="374151"/>
+                </a:solidFill>
+                <a:effectLst/>
+                <a:latin typeface="Söhne"/>
+              </a:rPr>
+              <a:t>.</a:t>
+            </a:r>
+            <a:endParaRPr lang="en-KR" dirty="0"/>
+          </a:p>
+        </p:txBody>
+      </p:sp>
+    </p:spTree>
+    <p:extLst>
+      <p:ext uri="{BB962C8B-B14F-4D97-AF65-F5344CB8AC3E}">
+        <p14:creationId xmlns:p14="http://schemas.microsoft.com/office/powerpoint/2010/main" val="1137933673"/>
+      </p:ext>
+    </p:extLst>
+  </p:cSld>
+  <p:clrMapOvr>
+    <a:masterClrMapping/>
+  </p:clrMapOvr>
+</p:sld>
+</file>
+
+<file path=ppt/slides/slide6.xml><?xml version="1.0" encoding="utf-8"?>
+<p:sld xmlns:a="http://schemas.openxmlformats.org/drawingml/2006/main" xmlns:r="http://schemas.openxmlformats.org/officeDocument/2006/relationships" xmlns:p="http://schemas.openxmlformats.org/presentationml/2006/main">
+  <p:cSld>
+    <p:spTree>
+      <p:nvGrpSpPr>
+        <p:cNvPr id="1" name=""/>
+        <p:cNvGrpSpPr/>
+        <p:nvPr/>
+      </p:nvGrpSpPr>
+      <p:grpSpPr>
+        <a:xfrm>
+          <a:off x="0" y="0"/>
+          <a:ext cx="0" cy="0"/>
+          <a:chOff x="0" y="0"/>
+          <a:chExt cx="0" cy="0"/>
+        </a:xfrm>
+      </p:grpSpPr>
+      <p:sp>
+        <p:nvSpPr>
+          <p:cNvPr id="2" name="Title 1">
+            <a:extLst>
+              <a:ext uri="{FF2B5EF4-FFF2-40B4-BE49-F238E27FC236}">
+                <a16:creationId xmlns:a16="http://schemas.microsoft.com/office/drawing/2014/main" id="{C7CE4775-3801-2D18-D98E-BC333A50047F}"/>
+              </a:ext>
+            </a:extLst>
+          </p:cNvPr>
+          <p:cNvSpPr>
+            <a:spLocks noGrp="1"/>
+          </p:cNvSpPr>
+          <p:nvPr>
+            <p:ph type="title"/>
+          </p:nvPr>
+        </p:nvSpPr>
+        <p:spPr/>
+        <p:txBody>
+          <a:bodyPr>
+            <a:normAutofit/>
+          </a:bodyPr>
+          <a:lstStyle/>
+          <a:p>
+            <a:r>
+              <a:rPr lang="ko-KR" altLang="en-US" sz="4000" b="0" i="0" dirty="0">
+                <a:solidFill>
+                  <a:srgbClr val="374151"/>
+                </a:solidFill>
+                <a:effectLst/>
+                <a:latin typeface="Open Sans Light" pitchFamily="2" charset="0"/>
+                <a:cs typeface="Open Sans Light" pitchFamily="2" charset="0"/>
+              </a:rPr>
+              <a:t>통합 및 </a:t>
+            </a:r>
+            <a:r>
+              <a:rPr lang="en-US" sz="4000" b="0" i="0" dirty="0">
+                <a:solidFill>
+                  <a:srgbClr val="374151"/>
+                </a:solidFill>
+                <a:effectLst/>
+                <a:latin typeface="Open Sans Light" pitchFamily="2" charset="0"/>
+                <a:ea typeface="Open Sans Light" pitchFamily="2" charset="0"/>
+                <a:cs typeface="Open Sans Light" pitchFamily="2" charset="0"/>
+              </a:rPr>
+              <a:t>API </a:t>
+            </a:r>
+            <a:r>
+              <a:rPr lang="ko-KR" altLang="en-US" sz="4000" b="0" i="0" dirty="0">
+                <a:solidFill>
+                  <a:srgbClr val="374151"/>
+                </a:solidFill>
+                <a:effectLst/>
+                <a:latin typeface="Open Sans Light" pitchFamily="2" charset="0"/>
+                <a:cs typeface="Open Sans Light" pitchFamily="2" charset="0"/>
+              </a:rPr>
+              <a:t>모니터링</a:t>
+            </a:r>
+            <a:endParaRPr lang="en-KR" sz="4000" dirty="0">
+              <a:latin typeface="Open Sans Light" pitchFamily="2" charset="0"/>
+              <a:ea typeface="Open Sans Light" pitchFamily="2" charset="0"/>
+              <a:cs typeface="Open Sans Light" pitchFamily="2" charset="0"/>
+            </a:endParaRPr>
+          </a:p>
+        </p:txBody>
+      </p:sp>
+      <p:sp>
+        <p:nvSpPr>
+          <p:cNvPr id="3" name="Content Placeholder 2">
+            <a:extLst>
+              <a:ext uri="{FF2B5EF4-FFF2-40B4-BE49-F238E27FC236}">
+                <a16:creationId xmlns:a16="http://schemas.microsoft.com/office/drawing/2014/main" id="{1F83B0D5-66EB-A20E-A8CF-D9BF8BE2D504}"/>
+              </a:ext>
+            </a:extLst>
+          </p:cNvPr>
+          <p:cNvSpPr>
+            <a:spLocks noGrp="1"/>
+          </p:cNvSpPr>
+          <p:nvPr>
+            <p:ph idx="1"/>
+          </p:nvPr>
+        </p:nvSpPr>
+        <p:spPr/>
+        <p:txBody>
+          <a:bodyPr/>
+          <a:lstStyle/>
+          <a:p>
+            <a:r>
+              <a:rPr lang="ko-KR" altLang="en-US" b="0" i="0" dirty="0">
+                <a:solidFill>
+                  <a:srgbClr val="374151"/>
+                </a:solidFill>
+                <a:effectLst/>
+                <a:latin typeface="Söhne"/>
+              </a:rPr>
+              <a:t>현대의 앱과 서비스는 데이터 처리</a:t>
+            </a:r>
+            <a:r>
+              <a:rPr lang="en-US" altLang="ko-KR" b="0" i="0" dirty="0">
+                <a:solidFill>
+                  <a:srgbClr val="374151"/>
+                </a:solidFill>
+                <a:effectLst/>
+                <a:latin typeface="Söhne"/>
+              </a:rPr>
+              <a:t>, </a:t>
+            </a:r>
+            <a:r>
+              <a:rPr lang="ko-KR" altLang="en-US" b="0" i="0" dirty="0">
+                <a:solidFill>
+                  <a:srgbClr val="374151"/>
+                </a:solidFill>
+                <a:effectLst/>
+                <a:latin typeface="Söhne"/>
+              </a:rPr>
+              <a:t>리소스 용량 및 기능적인 프로세스를 위해 외부 통합에 의존합니다</a:t>
+            </a:r>
+            <a:r>
+              <a:rPr lang="en-US" altLang="ko-KR" b="0" i="0" dirty="0">
+                <a:solidFill>
+                  <a:srgbClr val="374151"/>
+                </a:solidFill>
+                <a:effectLst/>
+                <a:latin typeface="Söhne"/>
+              </a:rPr>
+              <a:t>. </a:t>
+            </a:r>
+            <a:r>
+              <a:rPr lang="ko-KR" altLang="en-US" b="0" i="0" dirty="0">
+                <a:solidFill>
+                  <a:srgbClr val="374151"/>
+                </a:solidFill>
+                <a:effectLst/>
+                <a:latin typeface="Söhne"/>
+              </a:rPr>
+              <a:t>통합 모니터링은 타사 통합의 가용성과 가동 시간 성능을 식별하는 데 사용됩니다</a:t>
+            </a:r>
+            <a:r>
+              <a:rPr lang="en-US" altLang="ko-KR" b="0" i="0" dirty="0">
+                <a:solidFill>
+                  <a:srgbClr val="374151"/>
+                </a:solidFill>
+                <a:effectLst/>
+                <a:latin typeface="Söhne"/>
+              </a:rPr>
+              <a:t>.</a:t>
+            </a:r>
+            <a:endParaRPr lang="en-KR" dirty="0"/>
+          </a:p>
+        </p:txBody>
+      </p:sp>
+    </p:spTree>
+    <p:extLst>
+      <p:ext uri="{BB962C8B-B14F-4D97-AF65-F5344CB8AC3E}">
+        <p14:creationId xmlns:p14="http://schemas.microsoft.com/office/powerpoint/2010/main" val="1574478636"/>
+      </p:ext>
+    </p:extLst>
+  </p:cSld>
+  <p:clrMapOvr>
+    <a:masterClrMapping/>
+  </p:clrMapOvr>
+</p:sld>
+</file>
+
+<file path=ppt/slides/slide7.xml><?xml version="1.0" encoding="utf-8"?>
+<p:sld xmlns:a="http://schemas.openxmlformats.org/drawingml/2006/main" xmlns:r="http://schemas.openxmlformats.org/officeDocument/2006/relationships" xmlns:p="http://schemas.openxmlformats.org/presentationml/2006/main">
+  <p:cSld>
+    <p:spTree>
+      <p:nvGrpSpPr>
+        <p:cNvPr id="1" name=""/>
+        <p:cNvGrpSpPr/>
+        <p:nvPr/>
+      </p:nvGrpSpPr>
+      <p:grpSpPr>
+        <a:xfrm>
+          <a:off x="0" y="0"/>
+          <a:ext cx="0" cy="0"/>
+          <a:chOff x="0" y="0"/>
+          <a:chExt cx="0" cy="0"/>
+        </a:xfrm>
+      </p:grpSpPr>
+      <p:sp>
+        <p:nvSpPr>
+          <p:cNvPr id="2" name="Title 1">
+            <a:extLst>
+              <a:ext uri="{FF2B5EF4-FFF2-40B4-BE49-F238E27FC236}">
+                <a16:creationId xmlns:a16="http://schemas.microsoft.com/office/drawing/2014/main" id="{46430FC1-8138-3457-18B9-A4E38D745D34}"/>
+              </a:ext>
+            </a:extLst>
+          </p:cNvPr>
+          <p:cNvSpPr>
+            <a:spLocks noGrp="1"/>
+          </p:cNvSpPr>
+          <p:nvPr>
+            <p:ph type="title"/>
+          </p:nvPr>
+        </p:nvSpPr>
+        <p:spPr/>
+        <p:txBody>
+          <a:bodyPr/>
+          <a:lstStyle/>
+          <a:p>
+            <a:r>
+              <a:rPr lang="ko-KR" altLang="en-US" b="0" i="0" dirty="0">
+                <a:solidFill>
+                  <a:srgbClr val="374151"/>
+                </a:solidFill>
+                <a:effectLst/>
+                <a:latin typeface="Söhne"/>
+              </a:rPr>
+              <a:t>사업 활동 모니터링 </a:t>
+            </a:r>
+            <a:r>
+              <a:rPr lang="en-US" altLang="ko-KR" b="0" i="0" dirty="0">
+                <a:solidFill>
+                  <a:srgbClr val="374151"/>
+                </a:solidFill>
+                <a:effectLst/>
+                <a:latin typeface="Söhne"/>
+              </a:rPr>
+              <a:t>(</a:t>
+            </a:r>
+            <a:r>
+              <a:rPr lang="en-US" b="0" i="0" dirty="0">
+                <a:solidFill>
+                  <a:srgbClr val="374151"/>
+                </a:solidFill>
+                <a:effectLst/>
+                <a:latin typeface="Söhne"/>
+              </a:rPr>
+              <a:t>BAM)</a:t>
+            </a:r>
+            <a:endParaRPr lang="en-KR" dirty="0"/>
+          </a:p>
+        </p:txBody>
+      </p:sp>
+      <p:sp>
+        <p:nvSpPr>
+          <p:cNvPr id="3" name="Content Placeholder 2">
+            <a:extLst>
+              <a:ext uri="{FF2B5EF4-FFF2-40B4-BE49-F238E27FC236}">
+                <a16:creationId xmlns:a16="http://schemas.microsoft.com/office/drawing/2014/main" id="{C84F19FF-6234-BB2D-EBA0-47A45382DF4D}"/>
+              </a:ext>
+            </a:extLst>
+          </p:cNvPr>
+          <p:cNvSpPr>
+            <a:spLocks noGrp="1"/>
+          </p:cNvSpPr>
+          <p:nvPr>
+            <p:ph idx="1"/>
+          </p:nvPr>
+        </p:nvSpPr>
+        <p:spPr/>
+        <p:txBody>
+          <a:bodyPr/>
+          <a:lstStyle/>
+          <a:p>
+            <a:r>
+              <a:rPr lang="ko-KR" altLang="en-US" b="0" i="0" dirty="0">
+                <a:solidFill>
+                  <a:srgbClr val="374151"/>
+                </a:solidFill>
+                <a:effectLst/>
+                <a:latin typeface="Söhne"/>
+              </a:rPr>
+              <a:t>사업 활동은 </a:t>
+            </a:r>
+            <a:r>
+              <a:rPr lang="en-US" b="0" i="0" dirty="0">
+                <a:solidFill>
+                  <a:srgbClr val="374151"/>
+                </a:solidFill>
+                <a:effectLst/>
+                <a:latin typeface="Söhne"/>
+              </a:rPr>
+              <a:t>IT </a:t>
+            </a:r>
+            <a:r>
+              <a:rPr lang="ko-KR" altLang="en-US" b="0" i="0" dirty="0">
+                <a:solidFill>
+                  <a:srgbClr val="374151"/>
+                </a:solidFill>
+                <a:effectLst/>
+                <a:latin typeface="Söhne"/>
+              </a:rPr>
+              <a:t>인프라와 네트워크 성능과 높은 상관관계가 있습니다</a:t>
+            </a:r>
+            <a:r>
+              <a:rPr lang="en-US" altLang="ko-KR" b="0" i="0" dirty="0">
+                <a:solidFill>
+                  <a:srgbClr val="374151"/>
+                </a:solidFill>
+                <a:effectLst/>
+                <a:latin typeface="Söhne"/>
+              </a:rPr>
+              <a:t>. </a:t>
+            </a:r>
+            <a:r>
+              <a:rPr lang="ko-KR" altLang="en-US" b="0" i="0" dirty="0">
+                <a:solidFill>
+                  <a:srgbClr val="374151"/>
+                </a:solidFill>
+                <a:effectLst/>
+                <a:latin typeface="Söhne"/>
+              </a:rPr>
+              <a:t>리소스 소비 및 트래픽 동작을 평가하는 </a:t>
+            </a:r>
+            <a:r>
+              <a:rPr lang="en-US" b="0" i="0" dirty="0">
+                <a:solidFill>
+                  <a:srgbClr val="374151"/>
+                </a:solidFill>
+                <a:effectLst/>
+                <a:latin typeface="Söhne"/>
+              </a:rPr>
+              <a:t>IT </a:t>
+            </a:r>
+            <a:r>
+              <a:rPr lang="ko-KR" altLang="en-US" b="0" i="0" dirty="0">
+                <a:solidFill>
+                  <a:srgbClr val="374151"/>
+                </a:solidFill>
+                <a:effectLst/>
+                <a:latin typeface="Söhne"/>
+              </a:rPr>
+              <a:t>모니터링은 비즈니스 활동을 결정하는 데 도움이 됩니다</a:t>
+            </a:r>
+            <a:r>
+              <a:rPr lang="en-US" altLang="ko-KR" b="0" i="0" dirty="0">
+                <a:solidFill>
+                  <a:srgbClr val="374151"/>
+                </a:solidFill>
+                <a:effectLst/>
+                <a:latin typeface="Söhne"/>
+              </a:rPr>
+              <a:t>. </a:t>
+            </a:r>
+            <a:r>
+              <a:rPr lang="ko-KR" altLang="en-US" b="0" i="0" dirty="0">
+                <a:solidFill>
+                  <a:srgbClr val="374151"/>
+                </a:solidFill>
+                <a:effectLst/>
+                <a:latin typeface="Söhne"/>
+              </a:rPr>
+              <a:t>예를 들어</a:t>
+            </a:r>
+            <a:r>
+              <a:rPr lang="en-US" altLang="ko-KR" b="0" i="0" dirty="0">
+                <a:solidFill>
+                  <a:srgbClr val="374151"/>
+                </a:solidFill>
+                <a:effectLst/>
+                <a:latin typeface="Söhne"/>
+              </a:rPr>
+              <a:t>, </a:t>
+            </a:r>
+            <a:r>
+              <a:rPr lang="ko-KR" altLang="en-US" b="0" i="0" dirty="0">
+                <a:solidFill>
+                  <a:srgbClr val="374151"/>
+                </a:solidFill>
+                <a:effectLst/>
+                <a:latin typeface="Söhne"/>
+              </a:rPr>
+              <a:t>특정 네트워크 노드와 데이터 센터에서의 사용자 트래픽 및 애플리케이션 다운로드는 해당 지리적 위치에서의 높은 인기를 나타냅니다</a:t>
+            </a:r>
+            <a:r>
+              <a:rPr lang="en-US" altLang="ko-KR" b="0" i="0" dirty="0">
+                <a:solidFill>
+                  <a:srgbClr val="374151"/>
+                </a:solidFill>
+                <a:effectLst/>
+                <a:latin typeface="Söhne"/>
+              </a:rPr>
+              <a:t>.</a:t>
+            </a:r>
+            <a:endParaRPr lang="en-KR" dirty="0"/>
+          </a:p>
+        </p:txBody>
+      </p:sp>
+    </p:spTree>
+    <p:extLst>
+      <p:ext uri="{BB962C8B-B14F-4D97-AF65-F5344CB8AC3E}">
+        <p14:creationId xmlns:p14="http://schemas.microsoft.com/office/powerpoint/2010/main" val="663377289"/>
+      </p:ext>
+    </p:extLst>
+  </p:cSld>
+  <p:clrMapOvr>
+    <a:masterClrMapping/>
+  </p:clrMapOvr>
+</p:sld>
+</file>
+
+<file path=ppt/slides/slide8.xml><?xml version="1.0" encoding="utf-8"?>
+<p:sld xmlns:a="http://schemas.openxmlformats.org/drawingml/2006/main" xmlns:r="http://schemas.openxmlformats.org/officeDocument/2006/relationships" xmlns:p="http://schemas.openxmlformats.org/presentationml/2006/main">
+  <p:cSld>
+    <p:spTree>
+      <p:nvGrpSpPr>
+        <p:cNvPr id="1" name=""/>
+        <p:cNvGrpSpPr/>
+        <p:nvPr/>
+      </p:nvGrpSpPr>
+      <p:grpSpPr>
+        <a:xfrm>
+          <a:off x="0" y="0"/>
+          <a:ext cx="0" cy="0"/>
+          <a:chOff x="0" y="0"/>
+          <a:chExt cx="0" cy="0"/>
+        </a:xfrm>
+      </p:grpSpPr>
+      <p:sp>
+        <p:nvSpPr>
+          <p:cNvPr id="2" name="Title 1">
+            <a:extLst>
+              <a:ext uri="{FF2B5EF4-FFF2-40B4-BE49-F238E27FC236}">
+                <a16:creationId xmlns:a16="http://schemas.microsoft.com/office/drawing/2014/main" id="{0412836A-3A33-BF79-B939-44D528D3E849}"/>
+              </a:ext>
+            </a:extLst>
+          </p:cNvPr>
+          <p:cNvSpPr>
+            <a:spLocks noGrp="1"/>
+          </p:cNvSpPr>
+          <p:nvPr>
+            <p:ph type="title"/>
+          </p:nvPr>
+        </p:nvSpPr>
+        <p:spPr/>
+        <p:txBody>
+          <a:bodyPr/>
+          <a:lstStyle/>
+          <a:p>
+            <a:r>
+              <a:rPr lang="ko-KR" altLang="en-US" b="0" i="0" dirty="0">
+                <a:solidFill>
+                  <a:srgbClr val="374151"/>
+                </a:solidFill>
+                <a:effectLst/>
+                <a:latin typeface="Söhne"/>
+              </a:rPr>
+              <a:t>웹 성능 모니터링</a:t>
+            </a:r>
+            <a:endParaRPr lang="en-KR" dirty="0"/>
+          </a:p>
+        </p:txBody>
+      </p:sp>
+      <p:sp>
+        <p:nvSpPr>
+          <p:cNvPr id="3" name="Content Placeholder 2">
+            <a:extLst>
+              <a:ext uri="{FF2B5EF4-FFF2-40B4-BE49-F238E27FC236}">
+                <a16:creationId xmlns:a16="http://schemas.microsoft.com/office/drawing/2014/main" id="{516D4E0A-46F6-A64D-36F4-B33427A244AF}"/>
+              </a:ext>
+            </a:extLst>
+          </p:cNvPr>
+          <p:cNvSpPr>
+            <a:spLocks noGrp="1"/>
+          </p:cNvSpPr>
+          <p:nvPr>
+            <p:ph idx="1"/>
+          </p:nvPr>
+        </p:nvSpPr>
+        <p:spPr/>
+        <p:txBody>
+          <a:bodyPr/>
+          <a:lstStyle/>
+          <a:p>
+            <a:r>
+              <a:rPr lang="ko-KR" altLang="en-US" b="0" i="0" dirty="0">
+                <a:solidFill>
+                  <a:srgbClr val="374151"/>
+                </a:solidFill>
+                <a:effectLst/>
+                <a:latin typeface="Söhne"/>
+              </a:rPr>
+              <a:t>웹 기반 서비스의 구성 요소인 웹사이트와 같은 부분의 동작을 평가하는 모니터링입니다</a:t>
+            </a:r>
+            <a:r>
+              <a:rPr lang="en-US" altLang="ko-KR" b="0" i="0" dirty="0">
+                <a:solidFill>
+                  <a:srgbClr val="374151"/>
+                </a:solidFill>
+                <a:effectLst/>
+                <a:latin typeface="Söhne"/>
+              </a:rPr>
+              <a:t>. </a:t>
+            </a:r>
+            <a:r>
+              <a:rPr lang="ko-KR" altLang="en-US" b="0" i="0" dirty="0">
+                <a:solidFill>
+                  <a:srgbClr val="374151"/>
+                </a:solidFill>
+                <a:effectLst/>
+                <a:latin typeface="Söhne"/>
+              </a:rPr>
+              <a:t>측정 항목에는 페이지 로드 속도</a:t>
+            </a:r>
+            <a:r>
+              <a:rPr lang="en-US" altLang="ko-KR" b="0" i="0" dirty="0">
+                <a:solidFill>
+                  <a:srgbClr val="374151"/>
+                </a:solidFill>
+                <a:effectLst/>
+                <a:latin typeface="Söhne"/>
+              </a:rPr>
+              <a:t>, </a:t>
+            </a:r>
+            <a:r>
+              <a:rPr lang="ko-KR" altLang="en-US" b="0" i="0" dirty="0">
+                <a:solidFill>
+                  <a:srgbClr val="374151"/>
+                </a:solidFill>
+                <a:effectLst/>
+                <a:latin typeface="Söhne"/>
+              </a:rPr>
+              <a:t>데이터 전송 오류</a:t>
+            </a:r>
+            <a:r>
+              <a:rPr lang="en-US" altLang="ko-KR" b="0" i="0" dirty="0">
+                <a:solidFill>
+                  <a:srgbClr val="374151"/>
+                </a:solidFill>
+                <a:effectLst/>
+                <a:latin typeface="Söhne"/>
+              </a:rPr>
+              <a:t>, </a:t>
+            </a:r>
+            <a:r>
+              <a:rPr lang="ko-KR" altLang="en-US" b="0" i="0" dirty="0">
+                <a:solidFill>
+                  <a:srgbClr val="374151"/>
+                </a:solidFill>
+                <a:effectLst/>
+                <a:latin typeface="Söhne"/>
+              </a:rPr>
+              <a:t>로딩 오류 등이 포함됩니다</a:t>
+            </a:r>
+            <a:r>
+              <a:rPr lang="en-US" altLang="ko-KR" b="0" i="0" dirty="0">
+                <a:solidFill>
+                  <a:srgbClr val="374151"/>
+                </a:solidFill>
+                <a:effectLst/>
+                <a:latin typeface="Söhne"/>
+              </a:rPr>
+              <a:t>.</a:t>
+            </a:r>
+          </a:p>
+          <a:p>
+            <a:endParaRPr lang="en-KR" dirty="0"/>
+          </a:p>
+        </p:txBody>
+      </p:sp>
+    </p:spTree>
+    <p:extLst>
+      <p:ext uri="{BB962C8B-B14F-4D97-AF65-F5344CB8AC3E}">
+        <p14:creationId xmlns:p14="http://schemas.microsoft.com/office/powerpoint/2010/main" val="3329333749"/>
+      </p:ext>
+    </p:extLst>
+  </p:cSld>
+  <p:clrMapOvr>
+    <a:masterClrMapping/>
+  </p:clrMapOvr>
+</p:sld>
+</file>
+
+<file path=ppt/slides/slide9.xml><?xml version="1.0" encoding="utf-8"?>
+<p:sld xmlns:a="http://schemas.openxmlformats.org/drawingml/2006/main" xmlns:r="http://schemas.openxmlformats.org/officeDocument/2006/relationships" xmlns:p="http://schemas.openxmlformats.org/presentationml/2006/main">
+  <p:cSld>
+    <p:spTree>
+      <p:nvGrpSpPr>
+        <p:cNvPr id="1" name=""/>
+        <p:cNvGrpSpPr/>
+        <p:nvPr/>
+      </p:nvGrpSpPr>
+      <p:grpSpPr>
+        <a:xfrm>
+          <a:off x="0" y="0"/>
+          <a:ext cx="0" cy="0"/>
+          <a:chOff x="0" y="0"/>
+          <a:chExt cx="0" cy="0"/>
+        </a:xfrm>
+      </p:grpSpPr>
+      <p:sp>
+        <p:nvSpPr>
+          <p:cNvPr id="2" name="Title 1">
+            <a:extLst>
+              <a:ext uri="{FF2B5EF4-FFF2-40B4-BE49-F238E27FC236}">
+                <a16:creationId xmlns:a16="http://schemas.microsoft.com/office/drawing/2014/main" id="{13B783DE-8884-42E4-1AB7-2E18EEA55464}"/>
+              </a:ext>
+            </a:extLst>
+          </p:cNvPr>
+          <p:cNvSpPr>
+            <a:spLocks noGrp="1"/>
+          </p:cNvSpPr>
+          <p:nvPr>
+            <p:ph type="title"/>
+          </p:nvPr>
+        </p:nvSpPr>
+        <p:spPr/>
+        <p:txBody>
+          <a:bodyPr/>
+          <a:lstStyle/>
+          <a:p>
+            <a:r>
+              <a:rPr lang="ko-KR" altLang="en-US" b="0" i="0" dirty="0">
+                <a:solidFill>
+                  <a:srgbClr val="374151"/>
+                </a:solidFill>
+                <a:effectLst/>
+                <a:latin typeface="Söhne"/>
+              </a:rPr>
+              <a:t>애플리케이션 성능 모니터링 </a:t>
+            </a:r>
+            <a:r>
+              <a:rPr lang="en-US" altLang="ko-KR" b="0" i="0" dirty="0">
+                <a:solidFill>
+                  <a:srgbClr val="374151"/>
+                </a:solidFill>
+                <a:effectLst/>
+                <a:latin typeface="Söhne"/>
+              </a:rPr>
+              <a:t>(</a:t>
+            </a:r>
+            <a:r>
+              <a:rPr lang="en-US" b="0" i="0" dirty="0">
+                <a:solidFill>
+                  <a:srgbClr val="374151"/>
+                </a:solidFill>
+                <a:effectLst/>
+                <a:latin typeface="Söhne"/>
+              </a:rPr>
+              <a:t>APM)</a:t>
+            </a:r>
+            <a:endParaRPr lang="en-KR" dirty="0"/>
+          </a:p>
+        </p:txBody>
+      </p:sp>
+      <p:sp>
+        <p:nvSpPr>
+          <p:cNvPr id="3" name="Content Placeholder 2">
+            <a:extLst>
+              <a:ext uri="{FF2B5EF4-FFF2-40B4-BE49-F238E27FC236}">
+                <a16:creationId xmlns:a16="http://schemas.microsoft.com/office/drawing/2014/main" id="{2C4D34BD-1612-D451-B155-BD40D7C4155D}"/>
+              </a:ext>
+            </a:extLst>
+          </p:cNvPr>
+          <p:cNvSpPr>
+            <a:spLocks noGrp="1"/>
+          </p:cNvSpPr>
+          <p:nvPr>
+            <p:ph idx="1"/>
+          </p:nvPr>
+        </p:nvSpPr>
+        <p:spPr/>
+        <p:txBody>
+          <a:bodyPr/>
+          <a:lstStyle/>
+          <a:p>
+            <a:pPr algn="l"/>
+            <a:r>
+              <a:rPr lang="ko-KR" altLang="en-US" b="0" i="0" dirty="0">
+                <a:solidFill>
+                  <a:srgbClr val="374151"/>
+                </a:solidFill>
+                <a:effectLst/>
+                <a:latin typeface="Söhne"/>
+              </a:rPr>
+              <a:t>애플리케이션은 현대적인 비즈니스의 중요한 구성 요소입니다</a:t>
+            </a:r>
+            <a:r>
+              <a:rPr lang="en-US" altLang="ko-KR" b="0" i="0" dirty="0">
+                <a:solidFill>
+                  <a:srgbClr val="374151"/>
+                </a:solidFill>
+                <a:effectLst/>
+                <a:latin typeface="Söhne"/>
+              </a:rPr>
+              <a:t>. </a:t>
+            </a:r>
+            <a:r>
+              <a:rPr lang="en-US" b="0" i="0" dirty="0">
+                <a:solidFill>
+                  <a:srgbClr val="374151"/>
+                </a:solidFill>
+                <a:effectLst/>
+                <a:latin typeface="Söhne"/>
+              </a:rPr>
+              <a:t>APM</a:t>
+            </a:r>
+            <a:r>
+              <a:rPr lang="ko-KR" altLang="en-US" b="0" i="0" dirty="0">
+                <a:solidFill>
+                  <a:srgbClr val="374151"/>
+                </a:solidFill>
+                <a:effectLst/>
+                <a:latin typeface="Söhne"/>
+              </a:rPr>
+              <a:t>은 앱이 현재의 </a:t>
+            </a:r>
+            <a:r>
+              <a:rPr lang="en-US" b="0" i="0" dirty="0">
+                <a:solidFill>
+                  <a:srgbClr val="374151"/>
+                </a:solidFill>
+                <a:effectLst/>
+                <a:latin typeface="Söhne"/>
+              </a:rPr>
+              <a:t>IT </a:t>
+            </a:r>
+            <a:r>
+              <a:rPr lang="ko-KR" altLang="en-US" b="0" i="0" dirty="0">
+                <a:solidFill>
+                  <a:srgbClr val="374151"/>
+                </a:solidFill>
+                <a:effectLst/>
+                <a:latin typeface="Söhne"/>
+              </a:rPr>
+              <a:t>환경에서 어떻게 동작하는지를 관찰합니다</a:t>
+            </a:r>
+            <a:r>
+              <a:rPr lang="en-US" altLang="ko-KR" b="0" i="0" dirty="0">
+                <a:solidFill>
+                  <a:srgbClr val="374151"/>
+                </a:solidFill>
+                <a:effectLst/>
+                <a:latin typeface="Söhne"/>
+              </a:rPr>
+              <a:t>. </a:t>
+            </a:r>
+            <a:r>
+              <a:rPr lang="ko-KR" altLang="en-US" b="0" i="0" dirty="0">
+                <a:solidFill>
+                  <a:srgbClr val="374151"/>
+                </a:solidFill>
+                <a:effectLst/>
+                <a:latin typeface="Söhne"/>
+              </a:rPr>
+              <a:t>모니터링의 범위는 기반 인프라 구성 요소와 종속성까지 확장됩니다</a:t>
+            </a:r>
+            <a:r>
+              <a:rPr lang="en-US" altLang="ko-KR" b="0" i="0" dirty="0">
+                <a:solidFill>
+                  <a:srgbClr val="374151"/>
+                </a:solidFill>
+                <a:effectLst/>
+                <a:latin typeface="Söhne"/>
+              </a:rPr>
+              <a:t>. </a:t>
+            </a:r>
+            <a:r>
+              <a:rPr lang="en-US" b="0" i="0" dirty="0">
+                <a:solidFill>
+                  <a:srgbClr val="374151"/>
+                </a:solidFill>
+                <a:effectLst/>
+                <a:latin typeface="Söhne"/>
+              </a:rPr>
+              <a:t>APM</a:t>
+            </a:r>
+            <a:r>
+              <a:rPr lang="ko-KR" altLang="en-US" b="0" i="0" dirty="0">
+                <a:solidFill>
+                  <a:srgbClr val="374151"/>
+                </a:solidFill>
+                <a:effectLst/>
+                <a:latin typeface="Söhne"/>
+              </a:rPr>
+              <a:t>은 들어오는 네트워크 데이터를 집계하고 분석하여 </a:t>
+            </a:r>
+            <a:r>
+              <a:rPr lang="en-US" b="0" i="0" dirty="0">
+                <a:solidFill>
+                  <a:srgbClr val="374151"/>
+                </a:solidFill>
+                <a:effectLst/>
+                <a:latin typeface="Söhne"/>
+              </a:rPr>
+              <a:t>IT </a:t>
+            </a:r>
+            <a:r>
+              <a:rPr lang="ko-KR" altLang="en-US" b="0" i="0" dirty="0">
+                <a:solidFill>
+                  <a:srgbClr val="374151"/>
+                </a:solidFill>
+                <a:effectLst/>
+                <a:latin typeface="Söhne"/>
+              </a:rPr>
+              <a:t>환경의 상태를 평가하고 앱이 최적으로 동작하지 않을 때 문제의 근본 원인을 식별합니다</a:t>
+            </a:r>
+            <a:r>
+              <a:rPr lang="en-US" altLang="ko-KR" b="0" i="0" dirty="0">
+                <a:solidFill>
+                  <a:srgbClr val="374151"/>
+                </a:solidFill>
+                <a:effectLst/>
+                <a:latin typeface="Söhne"/>
+              </a:rPr>
+              <a:t>.</a:t>
+            </a:r>
+          </a:p>
+          <a:p>
+            <a:pPr algn="l"/>
+            <a:r>
+              <a:rPr lang="en-US" b="0" i="0" dirty="0">
+                <a:solidFill>
+                  <a:srgbClr val="374151"/>
+                </a:solidFill>
+                <a:effectLst/>
+                <a:latin typeface="Söhne"/>
+              </a:rPr>
+              <a:t>APM </a:t>
+            </a:r>
+            <a:r>
+              <a:rPr lang="ko-KR" altLang="en-US" b="0" i="0" dirty="0" err="1">
+                <a:solidFill>
+                  <a:srgbClr val="374151"/>
+                </a:solidFill>
+                <a:effectLst/>
+                <a:latin typeface="Söhne"/>
+              </a:rPr>
+              <a:t>메트릭에는</a:t>
+            </a:r>
+            <a:r>
+              <a:rPr lang="ko-KR" altLang="en-US" b="0" i="0" dirty="0">
+                <a:solidFill>
+                  <a:srgbClr val="374151"/>
+                </a:solidFill>
+                <a:effectLst/>
+                <a:latin typeface="Söhne"/>
+              </a:rPr>
+              <a:t> 다음이 포함됩니다</a:t>
+            </a:r>
+            <a:r>
+              <a:rPr lang="en-US" altLang="ko-KR" b="0" i="0" dirty="0">
+                <a:solidFill>
+                  <a:srgbClr val="374151"/>
+                </a:solidFill>
+                <a:effectLst/>
+                <a:latin typeface="Söhne"/>
+              </a:rPr>
+              <a:t>:</a:t>
+            </a:r>
+          </a:p>
+          <a:p>
+            <a:pPr algn="l"/>
+            <a:r>
+              <a:rPr lang="ko-KR" altLang="en-US" b="0" i="0" dirty="0">
+                <a:solidFill>
+                  <a:srgbClr val="374151"/>
+                </a:solidFill>
+                <a:effectLst/>
+                <a:latin typeface="Söhne"/>
+              </a:rPr>
+              <a:t>리소스 소비 소프트웨어 수준의 </a:t>
+            </a:r>
+            <a:r>
+              <a:rPr lang="ko-KR" altLang="en-US" b="0" i="0" dirty="0" err="1">
+                <a:solidFill>
+                  <a:srgbClr val="374151"/>
+                </a:solidFill>
+                <a:effectLst/>
+                <a:latin typeface="Söhne"/>
+              </a:rPr>
+              <a:t>오류율</a:t>
+            </a:r>
+            <a:r>
+              <a:rPr lang="ko-KR" altLang="en-US" b="0" i="0" dirty="0">
+                <a:solidFill>
+                  <a:srgbClr val="374151"/>
+                </a:solidFill>
+                <a:effectLst/>
+                <a:latin typeface="Söhne"/>
+              </a:rPr>
+              <a:t> 앱 응답 시간 및 </a:t>
+            </a:r>
+            <a:r>
+              <a:rPr lang="ko-KR" altLang="en-US" b="0" i="0" dirty="0" err="1">
+                <a:solidFill>
+                  <a:srgbClr val="374151"/>
+                </a:solidFill>
+                <a:effectLst/>
+                <a:latin typeface="Söhne"/>
+              </a:rPr>
+              <a:t>요청률</a:t>
+            </a:r>
+            <a:r>
+              <a:rPr lang="ko-KR" altLang="en-US" b="0" i="0" dirty="0">
+                <a:solidFill>
+                  <a:srgbClr val="374151"/>
+                </a:solidFill>
+                <a:effectLst/>
+                <a:latin typeface="Söhne"/>
+              </a:rPr>
+              <a:t> 고객 경험</a:t>
+            </a:r>
+          </a:p>
+          <a:p>
+            <a:endParaRPr lang="en-KR" dirty="0"/>
+          </a:p>
+        </p:txBody>
+      </p:sp>
+    </p:spTree>
+    <p:extLst>
+      <p:ext uri="{BB962C8B-B14F-4D97-AF65-F5344CB8AC3E}">
+        <p14:creationId xmlns:p14="http://schemas.microsoft.com/office/powerpoint/2010/main" val="1315723131"/>
       </p:ext>
     </p:extLst>
   </p:cSld>

--- a/Session PPT.pptx
+++ b/Session PPT.pptx
@@ -118,6 +118,11 @@
       </a:defRPr>
     </a:lvl9pPr>
   </p:defaultTextStyle>
+  <p:extLst>
+    <p:ext uri="{EFAFB233-063F-42B5-8137-9DF3F51BA10A}">
+      <p15:sldGuideLst xmlns:p15="http://schemas.microsoft.com/office/powerpoint/2012/main"/>
+    </p:ext>
+  </p:extLst>
 </p:presentation>
 </file>
 
@@ -270,7 +275,7 @@
           <a:p>
             <a:fld id="{3935FB48-5648-E64F-A853-43A2A6E035F2}" type="datetimeFigureOut">
               <a:rPr lang="en-KR" smtClean="0"/>
-              <a:t>2023/05/24</a:t>
+              <a:t>2023/05/30</a:t>
             </a:fld>
             <a:endParaRPr lang="en-KR"/>
           </a:p>
@@ -470,7 +475,7 @@
           <a:p>
             <a:fld id="{3935FB48-5648-E64F-A853-43A2A6E035F2}" type="datetimeFigureOut">
               <a:rPr lang="en-KR" smtClean="0"/>
-              <a:t>2023/05/24</a:t>
+              <a:t>2023/05/30</a:t>
             </a:fld>
             <a:endParaRPr lang="en-KR"/>
           </a:p>
@@ -680,7 +685,7 @@
           <a:p>
             <a:fld id="{3935FB48-5648-E64F-A853-43A2A6E035F2}" type="datetimeFigureOut">
               <a:rPr lang="en-KR" smtClean="0"/>
-              <a:t>2023/05/24</a:t>
+              <a:t>2023/05/30</a:t>
             </a:fld>
             <a:endParaRPr lang="en-KR"/>
           </a:p>
@@ -880,7 +885,7 @@
           <a:p>
             <a:fld id="{3935FB48-5648-E64F-A853-43A2A6E035F2}" type="datetimeFigureOut">
               <a:rPr lang="en-KR" smtClean="0"/>
-              <a:t>2023/05/24</a:t>
+              <a:t>2023/05/30</a:t>
             </a:fld>
             <a:endParaRPr lang="en-KR"/>
           </a:p>
@@ -1156,7 +1161,7 @@
           <a:p>
             <a:fld id="{3935FB48-5648-E64F-A853-43A2A6E035F2}" type="datetimeFigureOut">
               <a:rPr lang="en-KR" smtClean="0"/>
-              <a:t>2023/05/24</a:t>
+              <a:t>2023/05/30</a:t>
             </a:fld>
             <a:endParaRPr lang="en-KR"/>
           </a:p>
@@ -1424,7 +1429,7 @@
           <a:p>
             <a:fld id="{3935FB48-5648-E64F-A853-43A2A6E035F2}" type="datetimeFigureOut">
               <a:rPr lang="en-KR" smtClean="0"/>
-              <a:t>2023/05/24</a:t>
+              <a:t>2023/05/30</a:t>
             </a:fld>
             <a:endParaRPr lang="en-KR"/>
           </a:p>
@@ -1839,7 +1844,7 @@
           <a:p>
             <a:fld id="{3935FB48-5648-E64F-A853-43A2A6E035F2}" type="datetimeFigureOut">
               <a:rPr lang="en-KR" smtClean="0"/>
-              <a:t>2023/05/24</a:t>
+              <a:t>2023/05/30</a:t>
             </a:fld>
             <a:endParaRPr lang="en-KR"/>
           </a:p>
@@ -1981,7 +1986,7 @@
           <a:p>
             <a:fld id="{3935FB48-5648-E64F-A853-43A2A6E035F2}" type="datetimeFigureOut">
               <a:rPr lang="en-KR" smtClean="0"/>
-              <a:t>2023/05/24</a:t>
+              <a:t>2023/05/30</a:t>
             </a:fld>
             <a:endParaRPr lang="en-KR"/>
           </a:p>
@@ -2094,7 +2099,7 @@
           <a:p>
             <a:fld id="{3935FB48-5648-E64F-A853-43A2A6E035F2}" type="datetimeFigureOut">
               <a:rPr lang="en-KR" smtClean="0"/>
-              <a:t>2023/05/24</a:t>
+              <a:t>2023/05/30</a:t>
             </a:fld>
             <a:endParaRPr lang="en-KR"/>
           </a:p>
@@ -2407,7 +2412,7 @@
           <a:p>
             <a:fld id="{3935FB48-5648-E64F-A853-43A2A6E035F2}" type="datetimeFigureOut">
               <a:rPr lang="en-KR" smtClean="0"/>
-              <a:t>2023/05/24</a:t>
+              <a:t>2023/05/30</a:t>
             </a:fld>
             <a:endParaRPr lang="en-KR"/>
           </a:p>
@@ -2696,7 +2701,7 @@
           <a:p>
             <a:fld id="{3935FB48-5648-E64F-A853-43A2A6E035F2}" type="datetimeFigureOut">
               <a:rPr lang="en-KR" smtClean="0"/>
-              <a:t>2023/05/24</a:t>
+              <a:t>2023/05/30</a:t>
             </a:fld>
             <a:endParaRPr lang="en-KR"/>
           </a:p>
@@ -2939,7 +2944,7 @@
           <a:p>
             <a:fld id="{3935FB48-5648-E64F-A853-43A2A6E035F2}" type="datetimeFigureOut">
               <a:rPr lang="en-KR" smtClean="0"/>
-              <a:t>2023/05/24</a:t>
+              <a:t>2023/05/30</a:t>
             </a:fld>
             <a:endParaRPr lang="en-KR"/>
           </a:p>
@@ -3408,7 +3413,7 @@
         </p:nvGrpSpPr>
         <p:grpSpPr>
           <a:xfrm>
-            <a:off x="-171450" y="0"/>
+            <a:off x="0" y="0"/>
             <a:ext cx="12369927" cy="7043738"/>
             <a:chOff x="9525" y="0"/>
             <a:chExt cx="12188952" cy="6858000"/>
@@ -3660,38 +3665,6 @@
           </a:p>
         </p:txBody>
       </p:sp>
-      <p:pic>
-        <p:nvPicPr>
-          <p:cNvPr id="12" name="Picture 11" descr="A screenshot of a computer&#10;&#10;Description automatically generated">
-            <a:extLst>
-              <a:ext uri="{FF2B5EF4-FFF2-40B4-BE49-F238E27FC236}">
-                <a16:creationId xmlns:a16="http://schemas.microsoft.com/office/drawing/2014/main" id="{B8943DF6-EBBF-F2CF-456B-FE5C0FEE2908}"/>
-              </a:ext>
-            </a:extLst>
-          </p:cNvPr>
-          <p:cNvPicPr>
-            <a:picLocks noChangeAspect="1"/>
-          </p:cNvPicPr>
-          <p:nvPr/>
-        </p:nvPicPr>
-        <p:blipFill>
-          <a:blip r:embed="rId3">
-            <a:alphaModFix amt="25000"/>
-          </a:blip>
-          <a:stretch>
-            <a:fillRect/>
-          </a:stretch>
-        </p:blipFill>
-        <p:spPr>
-          <a:xfrm>
-            <a:off x="0" y="0"/>
-            <a:ext cx="12138834" cy="7043738"/>
-          </a:xfrm>
-          <a:prstGeom prst="rect">
-            <a:avLst/>
-          </a:prstGeom>
-        </p:spPr>
-      </p:pic>
       <p:sp>
         <p:nvSpPr>
           <p:cNvPr id="5" name="Title 1">
@@ -4078,7 +4051,7 @@
           <p:nvPr/>
         </p:nvPicPr>
         <p:blipFill>
-          <a:blip r:embed="rId4"/>
+          <a:blip r:embed="rId3"/>
           <a:stretch>
             <a:fillRect/>
           </a:stretch>
@@ -8541,6 +8514,273 @@
           </a:prstGeom>
         </p:spPr>
       </p:pic>
+      <p:sp>
+        <p:nvSpPr>
+          <p:cNvPr id="2" name="Text Placeholder 5">
+            <a:extLst>
+              <a:ext uri="{FF2B5EF4-FFF2-40B4-BE49-F238E27FC236}">
+                <a16:creationId xmlns:a16="http://schemas.microsoft.com/office/drawing/2014/main" id="{07365A83-8F08-C3DA-932F-C71C27C6A8AC}"/>
+              </a:ext>
+            </a:extLst>
+          </p:cNvPr>
+          <p:cNvSpPr txBox="1">
+            <a:spLocks/>
+          </p:cNvSpPr>
+          <p:nvPr/>
+        </p:nvSpPr>
+        <p:spPr>
+          <a:xfrm>
+            <a:off x="381000" y="220980"/>
+            <a:ext cx="6667500" cy="228600"/>
+          </a:xfrm>
+          <a:prstGeom prst="rect">
+            <a:avLst/>
+          </a:prstGeom>
+        </p:spPr>
+        <p:txBody>
+          <a:bodyPr vert="horz" lIns="0" tIns="0" rIns="0" bIns="0" rtlCol="0" anchor="t">
+            <a:noAutofit/>
+          </a:bodyPr>
+          <a:lstStyle>
+            <a:lvl1pPr marL="0" indent="0" algn="l" defTabSz="914363" rtl="0" eaLnBrk="1" latinLnBrk="0" hangingPunct="1">
+              <a:lnSpc>
+                <a:spcPct val="105000"/>
+              </a:lnSpc>
+              <a:spcBef>
+                <a:spcPts val="500"/>
+              </a:spcBef>
+              <a:buFontTx/>
+              <a:buNone/>
+              <a:tabLst/>
+              <a:defRPr sz="1333" b="0" i="0" kern="1200">
+                <a:solidFill>
+                  <a:schemeClr val="accent1"/>
+                </a:solidFill>
+                <a:latin typeface="IBM Plex Sans" charset="0"/>
+                <a:ea typeface="IBM Plex Sans" charset="0"/>
+                <a:cs typeface="IBM Plex Sans" charset="0"/>
+              </a:defRPr>
+            </a:lvl1pPr>
+            <a:lvl2pPr marL="190492" indent="-190492" algn="l" defTabSz="914363" rtl="0" eaLnBrk="1" latinLnBrk="0" hangingPunct="1">
+              <a:lnSpc>
+                <a:spcPct val="105000"/>
+              </a:lnSpc>
+              <a:spcBef>
+                <a:spcPts val="500"/>
+              </a:spcBef>
+              <a:buFont typeface="Wingdings" panose="05000000000000000000" pitchFamily="2" charset="2"/>
+              <a:buChar char="§"/>
+              <a:defRPr lang="en-US" sz="1333" b="0" i="0" kern="1200">
+                <a:solidFill>
+                  <a:schemeClr val="accent1"/>
+                </a:solidFill>
+                <a:latin typeface="IBM Plex Sans" charset="0"/>
+                <a:ea typeface="IBM Plex Sans" charset="0"/>
+                <a:cs typeface="IBM Plex Sans" charset="0"/>
+              </a:defRPr>
+            </a:lvl2pPr>
+            <a:lvl3pPr marL="380985" indent="-190492" algn="l" defTabSz="914363" rtl="0" eaLnBrk="1" latinLnBrk="0" hangingPunct="1">
+              <a:lnSpc>
+                <a:spcPct val="105000"/>
+              </a:lnSpc>
+              <a:spcBef>
+                <a:spcPts val="500"/>
+              </a:spcBef>
+              <a:buSzPct val="80000"/>
+              <a:buFont typeface="Arial" panose="020B0604020202020204" pitchFamily="34" charset="0"/>
+              <a:buChar char="–"/>
+              <a:defRPr lang="en-US" sz="1333" b="0" i="0" kern="1200">
+                <a:solidFill>
+                  <a:schemeClr val="accent1"/>
+                </a:solidFill>
+                <a:latin typeface="IBM Plex Sans" charset="0"/>
+                <a:ea typeface="IBM Plex Sans" charset="0"/>
+                <a:cs typeface="IBM Plex Sans" charset="0"/>
+              </a:defRPr>
+            </a:lvl3pPr>
+            <a:lvl4pPr marL="571477" indent="-190492" algn="l" defTabSz="914363" rtl="0" eaLnBrk="1" latinLnBrk="0" hangingPunct="1">
+              <a:lnSpc>
+                <a:spcPct val="105000"/>
+              </a:lnSpc>
+              <a:spcBef>
+                <a:spcPts val="500"/>
+              </a:spcBef>
+              <a:buFont typeface="Arial" panose="020B0604020202020204" pitchFamily="34" charset="0"/>
+              <a:buChar char="•"/>
+              <a:defRPr lang="en-US" sz="1333" b="0" i="0" kern="1200">
+                <a:solidFill>
+                  <a:schemeClr val="accent1"/>
+                </a:solidFill>
+                <a:latin typeface="IBM Plex Sans" charset="0"/>
+                <a:ea typeface="IBM Plex Sans" charset="0"/>
+                <a:cs typeface="IBM Plex Sans" charset="0"/>
+              </a:defRPr>
+            </a:lvl4pPr>
+            <a:lvl5pPr marL="761970" indent="-190492" algn="l" defTabSz="914363" rtl="0" eaLnBrk="1" latinLnBrk="0" hangingPunct="1">
+              <a:lnSpc>
+                <a:spcPct val="105000"/>
+              </a:lnSpc>
+              <a:spcBef>
+                <a:spcPts val="500"/>
+              </a:spcBef>
+              <a:buSzPct val="80000"/>
+              <a:buFont typeface="Arial" panose="020B0604020202020204" pitchFamily="34" charset="0"/>
+              <a:buChar char="–"/>
+              <a:defRPr lang="en-US" sz="1667" b="0" i="0" kern="1200" dirty="0">
+                <a:solidFill>
+                  <a:schemeClr val="tx1"/>
+                </a:solidFill>
+                <a:latin typeface="IBM Plex Sans" charset="0"/>
+                <a:ea typeface="IBM Plex Sans" charset="0"/>
+                <a:cs typeface="IBM Plex Sans" charset="0"/>
+              </a:defRPr>
+            </a:lvl5pPr>
+            <a:lvl6pPr marL="2514499" indent="-228591" algn="l" defTabSz="914363" rtl="0" eaLnBrk="1" latinLnBrk="0" hangingPunct="1">
+              <a:lnSpc>
+                <a:spcPct val="90000"/>
+              </a:lnSpc>
+              <a:spcBef>
+                <a:spcPts val="500"/>
+              </a:spcBef>
+              <a:buFont typeface="Arial" panose="020B0604020202020204" pitchFamily="34" charset="0"/>
+              <a:buChar char="•"/>
+              <a:defRPr sz="1800" kern="1200">
+                <a:solidFill>
+                  <a:schemeClr val="tx1"/>
+                </a:solidFill>
+                <a:latin typeface="+mn-lt"/>
+                <a:ea typeface="+mn-ea"/>
+                <a:cs typeface="+mn-cs"/>
+              </a:defRPr>
+            </a:lvl6pPr>
+            <a:lvl7pPr marL="2971681" indent="-228591" algn="l" defTabSz="914363" rtl="0" eaLnBrk="1" latinLnBrk="0" hangingPunct="1">
+              <a:lnSpc>
+                <a:spcPct val="90000"/>
+              </a:lnSpc>
+              <a:spcBef>
+                <a:spcPts val="500"/>
+              </a:spcBef>
+              <a:buFont typeface="Arial" panose="020B0604020202020204" pitchFamily="34" charset="0"/>
+              <a:buChar char="•"/>
+              <a:defRPr sz="1800" kern="1200">
+                <a:solidFill>
+                  <a:schemeClr val="tx1"/>
+                </a:solidFill>
+                <a:latin typeface="+mn-lt"/>
+                <a:ea typeface="+mn-ea"/>
+                <a:cs typeface="+mn-cs"/>
+              </a:defRPr>
+            </a:lvl7pPr>
+            <a:lvl8pPr marL="3428863" indent="-228591" algn="l" defTabSz="914363" rtl="0" eaLnBrk="1" latinLnBrk="0" hangingPunct="1">
+              <a:lnSpc>
+                <a:spcPct val="90000"/>
+              </a:lnSpc>
+              <a:spcBef>
+                <a:spcPts val="500"/>
+              </a:spcBef>
+              <a:buFont typeface="Arial" panose="020B0604020202020204" pitchFamily="34" charset="0"/>
+              <a:buChar char="•"/>
+              <a:defRPr sz="1800" kern="1200">
+                <a:solidFill>
+                  <a:schemeClr val="tx1"/>
+                </a:solidFill>
+                <a:latin typeface="+mn-lt"/>
+                <a:ea typeface="+mn-ea"/>
+                <a:cs typeface="+mn-cs"/>
+              </a:defRPr>
+            </a:lvl8pPr>
+            <a:lvl9pPr marL="3886045" indent="-228591" algn="l" defTabSz="914363" rtl="0" eaLnBrk="1" latinLnBrk="0" hangingPunct="1">
+              <a:lnSpc>
+                <a:spcPct val="90000"/>
+              </a:lnSpc>
+              <a:spcBef>
+                <a:spcPts val="500"/>
+              </a:spcBef>
+              <a:buFont typeface="Arial" panose="020B0604020202020204" pitchFamily="34" charset="0"/>
+              <a:buChar char="•"/>
+              <a:defRPr sz="1800" kern="1200">
+                <a:solidFill>
+                  <a:schemeClr val="tx1"/>
+                </a:solidFill>
+                <a:latin typeface="+mn-lt"/>
+                <a:ea typeface="+mn-ea"/>
+                <a:cs typeface="+mn-cs"/>
+              </a:defRPr>
+            </a:lvl9pPr>
+          </a:lstStyle>
+          <a:p>
+            <a:pPr marL="0" marR="0" lvl="0" indent="0" algn="l" defTabSz="914363" rtl="0" eaLnBrk="1" fontAlgn="auto" latinLnBrk="0" hangingPunct="1">
+              <a:lnSpc>
+                <a:spcPct val="105000"/>
+              </a:lnSpc>
+              <a:spcBef>
+                <a:spcPts val="500"/>
+              </a:spcBef>
+              <a:spcAft>
+                <a:spcPts val="0"/>
+              </a:spcAft>
+              <a:buClrTx/>
+              <a:buSzTx/>
+              <a:buFontTx/>
+              <a:buNone/>
+              <a:tabLst/>
+              <a:defRPr/>
+            </a:pPr>
+            <a:r>
+              <a:rPr lang="en-US" altLang="ko-KR" dirty="0">
+                <a:solidFill>
+                  <a:srgbClr val="0F6DFF"/>
+                </a:solidFill>
+              </a:rPr>
+              <a:t>Types</a:t>
+            </a:r>
+            <a:r>
+              <a:rPr lang="ko-KR" altLang="en-US" dirty="0">
+                <a:solidFill>
+                  <a:srgbClr val="0F6DFF"/>
+                </a:solidFill>
+              </a:rPr>
+              <a:t> </a:t>
+            </a:r>
+            <a:r>
+              <a:rPr lang="en-US" altLang="ko-KR" dirty="0">
+                <a:solidFill>
+                  <a:srgbClr val="0F6DFF"/>
+                </a:solidFill>
+              </a:rPr>
+              <a:t>of</a:t>
+            </a:r>
+            <a:r>
+              <a:rPr lang="ko-KR" altLang="en-US" dirty="0">
+                <a:solidFill>
+                  <a:srgbClr val="0F6DFF"/>
+                </a:solidFill>
+              </a:rPr>
+              <a:t> </a:t>
+            </a:r>
+            <a:r>
+              <a:rPr lang="en-US" altLang="ko-KR" dirty="0">
+                <a:solidFill>
+                  <a:srgbClr val="0F6DFF"/>
+                </a:solidFill>
+              </a:rPr>
+              <a:t>monitoring</a:t>
+            </a:r>
+            <a:endParaRPr kumimoji="0" lang="en-US" sz="1333" b="0" i="0" u="none" strike="noStrike" kern="1200" cap="none" spc="0" normalizeH="0" baseline="0" noProof="0" dirty="0">
+              <a:ln>
+                <a:noFill/>
+              </a:ln>
+              <a:solidFill>
+                <a:srgbClr val="0F6DFF"/>
+              </a:solidFill>
+              <a:effectLst/>
+              <a:uLnTx/>
+              <a:uFillTx/>
+              <a:latin typeface="IBM Plex Sans" charset="0"/>
+            </a:endParaRPr>
+          </a:p>
+        </p:txBody>
+      </p:sp>
     </p:spTree>
     <p:extLst>
       <p:ext uri="{BB962C8B-B14F-4D97-AF65-F5344CB8AC3E}">
@@ -8589,176 +8829,218 @@
         </p:nvSpPr>
         <p:spPr/>
         <p:txBody>
-          <a:bodyPr/>
+          <a:bodyPr>
+            <a:normAutofit/>
+          </a:bodyPr>
           <a:lstStyle/>
           <a:p>
-            <a:pPr algn="l"/>
-            <a:r>
-              <a:rPr lang="ko-KR" altLang="en-US" b="0" i="0" dirty="0">
-                <a:solidFill>
-                  <a:srgbClr val="374151"/>
-                </a:solidFill>
-                <a:effectLst/>
-                <a:latin typeface="Söhne"/>
+            <a:pPr algn="l">
+              <a:lnSpc>
+                <a:spcPct val="150000"/>
+              </a:lnSpc>
+            </a:pPr>
+            <a:r>
+              <a:rPr lang="ko-KR" altLang="en-US" sz="1400" b="0" i="0" dirty="0">
+                <a:solidFill>
+                  <a:srgbClr val="374151"/>
+                </a:solidFill>
+                <a:effectLst/>
+                <a:latin typeface="Open Sans Light" pitchFamily="2" charset="0"/>
+                <a:cs typeface="Open Sans Light" pitchFamily="2" charset="0"/>
               </a:rPr>
               <a:t>시스템 모니터링은 네트워크의 물리적 계층에 있는 인프라 구성 요소의 성능을 평가합니다</a:t>
             </a:r>
             <a:r>
-              <a:rPr lang="en-US" altLang="ko-KR" b="0" i="0" dirty="0">
-                <a:solidFill>
-                  <a:srgbClr val="374151"/>
-                </a:solidFill>
-                <a:effectLst/>
-                <a:latin typeface="Söhne"/>
+              <a:rPr lang="en-US" altLang="ko-KR" sz="1400" b="0" i="0" dirty="0">
+                <a:solidFill>
+                  <a:srgbClr val="374151"/>
+                </a:solidFill>
+                <a:effectLst/>
+                <a:latin typeface="Open Sans Light" pitchFamily="2" charset="0"/>
+                <a:ea typeface="Open Sans Light" pitchFamily="2" charset="0"/>
+                <a:cs typeface="Open Sans Light" pitchFamily="2" charset="0"/>
               </a:rPr>
               <a:t>:</a:t>
             </a:r>
           </a:p>
           <a:p>
-            <a:pPr algn="l"/>
-            <a:r>
-              <a:rPr lang="ko-KR" altLang="en-US" b="0" i="0" dirty="0">
-                <a:solidFill>
-                  <a:srgbClr val="374151"/>
-                </a:solidFill>
-                <a:effectLst/>
-                <a:latin typeface="Söhne"/>
+            <a:pPr algn="l">
+              <a:lnSpc>
+                <a:spcPct val="150000"/>
+              </a:lnSpc>
+            </a:pPr>
+            <a:r>
+              <a:rPr lang="ko-KR" altLang="en-US" sz="1400" b="0" i="0" dirty="0">
+                <a:solidFill>
+                  <a:srgbClr val="374151"/>
+                </a:solidFill>
+                <a:effectLst/>
+                <a:latin typeface="Open Sans Light" pitchFamily="2" charset="0"/>
+                <a:cs typeface="Open Sans Light" pitchFamily="2" charset="0"/>
               </a:rPr>
               <a:t>각 서버는 개별적으로 모니터링되며</a:t>
             </a:r>
             <a:r>
-              <a:rPr lang="en-US" altLang="ko-KR" b="0" i="0" dirty="0">
-                <a:solidFill>
-                  <a:srgbClr val="374151"/>
-                </a:solidFill>
-                <a:effectLst/>
-                <a:latin typeface="Söhne"/>
+              <a:rPr lang="en-US" altLang="ko-KR" sz="1400" b="0" i="0" dirty="0">
+                <a:solidFill>
+                  <a:srgbClr val="374151"/>
+                </a:solidFill>
+                <a:effectLst/>
+                <a:latin typeface="Open Sans Light" pitchFamily="2" charset="0"/>
+                <a:ea typeface="Open Sans Light" pitchFamily="2" charset="0"/>
+                <a:cs typeface="Open Sans Light" pitchFamily="2" charset="0"/>
               </a:rPr>
               <a:t>, </a:t>
             </a:r>
             <a:r>
-              <a:rPr lang="ko-KR" altLang="en-US" b="0" i="0" dirty="0">
-                <a:solidFill>
-                  <a:srgbClr val="374151"/>
-                </a:solidFill>
-                <a:effectLst/>
-                <a:latin typeface="Söhne"/>
+              <a:rPr lang="ko-KR" altLang="en-US" sz="1400" b="0" i="0" dirty="0">
+                <a:solidFill>
+                  <a:srgbClr val="374151"/>
+                </a:solidFill>
+                <a:effectLst/>
+                <a:latin typeface="Open Sans Light" pitchFamily="2" charset="0"/>
+                <a:cs typeface="Open Sans Light" pitchFamily="2" charset="0"/>
               </a:rPr>
               <a:t>네트워크 노드의 종합 정보는 네트워크 성능에 미치는 영향을 평가하기 위해 추가로 분석됩니다</a:t>
             </a:r>
             <a:r>
-              <a:rPr lang="en-US" altLang="ko-KR" b="0" i="0" dirty="0">
-                <a:solidFill>
-                  <a:srgbClr val="374151"/>
-                </a:solidFill>
-                <a:effectLst/>
-                <a:latin typeface="Söhne"/>
+              <a:rPr lang="en-US" altLang="ko-KR" sz="1400" b="0" i="0" dirty="0">
+                <a:solidFill>
+                  <a:srgbClr val="374151"/>
+                </a:solidFill>
+                <a:effectLst/>
+                <a:latin typeface="Open Sans Light" pitchFamily="2" charset="0"/>
+                <a:ea typeface="Open Sans Light" pitchFamily="2" charset="0"/>
+                <a:cs typeface="Open Sans Light" pitchFamily="2" charset="0"/>
               </a:rPr>
               <a:t>. </a:t>
             </a:r>
             <a:r>
-              <a:rPr lang="ko-KR" altLang="en-US" b="0" i="0" dirty="0">
-                <a:solidFill>
-                  <a:srgbClr val="374151"/>
-                </a:solidFill>
-                <a:effectLst/>
-                <a:latin typeface="Söhne"/>
+              <a:rPr lang="ko-KR" altLang="en-US" sz="1400" b="0" i="0" dirty="0">
+                <a:solidFill>
+                  <a:srgbClr val="374151"/>
+                </a:solidFill>
+                <a:effectLst/>
+                <a:latin typeface="Open Sans Light" pitchFamily="2" charset="0"/>
+                <a:cs typeface="Open Sans Light" pitchFamily="2" charset="0"/>
               </a:rPr>
               <a:t>하드웨어 구성 요소의 문제점을 식별하고 필요에 따라 해결합니다</a:t>
             </a:r>
             <a:r>
-              <a:rPr lang="en-US" altLang="ko-KR" b="0" i="0" dirty="0">
-                <a:solidFill>
-                  <a:srgbClr val="374151"/>
-                </a:solidFill>
-                <a:effectLst/>
-                <a:latin typeface="Söhne"/>
+              <a:rPr lang="en-US" altLang="ko-KR" sz="1400" b="0" i="0" dirty="0">
+                <a:solidFill>
+                  <a:srgbClr val="374151"/>
+                </a:solidFill>
+                <a:effectLst/>
+                <a:latin typeface="Open Sans Light" pitchFamily="2" charset="0"/>
+                <a:ea typeface="Open Sans Light" pitchFamily="2" charset="0"/>
+                <a:cs typeface="Open Sans Light" pitchFamily="2" charset="0"/>
               </a:rPr>
               <a:t>. </a:t>
             </a:r>
             <a:r>
-              <a:rPr lang="ko-KR" altLang="en-US" b="0" i="0" dirty="0">
-                <a:solidFill>
-                  <a:srgbClr val="374151"/>
-                </a:solidFill>
-                <a:effectLst/>
-                <a:latin typeface="Söhne"/>
+              <a:rPr lang="ko-KR" altLang="en-US" sz="1400" b="0" i="0" dirty="0">
+                <a:solidFill>
+                  <a:srgbClr val="374151"/>
+                </a:solidFill>
+                <a:effectLst/>
+                <a:latin typeface="Open Sans Light" pitchFamily="2" charset="0"/>
+                <a:cs typeface="Open Sans Light" pitchFamily="2" charset="0"/>
               </a:rPr>
               <a:t>시스템 모니터링은 가용성 모니터링으로도 알려져 있으며</a:t>
             </a:r>
             <a:r>
-              <a:rPr lang="en-US" altLang="ko-KR" b="0" i="0" dirty="0">
-                <a:solidFill>
-                  <a:srgbClr val="374151"/>
-                </a:solidFill>
-                <a:effectLst/>
-                <a:latin typeface="Söhne"/>
+              <a:rPr lang="en-US" altLang="ko-KR" sz="1400" b="0" i="0" dirty="0">
+                <a:solidFill>
+                  <a:srgbClr val="374151"/>
+                </a:solidFill>
+                <a:effectLst/>
+                <a:latin typeface="Open Sans Light" pitchFamily="2" charset="0"/>
+                <a:ea typeface="Open Sans Light" pitchFamily="2" charset="0"/>
+                <a:cs typeface="Open Sans Light" pitchFamily="2" charset="0"/>
               </a:rPr>
               <a:t>, </a:t>
             </a:r>
             <a:r>
-              <a:rPr lang="ko-KR" altLang="en-US" b="0" i="0" dirty="0">
-                <a:solidFill>
-                  <a:srgbClr val="374151"/>
-                </a:solidFill>
-                <a:effectLst/>
-                <a:latin typeface="Söhne"/>
+              <a:rPr lang="ko-KR" altLang="en-US" sz="1400" b="0" i="0" dirty="0">
+                <a:solidFill>
+                  <a:srgbClr val="374151"/>
+                </a:solidFill>
+                <a:effectLst/>
+                <a:latin typeface="Open Sans Light" pitchFamily="2" charset="0"/>
+                <a:cs typeface="Open Sans Light" pitchFamily="2" charset="0"/>
               </a:rPr>
               <a:t>서버 가동 시간 및 </a:t>
             </a:r>
             <a:r>
-              <a:rPr lang="en-US" b="0" i="0" dirty="0">
-                <a:solidFill>
-                  <a:srgbClr val="374151"/>
-                </a:solidFill>
-                <a:effectLst/>
-                <a:latin typeface="Söhne"/>
+              <a:rPr lang="en-US" sz="1400" b="0" i="0" dirty="0">
+                <a:solidFill>
+                  <a:srgbClr val="374151"/>
+                </a:solidFill>
+                <a:effectLst/>
+                <a:latin typeface="Open Sans Light" pitchFamily="2" charset="0"/>
+                <a:ea typeface="Open Sans Light" pitchFamily="2" charset="0"/>
+                <a:cs typeface="Open Sans Light" pitchFamily="2" charset="0"/>
               </a:rPr>
               <a:t>CPU </a:t>
             </a:r>
             <a:r>
-              <a:rPr lang="ko-KR" altLang="en-US" b="0" i="0" dirty="0">
-                <a:solidFill>
-                  <a:srgbClr val="374151"/>
-                </a:solidFill>
-                <a:effectLst/>
-                <a:latin typeface="Söhne"/>
+              <a:rPr lang="ko-KR" altLang="en-US" sz="1400" b="0" i="0" dirty="0">
+                <a:solidFill>
+                  <a:srgbClr val="374151"/>
+                </a:solidFill>
+                <a:effectLst/>
+                <a:latin typeface="Open Sans Light" pitchFamily="2" charset="0"/>
+                <a:cs typeface="Open Sans Light" pitchFamily="2" charset="0"/>
               </a:rPr>
               <a:t>성능과 같은 </a:t>
             </a:r>
             <a:r>
-              <a:rPr lang="ko-KR" altLang="en-US" b="0" i="0" dirty="0" err="1">
-                <a:solidFill>
-                  <a:srgbClr val="374151"/>
-                </a:solidFill>
-                <a:effectLst/>
-                <a:latin typeface="Söhne"/>
+              <a:rPr lang="ko-KR" altLang="en-US" sz="1400" b="0" i="0" dirty="0" err="1">
+                <a:solidFill>
+                  <a:srgbClr val="374151"/>
+                </a:solidFill>
+                <a:effectLst/>
+                <a:latin typeface="Open Sans Light" pitchFamily="2" charset="0"/>
+                <a:cs typeface="Open Sans Light" pitchFamily="2" charset="0"/>
               </a:rPr>
               <a:t>메트릭을</a:t>
             </a:r>
             <a:r>
-              <a:rPr lang="ko-KR" altLang="en-US" b="0" i="0" dirty="0">
-                <a:solidFill>
-                  <a:srgbClr val="374151"/>
-                </a:solidFill>
-                <a:effectLst/>
-                <a:latin typeface="Söhne"/>
+              <a:rPr lang="ko-KR" altLang="en-US" sz="1400" b="0" i="0" dirty="0">
+                <a:solidFill>
+                  <a:srgbClr val="374151"/>
+                </a:solidFill>
+                <a:effectLst/>
+                <a:latin typeface="Open Sans Light" pitchFamily="2" charset="0"/>
+                <a:cs typeface="Open Sans Light" pitchFamily="2" charset="0"/>
               </a:rPr>
               <a:t> 다룹니다</a:t>
             </a:r>
             <a:r>
-              <a:rPr lang="en-US" altLang="ko-KR" b="0" i="0" dirty="0">
-                <a:solidFill>
-                  <a:srgbClr val="374151"/>
-                </a:solidFill>
-                <a:effectLst/>
-                <a:latin typeface="Söhne"/>
+              <a:rPr lang="en-US" altLang="ko-KR" sz="1400" b="0" i="0" dirty="0">
+                <a:solidFill>
+                  <a:srgbClr val="374151"/>
+                </a:solidFill>
+                <a:effectLst/>
+                <a:latin typeface="Open Sans Light" pitchFamily="2" charset="0"/>
+                <a:ea typeface="Open Sans Light" pitchFamily="2" charset="0"/>
+                <a:cs typeface="Open Sans Light" pitchFamily="2" charset="0"/>
               </a:rPr>
               <a:t>.</a:t>
             </a:r>
           </a:p>
           <a:p>
-            <a:endParaRPr lang="en-KR" dirty="0"/>
+            <a:pPr>
+              <a:lnSpc>
+                <a:spcPct val="150000"/>
+              </a:lnSpc>
+            </a:pPr>
+            <a:endParaRPr lang="en-KR" sz="1400" dirty="0">
+              <a:latin typeface="Open Sans Light" pitchFamily="2" charset="0"/>
+              <a:ea typeface="Open Sans Light" pitchFamily="2" charset="0"/>
+              <a:cs typeface="Open Sans Light" pitchFamily="2" charset="0"/>
+            </a:endParaRPr>
           </a:p>
         </p:txBody>
       </p:sp>
@@ -8793,6 +9075,8 @@
                 </a:solidFill>
                 <a:effectLst/>
                 <a:latin typeface="Open Sans Light" pitchFamily="2" charset="0"/>
+                <a:ea typeface="Open Sans Light" pitchFamily="2" charset="0"/>
+                <a:cs typeface="Open Sans Light" pitchFamily="2" charset="0"/>
               </a:rPr>
               <a:t>System monitoring</a:t>
             </a:r>
@@ -8803,12 +9087,22 @@
                 </a:solidFill>
                 <a:effectLst/>
                 <a:latin typeface="Open Sans Light" pitchFamily="2" charset="0"/>
+                <a:ea typeface="Open Sans Light" pitchFamily="2" charset="0"/>
+                <a:cs typeface="Open Sans Light" pitchFamily="2" charset="0"/>
               </a:rPr>
             </a:br>
             <a:br>
-              <a:rPr lang="en-US" dirty="0"/>
+              <a:rPr lang="en-US" dirty="0">
+                <a:latin typeface="Open Sans Light" pitchFamily="2" charset="0"/>
+                <a:ea typeface="Open Sans Light" pitchFamily="2" charset="0"/>
+                <a:cs typeface="Open Sans Light" pitchFamily="2" charset="0"/>
+              </a:rPr>
             </a:br>
-            <a:endParaRPr lang="en-KR" dirty="0"/>
+            <a:endParaRPr lang="en-KR" dirty="0">
+              <a:latin typeface="Open Sans Light" pitchFamily="2" charset="0"/>
+              <a:ea typeface="Open Sans Light" pitchFamily="2" charset="0"/>
+              <a:cs typeface="Open Sans Light" pitchFamily="2" charset="0"/>
+            </a:endParaRPr>
           </a:p>
         </p:txBody>
       </p:sp>
